--- a/Protocol Documentations/2020_05_27_Protocol Documentations/2020_04_13_CNLAB_PROTOCOL.pptx
+++ b/Protocol Documentations/2020_05_27_Protocol Documentations/2020_04_13_CNLAB_PROTOCOL.pptx
@@ -230,7 +230,7 @@
           <a:p>
             <a:fld id="{3116EC84-E442-824B-954D-2C321762CEF7}" type="datetimeFigureOut">
               <a:rPr lang="en-US" smtClean="0"/>
-              <a:t>4/14/20</a:t>
+              <a:t>1/19/2021</a:t>
             </a:fld>
             <a:endParaRPr lang="en-US"/>
           </a:p>
@@ -294,38 +294,37 @@
           <a:p>
             <a:pPr lvl="0"/>
             <a:r>
-              <a:rPr lang="en-US" smtClean="0"/>
+              <a:rPr lang="en-US"/>
               <a:t>Click to edit Master text styles</a:t>
             </a:r>
           </a:p>
           <a:p>
             <a:pPr lvl="1"/>
             <a:r>
-              <a:rPr lang="en-US" smtClean="0"/>
+              <a:rPr lang="en-US"/>
               <a:t>Second level</a:t>
             </a:r>
           </a:p>
           <a:p>
             <a:pPr lvl="2"/>
             <a:r>
-              <a:rPr lang="en-US" smtClean="0"/>
+              <a:rPr lang="en-US"/>
               <a:t>Third level</a:t>
             </a:r>
           </a:p>
           <a:p>
             <a:pPr lvl="3"/>
             <a:r>
-              <a:rPr lang="en-US" smtClean="0"/>
+              <a:rPr lang="en-US"/>
               <a:t>Fourth level</a:t>
             </a:r>
           </a:p>
           <a:p>
             <a:pPr lvl="4"/>
             <a:r>
-              <a:rPr lang="en-US" smtClean="0"/>
+              <a:rPr lang="en-US"/>
               <a:t>Fifth level</a:t>
             </a:r>
-            <a:endParaRPr lang="en-US"/>
           </a:p>
         </p:txBody>
       </p:sp>
@@ -960,10 +959,9 @@
           </a:lstStyle>
           <a:p>
             <a:r>
-              <a:rPr lang="en-US" smtClean="0"/>
+              <a:rPr lang="en-US"/>
               <a:t>Click to edit Master title style</a:t>
             </a:r>
-            <a:endParaRPr lang="en-US"/>
           </a:p>
         </p:txBody>
       </p:sp>
@@ -1025,10 +1023,9 @@
           </a:lstStyle>
           <a:p>
             <a:r>
-              <a:rPr lang="en-US" smtClean="0"/>
+              <a:rPr lang="en-US"/>
               <a:t>Click to edit Master subtitle style</a:t>
             </a:r>
-            <a:endParaRPr lang="en-US"/>
           </a:p>
         </p:txBody>
       </p:sp>
@@ -1049,7 +1046,7 @@
           <a:p>
             <a:fld id="{98FE96CA-A114-CA4B-82AC-764C61C84207}" type="datetime1">
               <a:rPr lang="en-US" smtClean="0"/>
-              <a:t>4/14/20</a:t>
+              <a:t>1/19/2021</a:t>
             </a:fld>
             <a:endParaRPr lang="en-US" dirty="0"/>
           </a:p>
@@ -1071,7 +1068,7 @@
           <a:lstStyle/>
           <a:p>
             <a:r>
-              <a:rPr lang="en-US" smtClean="0"/>
+              <a:rPr lang="en-US"/>
               <a:t>CNLAB PROTOCOL</a:t>
             </a:r>
             <a:endParaRPr lang="en-US" dirty="0"/>
@@ -1142,10 +1139,9 @@
           <a:lstStyle/>
           <a:p>
             <a:r>
-              <a:rPr lang="en-US" smtClean="0"/>
+              <a:rPr lang="en-US"/>
               <a:t>Click to edit Master title style</a:t>
             </a:r>
-            <a:endParaRPr lang="en-US"/>
           </a:p>
         </p:txBody>
       </p:sp>
@@ -1166,38 +1162,37 @@
           <a:p>
             <a:pPr lvl="0"/>
             <a:r>
-              <a:rPr lang="en-US" smtClean="0"/>
+              <a:rPr lang="en-US"/>
               <a:t>Click to edit Master text styles</a:t>
             </a:r>
           </a:p>
           <a:p>
             <a:pPr lvl="1"/>
             <a:r>
-              <a:rPr lang="en-US" smtClean="0"/>
+              <a:rPr lang="en-US"/>
               <a:t>Second level</a:t>
             </a:r>
           </a:p>
           <a:p>
             <a:pPr lvl="2"/>
             <a:r>
-              <a:rPr lang="en-US" smtClean="0"/>
+              <a:rPr lang="en-US"/>
               <a:t>Third level</a:t>
             </a:r>
           </a:p>
           <a:p>
             <a:pPr lvl="3"/>
             <a:r>
-              <a:rPr lang="en-US" smtClean="0"/>
+              <a:rPr lang="en-US"/>
               <a:t>Fourth level</a:t>
             </a:r>
           </a:p>
           <a:p>
             <a:pPr lvl="4"/>
             <a:r>
-              <a:rPr lang="en-US" smtClean="0"/>
+              <a:rPr lang="en-US"/>
               <a:t>Fifth level</a:t>
             </a:r>
-            <a:endParaRPr lang="en-US"/>
           </a:p>
         </p:txBody>
       </p:sp>
@@ -1218,7 +1213,7 @@
           <a:p>
             <a:fld id="{B55CB748-C492-4E40-9B26-B3D4232C58B7}" type="datetime1">
               <a:rPr lang="en-US" smtClean="0"/>
-              <a:t>4/14/20</a:t>
+              <a:t>1/19/2021</a:t>
             </a:fld>
             <a:endParaRPr lang="en-US" dirty="0"/>
           </a:p>
@@ -1240,7 +1235,7 @@
           <a:lstStyle/>
           <a:p>
             <a:r>
-              <a:rPr lang="en-US" smtClean="0"/>
+              <a:rPr lang="en-US"/>
               <a:t>CNLAB PROTOCOL</a:t>
             </a:r>
             <a:endParaRPr lang="en-US" dirty="0"/>
@@ -1316,10 +1311,9 @@
           <a:lstStyle/>
           <a:p>
             <a:r>
-              <a:rPr lang="en-US" smtClean="0"/>
+              <a:rPr lang="en-US"/>
               <a:t>Click to edit Master title style</a:t>
             </a:r>
-            <a:endParaRPr lang="en-US"/>
           </a:p>
         </p:txBody>
       </p:sp>
@@ -1345,38 +1339,37 @@
           <a:p>
             <a:pPr lvl="0"/>
             <a:r>
-              <a:rPr lang="en-US" smtClean="0"/>
+              <a:rPr lang="en-US"/>
               <a:t>Click to edit Master text styles</a:t>
             </a:r>
           </a:p>
           <a:p>
             <a:pPr lvl="1"/>
             <a:r>
-              <a:rPr lang="en-US" smtClean="0"/>
+              <a:rPr lang="en-US"/>
               <a:t>Second level</a:t>
             </a:r>
           </a:p>
           <a:p>
             <a:pPr lvl="2"/>
             <a:r>
-              <a:rPr lang="en-US" smtClean="0"/>
+              <a:rPr lang="en-US"/>
               <a:t>Third level</a:t>
             </a:r>
           </a:p>
           <a:p>
             <a:pPr lvl="3"/>
             <a:r>
-              <a:rPr lang="en-US" smtClean="0"/>
+              <a:rPr lang="en-US"/>
               <a:t>Fourth level</a:t>
             </a:r>
           </a:p>
           <a:p>
             <a:pPr lvl="4"/>
             <a:r>
-              <a:rPr lang="en-US" smtClean="0"/>
+              <a:rPr lang="en-US"/>
               <a:t>Fifth level</a:t>
             </a:r>
-            <a:endParaRPr lang="en-US"/>
           </a:p>
         </p:txBody>
       </p:sp>
@@ -1397,7 +1390,7 @@
           <a:p>
             <a:fld id="{7EFF7E4D-78B4-8E4E-85CD-032BABD80B7D}" type="datetime1">
               <a:rPr lang="en-US" smtClean="0"/>
-              <a:t>4/14/20</a:t>
+              <a:t>1/19/2021</a:t>
             </a:fld>
             <a:endParaRPr lang="en-US" dirty="0"/>
           </a:p>
@@ -1419,7 +1412,7 @@
           <a:lstStyle/>
           <a:p>
             <a:r>
-              <a:rPr lang="en-US" smtClean="0"/>
+              <a:rPr lang="en-US"/>
               <a:t>CNLAB PROTOCOL</a:t>
             </a:r>
             <a:endParaRPr lang="en-US" dirty="0"/>
@@ -1490,10 +1483,9 @@
           <a:lstStyle/>
           <a:p>
             <a:r>
-              <a:rPr lang="en-US" smtClean="0"/>
+              <a:rPr lang="en-US"/>
               <a:t>Click to edit Master title style</a:t>
             </a:r>
-            <a:endParaRPr lang="en-US"/>
           </a:p>
         </p:txBody>
       </p:sp>
@@ -1514,38 +1506,37 @@
           <a:p>
             <a:pPr lvl="0"/>
             <a:r>
-              <a:rPr lang="en-US" smtClean="0"/>
+              <a:rPr lang="en-US"/>
               <a:t>Click to edit Master text styles</a:t>
             </a:r>
           </a:p>
           <a:p>
             <a:pPr lvl="1"/>
             <a:r>
-              <a:rPr lang="en-US" smtClean="0"/>
+              <a:rPr lang="en-US"/>
               <a:t>Second level</a:t>
             </a:r>
           </a:p>
           <a:p>
             <a:pPr lvl="2"/>
             <a:r>
-              <a:rPr lang="en-US" smtClean="0"/>
+              <a:rPr lang="en-US"/>
               <a:t>Third level</a:t>
             </a:r>
           </a:p>
           <a:p>
             <a:pPr lvl="3"/>
             <a:r>
-              <a:rPr lang="en-US" smtClean="0"/>
+              <a:rPr lang="en-US"/>
               <a:t>Fourth level</a:t>
             </a:r>
           </a:p>
           <a:p>
             <a:pPr lvl="4"/>
             <a:r>
-              <a:rPr lang="en-US" smtClean="0"/>
+              <a:rPr lang="en-US"/>
               <a:t>Fifth level</a:t>
             </a:r>
-            <a:endParaRPr lang="en-US"/>
           </a:p>
         </p:txBody>
       </p:sp>
@@ -1566,7 +1557,7 @@
           <a:p>
             <a:fld id="{372C4175-475F-754E-9967-6CCA73D87331}" type="datetime1">
               <a:rPr lang="en-US" smtClean="0"/>
-              <a:t>4/14/20</a:t>
+              <a:t>1/19/2021</a:t>
             </a:fld>
             <a:endParaRPr lang="en-US" dirty="0"/>
           </a:p>
@@ -1588,7 +1579,7 @@
           <a:lstStyle/>
           <a:p>
             <a:r>
-              <a:rPr lang="en-US" smtClean="0"/>
+              <a:rPr lang="en-US"/>
               <a:t>CNLAB PROTOCOL</a:t>
             </a:r>
             <a:endParaRPr lang="en-US" dirty="0"/>
@@ -1668,10 +1659,9 @@
           </a:lstStyle>
           <a:p>
             <a:r>
-              <a:rPr lang="en-US" smtClean="0"/>
+              <a:rPr lang="en-US"/>
               <a:t>Click to edit Master title style</a:t>
             </a:r>
-            <a:endParaRPr lang="en-US"/>
           </a:p>
         </p:txBody>
       </p:sp>
@@ -1788,7 +1778,7 @@
           <a:p>
             <a:pPr lvl="0"/>
             <a:r>
-              <a:rPr lang="en-US" smtClean="0"/>
+              <a:rPr lang="en-US"/>
               <a:t>Click to edit Master text styles</a:t>
             </a:r>
           </a:p>
@@ -1811,7 +1801,7 @@
           <a:p>
             <a:fld id="{5AAFA9AF-E56E-FA45-B6A5-7E4244D835B0}" type="datetime1">
               <a:rPr lang="en-US" smtClean="0"/>
-              <a:t>4/14/20</a:t>
+              <a:t>1/19/2021</a:t>
             </a:fld>
             <a:endParaRPr lang="en-US" dirty="0"/>
           </a:p>
@@ -1833,7 +1823,7 @@
           <a:lstStyle/>
           <a:p>
             <a:r>
-              <a:rPr lang="en-US" smtClean="0"/>
+              <a:rPr lang="en-US"/>
               <a:t>CNLAB PROTOCOL</a:t>
             </a:r>
             <a:endParaRPr lang="en-US" dirty="0"/>
@@ -1904,10 +1894,9 @@
           <a:lstStyle/>
           <a:p>
             <a:r>
-              <a:rPr lang="en-US" smtClean="0"/>
+              <a:rPr lang="en-US"/>
               <a:t>Click to edit Master title style</a:t>
             </a:r>
-            <a:endParaRPr lang="en-US"/>
           </a:p>
         </p:txBody>
       </p:sp>
@@ -1933,38 +1922,37 @@
           <a:p>
             <a:pPr lvl="0"/>
             <a:r>
-              <a:rPr lang="en-US" smtClean="0"/>
+              <a:rPr lang="en-US"/>
               <a:t>Click to edit Master text styles</a:t>
             </a:r>
           </a:p>
           <a:p>
             <a:pPr lvl="1"/>
             <a:r>
-              <a:rPr lang="en-US" smtClean="0"/>
+              <a:rPr lang="en-US"/>
               <a:t>Second level</a:t>
             </a:r>
           </a:p>
           <a:p>
             <a:pPr lvl="2"/>
             <a:r>
-              <a:rPr lang="en-US" smtClean="0"/>
+              <a:rPr lang="en-US"/>
               <a:t>Third level</a:t>
             </a:r>
           </a:p>
           <a:p>
             <a:pPr lvl="3"/>
             <a:r>
-              <a:rPr lang="en-US" smtClean="0"/>
+              <a:rPr lang="en-US"/>
               <a:t>Fourth level</a:t>
             </a:r>
           </a:p>
           <a:p>
             <a:pPr lvl="4"/>
             <a:r>
-              <a:rPr lang="en-US" smtClean="0"/>
+              <a:rPr lang="en-US"/>
               <a:t>Fifth level</a:t>
             </a:r>
-            <a:endParaRPr lang="en-US"/>
           </a:p>
         </p:txBody>
       </p:sp>
@@ -1990,38 +1978,37 @@
           <a:p>
             <a:pPr lvl="0"/>
             <a:r>
-              <a:rPr lang="en-US" smtClean="0"/>
+              <a:rPr lang="en-US"/>
               <a:t>Click to edit Master text styles</a:t>
             </a:r>
           </a:p>
           <a:p>
             <a:pPr lvl="1"/>
             <a:r>
-              <a:rPr lang="en-US" smtClean="0"/>
+              <a:rPr lang="en-US"/>
               <a:t>Second level</a:t>
             </a:r>
           </a:p>
           <a:p>
             <a:pPr lvl="2"/>
             <a:r>
-              <a:rPr lang="en-US" smtClean="0"/>
+              <a:rPr lang="en-US"/>
               <a:t>Third level</a:t>
             </a:r>
           </a:p>
           <a:p>
             <a:pPr lvl="3"/>
             <a:r>
-              <a:rPr lang="en-US" smtClean="0"/>
+              <a:rPr lang="en-US"/>
               <a:t>Fourth level</a:t>
             </a:r>
           </a:p>
           <a:p>
             <a:pPr lvl="4"/>
             <a:r>
-              <a:rPr lang="en-US" smtClean="0"/>
+              <a:rPr lang="en-US"/>
               <a:t>Fifth level</a:t>
             </a:r>
-            <a:endParaRPr lang="en-US"/>
           </a:p>
         </p:txBody>
       </p:sp>
@@ -2042,7 +2029,7 @@
           <a:p>
             <a:fld id="{B7393F06-576F-A947-ABC9-3CBBAAAB46D9}" type="datetime1">
               <a:rPr lang="en-US" smtClean="0"/>
-              <a:t>4/14/20</a:t>
+              <a:t>1/19/2021</a:t>
             </a:fld>
             <a:endParaRPr lang="en-US" dirty="0"/>
           </a:p>
@@ -2064,7 +2051,7 @@
           <a:lstStyle/>
           <a:p>
             <a:r>
-              <a:rPr lang="en-US" smtClean="0"/>
+              <a:rPr lang="en-US"/>
               <a:t>CNLAB PROTOCOL</a:t>
             </a:r>
             <a:endParaRPr lang="en-US" dirty="0"/>
@@ -2140,10 +2127,9 @@
           <a:lstStyle/>
           <a:p>
             <a:r>
-              <a:rPr lang="en-US" smtClean="0"/>
+              <a:rPr lang="en-US"/>
               <a:t>Click to edit Master title style</a:t>
             </a:r>
-            <a:endParaRPr lang="en-US"/>
           </a:p>
         </p:txBody>
       </p:sp>
@@ -2206,7 +2192,7 @@
           <a:p>
             <a:pPr lvl="0"/>
             <a:r>
-              <a:rPr lang="en-US" smtClean="0"/>
+              <a:rPr lang="en-US"/>
               <a:t>Click to edit Master text styles</a:t>
             </a:r>
           </a:p>
@@ -2234,38 +2220,37 @@
           <a:p>
             <a:pPr lvl="0"/>
             <a:r>
-              <a:rPr lang="en-US" smtClean="0"/>
+              <a:rPr lang="en-US"/>
               <a:t>Click to edit Master text styles</a:t>
             </a:r>
           </a:p>
           <a:p>
             <a:pPr lvl="1"/>
             <a:r>
-              <a:rPr lang="en-US" smtClean="0"/>
+              <a:rPr lang="en-US"/>
               <a:t>Second level</a:t>
             </a:r>
           </a:p>
           <a:p>
             <a:pPr lvl="2"/>
             <a:r>
-              <a:rPr lang="en-US" smtClean="0"/>
+              <a:rPr lang="en-US"/>
               <a:t>Third level</a:t>
             </a:r>
           </a:p>
           <a:p>
             <a:pPr lvl="3"/>
             <a:r>
-              <a:rPr lang="en-US" smtClean="0"/>
+              <a:rPr lang="en-US"/>
               <a:t>Fourth level</a:t>
             </a:r>
           </a:p>
           <a:p>
             <a:pPr lvl="4"/>
             <a:r>
-              <a:rPr lang="en-US" smtClean="0"/>
+              <a:rPr lang="en-US"/>
               <a:t>Fifth level</a:t>
             </a:r>
-            <a:endParaRPr lang="en-US"/>
           </a:p>
         </p:txBody>
       </p:sp>
@@ -2328,7 +2313,7 @@
           <a:p>
             <a:pPr lvl="0"/>
             <a:r>
-              <a:rPr lang="en-US" smtClean="0"/>
+              <a:rPr lang="en-US"/>
               <a:t>Click to edit Master text styles</a:t>
             </a:r>
           </a:p>
@@ -2356,38 +2341,37 @@
           <a:p>
             <a:pPr lvl="0"/>
             <a:r>
-              <a:rPr lang="en-US" smtClean="0"/>
+              <a:rPr lang="en-US"/>
               <a:t>Click to edit Master text styles</a:t>
             </a:r>
           </a:p>
           <a:p>
             <a:pPr lvl="1"/>
             <a:r>
-              <a:rPr lang="en-US" smtClean="0"/>
+              <a:rPr lang="en-US"/>
               <a:t>Second level</a:t>
             </a:r>
           </a:p>
           <a:p>
             <a:pPr lvl="2"/>
             <a:r>
-              <a:rPr lang="en-US" smtClean="0"/>
+              <a:rPr lang="en-US"/>
               <a:t>Third level</a:t>
             </a:r>
           </a:p>
           <a:p>
             <a:pPr lvl="3"/>
             <a:r>
-              <a:rPr lang="en-US" smtClean="0"/>
+              <a:rPr lang="en-US"/>
               <a:t>Fourth level</a:t>
             </a:r>
           </a:p>
           <a:p>
             <a:pPr lvl="4"/>
             <a:r>
-              <a:rPr lang="en-US" smtClean="0"/>
+              <a:rPr lang="en-US"/>
               <a:t>Fifth level</a:t>
             </a:r>
-            <a:endParaRPr lang="en-US"/>
           </a:p>
         </p:txBody>
       </p:sp>
@@ -2408,7 +2392,7 @@
           <a:p>
             <a:fld id="{75CB1B93-D984-CE48-8011-C44628B8B0BB}" type="datetime1">
               <a:rPr lang="en-US" smtClean="0"/>
-              <a:t>4/14/20</a:t>
+              <a:t>1/19/2021</a:t>
             </a:fld>
             <a:endParaRPr lang="en-US" dirty="0"/>
           </a:p>
@@ -2430,7 +2414,7 @@
           <a:lstStyle/>
           <a:p>
             <a:r>
-              <a:rPr lang="en-US" smtClean="0"/>
+              <a:rPr lang="en-US"/>
               <a:t>CNLAB PROTOCOL</a:t>
             </a:r>
             <a:endParaRPr lang="en-US" dirty="0"/>
@@ -2501,10 +2485,9 @@
           <a:lstStyle/>
           <a:p>
             <a:r>
-              <a:rPr lang="en-US" smtClean="0"/>
+              <a:rPr lang="en-US"/>
               <a:t>Click to edit Master title style</a:t>
             </a:r>
-            <a:endParaRPr lang="en-US"/>
           </a:p>
         </p:txBody>
       </p:sp>
@@ -2525,7 +2508,7 @@
           <a:p>
             <a:fld id="{68C4136D-65C7-8246-A179-B846ABAD6179}" type="datetime1">
               <a:rPr lang="en-US" smtClean="0"/>
-              <a:t>4/14/20</a:t>
+              <a:t>1/19/2021</a:t>
             </a:fld>
             <a:endParaRPr lang="en-US" dirty="0"/>
           </a:p>
@@ -2547,7 +2530,7 @@
           <a:lstStyle/>
           <a:p>
             <a:r>
-              <a:rPr lang="en-US" smtClean="0"/>
+              <a:rPr lang="en-US"/>
               <a:t>CNLAB PROTOCOL</a:t>
             </a:r>
             <a:endParaRPr lang="en-US" dirty="0"/>
@@ -2619,7 +2602,7 @@
           <a:p>
             <a:fld id="{19593604-4E2B-5941-9D45-CD703C845843}" type="datetime1">
               <a:rPr lang="en-US" smtClean="0"/>
-              <a:t>4/14/20</a:t>
+              <a:t>1/19/2021</a:t>
             </a:fld>
             <a:endParaRPr lang="en-US" dirty="0"/>
           </a:p>
@@ -2641,7 +2624,7 @@
           <a:lstStyle/>
           <a:p>
             <a:r>
-              <a:rPr lang="en-US" smtClean="0"/>
+              <a:rPr lang="en-US"/>
               <a:t>CNLAB PROTOCOL</a:t>
             </a:r>
             <a:endParaRPr lang="en-US" dirty="0"/>
@@ -2722,10 +2705,9 @@
           </a:lstStyle>
           <a:p>
             <a:r>
-              <a:rPr lang="en-US" smtClean="0"/>
+              <a:rPr lang="en-US"/>
               <a:t>Click to edit Master title style</a:t>
             </a:r>
-            <a:endParaRPr lang="en-US"/>
           </a:p>
         </p:txBody>
       </p:sp>
@@ -2779,38 +2761,37 @@
           <a:p>
             <a:pPr lvl="0"/>
             <a:r>
-              <a:rPr lang="en-US" smtClean="0"/>
+              <a:rPr lang="en-US"/>
               <a:t>Click to edit Master text styles</a:t>
             </a:r>
           </a:p>
           <a:p>
             <a:pPr lvl="1"/>
             <a:r>
-              <a:rPr lang="en-US" smtClean="0"/>
+              <a:rPr lang="en-US"/>
               <a:t>Second level</a:t>
             </a:r>
           </a:p>
           <a:p>
             <a:pPr lvl="2"/>
             <a:r>
-              <a:rPr lang="en-US" smtClean="0"/>
+              <a:rPr lang="en-US"/>
               <a:t>Third level</a:t>
             </a:r>
           </a:p>
           <a:p>
             <a:pPr lvl="3"/>
             <a:r>
-              <a:rPr lang="en-US" smtClean="0"/>
+              <a:rPr lang="en-US"/>
               <a:t>Fourth level</a:t>
             </a:r>
           </a:p>
           <a:p>
             <a:pPr lvl="4"/>
             <a:r>
-              <a:rPr lang="en-US" smtClean="0"/>
+              <a:rPr lang="en-US"/>
               <a:t>Fifth level</a:t>
             </a:r>
-            <a:endParaRPr lang="en-US"/>
           </a:p>
         </p:txBody>
       </p:sp>
@@ -2873,7 +2854,7 @@
           <a:p>
             <a:pPr lvl="0"/>
             <a:r>
-              <a:rPr lang="en-US" smtClean="0"/>
+              <a:rPr lang="en-US"/>
               <a:t>Click to edit Master text styles</a:t>
             </a:r>
           </a:p>
@@ -2896,7 +2877,7 @@
           <a:p>
             <a:fld id="{9ECA876D-50D5-E448-BB1E-E3D3E5E67046}" type="datetime1">
               <a:rPr lang="en-US" smtClean="0"/>
-              <a:t>4/14/20</a:t>
+              <a:t>1/19/2021</a:t>
             </a:fld>
             <a:endParaRPr lang="en-US" dirty="0"/>
           </a:p>
@@ -2918,7 +2899,7 @@
           <a:lstStyle/>
           <a:p>
             <a:r>
-              <a:rPr lang="en-US" smtClean="0"/>
+              <a:rPr lang="en-US"/>
               <a:t>CNLAB PROTOCOL</a:t>
             </a:r>
             <a:endParaRPr lang="en-US" dirty="0"/>
@@ -2999,10 +2980,9 @@
           </a:lstStyle>
           <a:p>
             <a:r>
-              <a:rPr lang="en-US" smtClean="0"/>
+              <a:rPr lang="en-US"/>
               <a:t>Click to edit Master title style</a:t>
             </a:r>
-            <a:endParaRPr lang="en-US"/>
           </a:p>
         </p:txBody>
       </p:sp>
@@ -3126,7 +3106,7 @@
           <a:p>
             <a:pPr lvl="0"/>
             <a:r>
-              <a:rPr lang="en-US" smtClean="0"/>
+              <a:rPr lang="en-US"/>
               <a:t>Click to edit Master text styles</a:t>
             </a:r>
           </a:p>
@@ -3149,7 +3129,7 @@
           <a:p>
             <a:fld id="{D73FEAAF-D565-C545-9F1B-04D2EC0F401C}" type="datetime1">
               <a:rPr lang="en-US" smtClean="0"/>
-              <a:t>4/14/20</a:t>
+              <a:t>1/19/2021</a:t>
             </a:fld>
             <a:endParaRPr lang="en-US" dirty="0"/>
           </a:p>
@@ -3171,7 +3151,7 @@
           <a:lstStyle/>
           <a:p>
             <a:r>
-              <a:rPr lang="en-US" smtClean="0"/>
+              <a:rPr lang="en-US"/>
               <a:t>CNLAB PROTOCOL</a:t>
             </a:r>
             <a:endParaRPr lang="en-US" dirty="0"/>
@@ -3257,10 +3237,9 @@
           <a:lstStyle/>
           <a:p>
             <a:r>
-              <a:rPr lang="en-US" smtClean="0"/>
+              <a:rPr lang="en-US"/>
               <a:t>Click to edit Master title style</a:t>
             </a:r>
-            <a:endParaRPr lang="en-US"/>
           </a:p>
         </p:txBody>
       </p:sp>
@@ -3291,38 +3270,37 @@
           <a:p>
             <a:pPr lvl="0"/>
             <a:r>
-              <a:rPr lang="en-US" smtClean="0"/>
+              <a:rPr lang="en-US"/>
               <a:t>Click to edit Master text styles</a:t>
             </a:r>
           </a:p>
           <a:p>
             <a:pPr lvl="1"/>
             <a:r>
-              <a:rPr lang="en-US" smtClean="0"/>
+              <a:rPr lang="en-US"/>
               <a:t>Second level</a:t>
             </a:r>
           </a:p>
           <a:p>
             <a:pPr lvl="2"/>
             <a:r>
-              <a:rPr lang="en-US" smtClean="0"/>
+              <a:rPr lang="en-US"/>
               <a:t>Third level</a:t>
             </a:r>
           </a:p>
           <a:p>
             <a:pPr lvl="3"/>
             <a:r>
-              <a:rPr lang="en-US" smtClean="0"/>
+              <a:rPr lang="en-US"/>
               <a:t>Fourth level</a:t>
             </a:r>
           </a:p>
           <a:p>
             <a:pPr lvl="4"/>
             <a:r>
-              <a:rPr lang="en-US" smtClean="0"/>
+              <a:rPr lang="en-US"/>
               <a:t>Fifth level</a:t>
             </a:r>
-            <a:endParaRPr lang="en-US"/>
           </a:p>
         </p:txBody>
       </p:sp>
@@ -3361,7 +3339,7 @@
           <a:p>
             <a:fld id="{4EBA1B48-0FA3-3848-8EF4-C8FCF50B129C}" type="datetime1">
               <a:rPr lang="en-US" smtClean="0"/>
-              <a:t>4/14/20</a:t>
+              <a:t>1/19/2021</a:t>
             </a:fld>
             <a:endParaRPr lang="en-US" dirty="0"/>
           </a:p>
@@ -3401,7 +3379,7 @@
           </a:lstStyle>
           <a:p>
             <a:r>
-              <a:rPr lang="en-US" smtClean="0"/>
+              <a:rPr lang="en-US"/>
               <a:t>CNLAB PROTOCOL</a:t>
             </a:r>
             <a:endParaRPr lang="en-US" dirty="0"/>
@@ -3790,10 +3768,9 @@
           <a:lstStyle/>
           <a:p>
             <a:r>
-              <a:rPr lang="en-US" dirty="0" smtClean="0"/>
+              <a:rPr lang="en-US" dirty="0"/>
               <a:t>CNLAB PROTOCOL</a:t>
             </a:r>
-            <a:endParaRPr lang="en-US" dirty="0"/>
           </a:p>
         </p:txBody>
       </p:sp>
@@ -3807,13 +3784,6 @@
   <p:clrMapOvr>
     <a:masterClrMapping/>
   </p:clrMapOvr>
-  <p:timing>
-    <p:tnLst>
-      <p:par>
-        <p:cTn id="1" dur="indefinite" restart="never" nodeType="tmRoot"/>
-      </p:par>
-    </p:tnLst>
-  </p:timing>
 </p:sld>
 </file>
 
@@ -3880,22 +3850,14 @@
           <a:p>
             <a:r>
               <a:rPr lang="en-US" sz="2400" dirty="0"/>
-              <a:t>E</a:t>
-            </a:r>
-            <a:r>
-              <a:rPr lang="en-US" sz="2400" dirty="0" smtClean="0"/>
-              <a:t>ach </a:t>
-            </a:r>
-            <a:r>
-              <a:rPr lang="en-US" sz="2400" dirty="0" smtClean="0"/>
-              <a:t>node assigned in orchestra </a:t>
-            </a:r>
-            <a:r>
-              <a:rPr lang="en-US" sz="2400" dirty="0" err="1" smtClean="0"/>
+              <a:t>Each node assigned in orchestra </a:t>
+            </a:r>
+            <a:r>
+              <a:rPr lang="en-US" sz="2400" dirty="0" err="1"/>
               <a:t>slotframe</a:t>
             </a:r>
             <a:r>
-              <a:rPr lang="en-US" sz="2400" dirty="0" smtClean="0"/>
+              <a:rPr lang="en-US" sz="2400" dirty="0"/>
               <a:t>.</a:t>
             </a:r>
             <a:endParaRPr lang="en-US" sz="2400" dirty="0">
@@ -3922,7 +3884,7 @@
           <a:lstStyle/>
           <a:p>
             <a:r>
-              <a:rPr lang="en-US" smtClean="0"/>
+              <a:rPr lang="en-US"/>
               <a:t>CNLAB PROTOCOL</a:t>
             </a:r>
             <a:endParaRPr lang="en-US" dirty="0"/>
@@ -3977,15 +3939,69 @@
                 <a:tableStyleId>{5C22544A-7EE6-4342-B048-85BDC9FD1C3A}</a:tableStyleId>
               </a:tblPr>
               <a:tblGrid>
-                <a:gridCol w="1632811"/>
-                <a:gridCol w="805431"/>
-                <a:gridCol w="731104"/>
-                <a:gridCol w="648023"/>
-                <a:gridCol w="769222"/>
-                <a:gridCol w="874157"/>
-                <a:gridCol w="894379"/>
-                <a:gridCol w="858603"/>
-                <a:gridCol w="840714"/>
+                <a:gridCol w="1632811">
+                  <a:extLst>
+                    <a:ext uri="{9D8B030D-6E8A-4147-A177-3AD203B41FA5}">
+                      <a16:colId xmlns:a16="http://schemas.microsoft.com/office/drawing/2014/main" val="20000"/>
+                    </a:ext>
+                  </a:extLst>
+                </a:gridCol>
+                <a:gridCol w="805431">
+                  <a:extLst>
+                    <a:ext uri="{9D8B030D-6E8A-4147-A177-3AD203B41FA5}">
+                      <a16:colId xmlns:a16="http://schemas.microsoft.com/office/drawing/2014/main" val="20001"/>
+                    </a:ext>
+                  </a:extLst>
+                </a:gridCol>
+                <a:gridCol w="731104">
+                  <a:extLst>
+                    <a:ext uri="{9D8B030D-6E8A-4147-A177-3AD203B41FA5}">
+                      <a16:colId xmlns:a16="http://schemas.microsoft.com/office/drawing/2014/main" val="20002"/>
+                    </a:ext>
+                  </a:extLst>
+                </a:gridCol>
+                <a:gridCol w="648023">
+                  <a:extLst>
+                    <a:ext uri="{9D8B030D-6E8A-4147-A177-3AD203B41FA5}">
+                      <a16:colId xmlns:a16="http://schemas.microsoft.com/office/drawing/2014/main" val="20003"/>
+                    </a:ext>
+                  </a:extLst>
+                </a:gridCol>
+                <a:gridCol w="769222">
+                  <a:extLst>
+                    <a:ext uri="{9D8B030D-6E8A-4147-A177-3AD203B41FA5}">
+                      <a16:colId xmlns:a16="http://schemas.microsoft.com/office/drawing/2014/main" val="20004"/>
+                    </a:ext>
+                  </a:extLst>
+                </a:gridCol>
+                <a:gridCol w="874157">
+                  <a:extLst>
+                    <a:ext uri="{9D8B030D-6E8A-4147-A177-3AD203B41FA5}">
+                      <a16:colId xmlns:a16="http://schemas.microsoft.com/office/drawing/2014/main" val="20005"/>
+                    </a:ext>
+                  </a:extLst>
+                </a:gridCol>
+                <a:gridCol w="894379">
+                  <a:extLst>
+                    <a:ext uri="{9D8B030D-6E8A-4147-A177-3AD203B41FA5}">
+                      <a16:colId xmlns:a16="http://schemas.microsoft.com/office/drawing/2014/main" val="20006"/>
+                    </a:ext>
+                  </a:extLst>
+                </a:gridCol>
+                <a:gridCol w="858603">
+                  <a:extLst>
+                    <a:ext uri="{9D8B030D-6E8A-4147-A177-3AD203B41FA5}">
+                      <a16:colId xmlns:a16="http://schemas.microsoft.com/office/drawing/2014/main" val="20007"/>
+                    </a:ext>
+                  </a:extLst>
+                </a:gridCol>
+                <a:gridCol w="840714">
+                  <a:extLst>
+                    <a:ext uri="{9D8B030D-6E8A-4147-A177-3AD203B41FA5}">
+                      <a16:colId xmlns:a16="http://schemas.microsoft.com/office/drawing/2014/main" val="20008"/>
+                    </a:ext>
+                  </a:extLst>
+                </a:gridCol>
               </a:tblGrid>
               <a:tr h="297690">
                 <a:tc>
@@ -3994,7 +4010,7 @@
                     <a:lstStyle/>
                     <a:p>
                       <a:pPr algn="ctr"/>
-                      <a:endParaRPr lang="en-US" sz="1400" dirty="0" smtClean="0"/>
+                      <a:endParaRPr lang="en-US" sz="1400" dirty="0"/>
                     </a:p>
                   </a:txBody>
                   <a:tcPr>
@@ -4052,10 +4068,9 @@
                     <a:p>
                       <a:pPr algn="ctr"/>
                       <a:r>
-                        <a:rPr lang="en-US" sz="1400" dirty="0" smtClean="0"/>
+                        <a:rPr lang="en-US" sz="1400" dirty="0"/>
                         <a:t>0</a:t>
                       </a:r>
-                      <a:endParaRPr lang="en-US" sz="1400" dirty="0"/>
                     </a:p>
                   </a:txBody>
                   <a:tcPr>
@@ -4111,10 +4126,9 @@
                     <a:p>
                       <a:pPr algn="ctr"/>
                       <a:r>
-                        <a:rPr lang="en-US" sz="1400" dirty="0" smtClean="0"/>
+                        <a:rPr lang="en-US" sz="1400" dirty="0"/>
                         <a:t>1</a:t>
                       </a:r>
-                      <a:endParaRPr lang="en-US" sz="1400" dirty="0"/>
                     </a:p>
                   </a:txBody>
                   <a:tcPr>
@@ -4170,10 +4184,9 @@
                     <a:p>
                       <a:pPr algn="ctr"/>
                       <a:r>
-                        <a:rPr lang="en-US" sz="1400" dirty="0" smtClean="0"/>
+                        <a:rPr lang="en-US" sz="1400" dirty="0"/>
                         <a:t>2</a:t>
                       </a:r>
-                      <a:endParaRPr lang="en-US" sz="1400" dirty="0"/>
                     </a:p>
                   </a:txBody>
                   <a:tcPr>
@@ -4229,10 +4242,9 @@
                     <a:p>
                       <a:pPr algn="ctr"/>
                       <a:r>
-                        <a:rPr lang="en-US" sz="1400" dirty="0" smtClean="0"/>
+                        <a:rPr lang="en-US" sz="1400" dirty="0"/>
                         <a:t>3</a:t>
                       </a:r>
-                      <a:endParaRPr lang="en-US" sz="1400" dirty="0"/>
                     </a:p>
                   </a:txBody>
                   <a:tcPr>
@@ -4288,10 +4300,9 @@
                     <a:p>
                       <a:pPr algn="ctr"/>
                       <a:r>
-                        <a:rPr lang="en-US" sz="1400" dirty="0" smtClean="0"/>
+                        <a:rPr lang="en-US" sz="1400" dirty="0"/>
                         <a:t>4</a:t>
                       </a:r>
-                      <a:endParaRPr lang="en-US" sz="1400" dirty="0"/>
                     </a:p>
                   </a:txBody>
                   <a:tcPr>
@@ -4347,10 +4358,9 @@
                     <a:p>
                       <a:pPr algn="ctr"/>
                       <a:r>
-                        <a:rPr lang="en-US" sz="1400" dirty="0" smtClean="0"/>
+                        <a:rPr lang="en-US" sz="1400" dirty="0"/>
                         <a:t>5</a:t>
                       </a:r>
-                      <a:endParaRPr lang="en-US" sz="1400" dirty="0"/>
                     </a:p>
                   </a:txBody>
                   <a:tcPr>
@@ -4406,10 +4416,9 @@
                     <a:p>
                       <a:pPr algn="ctr"/>
                       <a:r>
-                        <a:rPr lang="en-US" sz="1400" dirty="0" smtClean="0"/>
+                        <a:rPr lang="en-US" sz="1400" dirty="0"/>
                         <a:t>6</a:t>
                       </a:r>
-                      <a:endParaRPr lang="en-US" sz="1400" dirty="0"/>
                     </a:p>
                   </a:txBody>
                   <a:tcPr>
@@ -4465,10 +4474,9 @@
                     <a:p>
                       <a:pPr algn="ctr"/>
                       <a:r>
-                        <a:rPr lang="en-US" sz="1400" dirty="0" smtClean="0"/>
+                        <a:rPr lang="en-US" sz="1400" dirty="0"/>
                         <a:t>7</a:t>
                       </a:r>
-                      <a:endParaRPr lang="en-US" sz="1400" dirty="0"/>
                     </a:p>
                   </a:txBody>
                   <a:tcPr>
@@ -4517,6 +4525,11 @@
                     </a:lnTlToBr>
                   </a:tcPr>
                 </a:tc>
+                <a:extLst>
+                  <a:ext uri="{0D108BD9-81ED-4DB2-BD59-A6C34878D82A}">
+                    <a16:rowId xmlns:a16="http://schemas.microsoft.com/office/drawing/2014/main" val="10000"/>
+                  </a:ext>
+                </a:extLst>
               </a:tr>
               <a:tr h="409264">
                 <a:tc>
@@ -4526,10 +4539,9 @@
                     <a:p>
                       <a:pPr algn="ctr"/>
                       <a:r>
-                        <a:rPr lang="en-US" sz="1400" dirty="0" smtClean="0"/>
+                        <a:rPr lang="en-US" sz="1400" dirty="0"/>
                         <a:t>1</a:t>
                       </a:r>
-                      <a:endParaRPr lang="en-US" sz="1400" dirty="0"/>
                     </a:p>
                   </a:txBody>
                   <a:tcPr>
@@ -4585,7 +4597,7 @@
                     <a:p>
                       <a:pPr algn="ctr"/>
                       <a:r>
-                        <a:rPr lang="en-US" sz="1400" dirty="0" err="1" smtClean="0"/>
+                        <a:rPr lang="en-US" sz="1400" dirty="0" err="1"/>
                         <a:t>Tx</a:t>
                       </a:r>
                       <a:endParaRPr lang="en-US" sz="1400" dirty="0"/>
@@ -4647,10 +4659,9 @@
                     <a:p>
                       <a:pPr algn="ctr"/>
                       <a:r>
-                        <a:rPr lang="en-US" sz="1400" dirty="0" smtClean="0"/>
+                        <a:rPr lang="en-US" sz="1400" dirty="0"/>
                         <a:t>Rx</a:t>
                       </a:r>
-                      <a:endParaRPr lang="en-US" sz="1400" dirty="0"/>
                     </a:p>
                   </a:txBody>
                   <a:tcPr>
@@ -4706,10 +4717,9 @@
                     <a:p>
                       <a:pPr algn="ctr"/>
                       <a:r>
-                        <a:rPr lang="en-US" sz="1400" dirty="0" smtClean="0"/>
+                        <a:rPr lang="en-US" sz="1400" dirty="0"/>
                         <a:t>Rx</a:t>
                       </a:r>
-                      <a:endParaRPr lang="en-US" sz="1400" dirty="0"/>
                     </a:p>
                   </a:txBody>
                   <a:tcPr>
@@ -4765,10 +4775,9 @@
                     <a:p>
                       <a:pPr algn="ctr"/>
                       <a:r>
-                        <a:rPr lang="en-US" sz="1400" dirty="0" smtClean="0"/>
+                        <a:rPr lang="en-US" sz="1400" dirty="0"/>
                         <a:t>Rx</a:t>
                       </a:r>
-                      <a:endParaRPr lang="en-US" sz="1400" dirty="0"/>
                     </a:p>
                   </a:txBody>
                   <a:tcPr>
@@ -4824,10 +4833,9 @@
                     <a:p>
                       <a:pPr algn="ctr"/>
                       <a:r>
-                        <a:rPr lang="en-US" sz="1400" dirty="0" smtClean="0"/>
+                        <a:rPr lang="en-US" sz="1400" dirty="0"/>
                         <a:t>Rx</a:t>
                       </a:r>
-                      <a:endParaRPr lang="en-US" sz="1400" dirty="0"/>
                     </a:p>
                   </a:txBody>
                   <a:tcPr>
@@ -4883,10 +4891,9 @@
                     <a:p>
                       <a:pPr algn="ctr"/>
                       <a:r>
-                        <a:rPr lang="en-US" sz="1400" dirty="0" smtClean="0"/>
+                        <a:rPr lang="en-US" sz="1400" dirty="0"/>
                         <a:t>Rx</a:t>
                       </a:r>
-                      <a:endParaRPr lang="en-US" sz="1400" dirty="0"/>
                     </a:p>
                   </a:txBody>
                   <a:tcPr>
@@ -4942,10 +4949,9 @@
                     <a:p>
                       <a:pPr algn="ctr"/>
                       <a:r>
-                        <a:rPr lang="en-US" sz="1400" dirty="0" smtClean="0"/>
+                        <a:rPr lang="en-US" sz="1400" dirty="0"/>
                         <a:t>Rx</a:t>
                       </a:r>
-                      <a:endParaRPr lang="en-US" sz="1400" dirty="0"/>
                     </a:p>
                   </a:txBody>
                   <a:tcPr>
@@ -5001,10 +5007,9 @@
                     <a:p>
                       <a:pPr algn="ctr"/>
                       <a:r>
-                        <a:rPr lang="en-US" sz="1400" dirty="0" smtClean="0"/>
+                        <a:rPr lang="en-US" sz="1400" dirty="0"/>
                         <a:t>Rx</a:t>
                       </a:r>
-                      <a:endParaRPr lang="en-US" sz="1400" dirty="0"/>
                     </a:p>
                   </a:txBody>
                   <a:tcPr>
@@ -5053,6 +5058,11 @@
                     </a:lnTlToBr>
                   </a:tcPr>
                 </a:tc>
+                <a:extLst>
+                  <a:ext uri="{0D108BD9-81ED-4DB2-BD59-A6C34878D82A}">
+                    <a16:rowId xmlns:a16="http://schemas.microsoft.com/office/drawing/2014/main" val="10001"/>
+                  </a:ext>
+                </a:extLst>
               </a:tr>
               <a:tr h="413954">
                 <a:tc>
@@ -5062,10 +5072,9 @@
                     <a:p>
                       <a:pPr algn="ctr"/>
                       <a:r>
-                        <a:rPr lang="en-US" sz="1400" dirty="0" smtClean="0"/>
+                        <a:rPr lang="en-US" sz="1400" dirty="0"/>
                         <a:t>2</a:t>
                       </a:r>
-                      <a:endParaRPr lang="en-US" sz="1400" dirty="0"/>
                     </a:p>
                   </a:txBody>
                   <a:tcPr>
@@ -5121,10 +5130,9 @@
                     <a:p>
                       <a:pPr algn="ctr"/>
                       <a:r>
-                        <a:rPr lang="en-US" sz="1400" dirty="0" smtClean="0"/>
+                        <a:rPr lang="en-US" sz="1400" dirty="0"/>
                         <a:t>Rx</a:t>
                       </a:r>
-                      <a:endParaRPr lang="en-US" sz="1400" dirty="0"/>
                     </a:p>
                   </a:txBody>
                   <a:tcPr>
@@ -5180,7 +5188,7 @@
                     <a:p>
                       <a:pPr algn="ctr"/>
                       <a:r>
-                        <a:rPr lang="en-US" sz="1400" dirty="0" err="1" smtClean="0"/>
+                        <a:rPr lang="en-US" sz="1400" dirty="0" err="1"/>
                         <a:t>Tx</a:t>
                       </a:r>
                       <a:endParaRPr lang="en-US" sz="1400" dirty="0"/>
@@ -5242,10 +5250,9 @@
                     <a:p>
                       <a:pPr algn="ctr"/>
                       <a:r>
-                        <a:rPr lang="en-US" sz="1400" dirty="0" smtClean="0"/>
+                        <a:rPr lang="en-US" sz="1400" dirty="0"/>
                         <a:t>Rx</a:t>
                       </a:r>
-                      <a:endParaRPr lang="en-US" sz="1400" dirty="0"/>
                     </a:p>
                   </a:txBody>
                   <a:tcPr>
@@ -5301,10 +5308,9 @@
                     <a:p>
                       <a:pPr algn="ctr"/>
                       <a:r>
-                        <a:rPr lang="en-US" sz="1400" dirty="0" smtClean="0"/>
+                        <a:rPr lang="en-US" sz="1400" dirty="0"/>
                         <a:t>Rx</a:t>
                       </a:r>
-                      <a:endParaRPr lang="en-US" sz="1400" dirty="0"/>
                     </a:p>
                   </a:txBody>
                   <a:tcPr>
@@ -5360,10 +5366,9 @@
                     <a:p>
                       <a:pPr algn="ctr"/>
                       <a:r>
-                        <a:rPr lang="en-US" sz="1400" dirty="0" smtClean="0"/>
+                        <a:rPr lang="en-US" sz="1400" dirty="0"/>
                         <a:t>Rx</a:t>
                       </a:r>
-                      <a:endParaRPr lang="en-US" sz="1400" dirty="0"/>
                     </a:p>
                   </a:txBody>
                   <a:tcPr>
@@ -5419,10 +5424,9 @@
                     <a:p>
                       <a:pPr algn="ctr"/>
                       <a:r>
-                        <a:rPr lang="en-US" sz="1400" dirty="0" smtClean="0"/>
+                        <a:rPr lang="en-US" sz="1400" dirty="0"/>
                         <a:t>Rx</a:t>
                       </a:r>
-                      <a:endParaRPr lang="en-US" sz="1400" dirty="0"/>
                     </a:p>
                   </a:txBody>
                   <a:tcPr>
@@ -5478,10 +5482,9 @@
                     <a:p>
                       <a:pPr algn="ctr"/>
                       <a:r>
-                        <a:rPr lang="en-US" sz="1400" dirty="0" smtClean="0"/>
+                        <a:rPr lang="en-US" sz="1400" dirty="0"/>
                         <a:t>Rx</a:t>
                       </a:r>
-                      <a:endParaRPr lang="en-US" sz="1400" dirty="0"/>
                     </a:p>
                   </a:txBody>
                   <a:tcPr>
@@ -5537,10 +5540,9 @@
                     <a:p>
                       <a:pPr algn="ctr"/>
                       <a:r>
-                        <a:rPr lang="en-US" sz="1400" dirty="0" smtClean="0"/>
+                        <a:rPr lang="en-US" sz="1400" dirty="0"/>
                         <a:t>Rx</a:t>
                       </a:r>
-                      <a:endParaRPr lang="en-US" sz="1400" dirty="0"/>
                     </a:p>
                   </a:txBody>
                   <a:tcPr>
@@ -5589,6 +5591,11 @@
                     </a:lnTlToBr>
                   </a:tcPr>
                 </a:tc>
+                <a:extLst>
+                  <a:ext uri="{0D108BD9-81ED-4DB2-BD59-A6C34878D82A}">
+                    <a16:rowId xmlns:a16="http://schemas.microsoft.com/office/drawing/2014/main" val="10002"/>
+                  </a:ext>
+                </a:extLst>
               </a:tr>
               <a:tr h="387905">
                 <a:tc>
@@ -5598,10 +5605,9 @@
                     <a:p>
                       <a:pPr algn="ctr"/>
                       <a:r>
-                        <a:rPr lang="en-US" sz="1400" dirty="0" smtClean="0"/>
+                        <a:rPr lang="en-US" sz="1400" dirty="0"/>
                         <a:t>3</a:t>
                       </a:r>
-                      <a:endParaRPr lang="en-US" sz="1400" dirty="0"/>
                     </a:p>
                   </a:txBody>
                   <a:tcPr>
@@ -5657,10 +5663,9 @@
                     <a:p>
                       <a:pPr algn="ctr"/>
                       <a:r>
-                        <a:rPr lang="en-US" sz="1400" dirty="0" smtClean="0"/>
+                        <a:rPr lang="en-US" sz="1400" dirty="0"/>
                         <a:t>Rx</a:t>
                       </a:r>
-                      <a:endParaRPr lang="en-US" sz="1400" dirty="0"/>
                     </a:p>
                   </a:txBody>
                   <a:tcPr>
@@ -5716,10 +5721,9 @@
                     <a:p>
                       <a:pPr algn="ctr"/>
                       <a:r>
-                        <a:rPr lang="en-US" sz="1400" dirty="0" smtClean="0"/>
+                        <a:rPr lang="en-US" sz="1400" dirty="0"/>
                         <a:t>Rx</a:t>
                       </a:r>
-                      <a:endParaRPr lang="en-US" sz="1400" dirty="0"/>
                     </a:p>
                   </a:txBody>
                   <a:tcPr>
@@ -5775,7 +5779,7 @@
                     <a:p>
                       <a:pPr algn="ctr"/>
                       <a:r>
-                        <a:rPr lang="en-US" sz="1400" dirty="0" err="1" smtClean="0"/>
+                        <a:rPr lang="en-US" sz="1400" dirty="0" err="1"/>
                         <a:t>Tx</a:t>
                       </a:r>
                       <a:endParaRPr lang="en-US" sz="1400" dirty="0"/>
@@ -5837,10 +5841,9 @@
                     <a:p>
                       <a:pPr algn="ctr"/>
                       <a:r>
-                        <a:rPr lang="en-US" sz="1400" dirty="0" smtClean="0"/>
+                        <a:rPr lang="en-US" sz="1400" dirty="0"/>
                         <a:t>Rx</a:t>
                       </a:r>
-                      <a:endParaRPr lang="en-US" sz="1400" dirty="0"/>
                     </a:p>
                   </a:txBody>
                   <a:tcPr>
@@ -5896,10 +5899,9 @@
                     <a:p>
                       <a:pPr algn="ctr"/>
                       <a:r>
-                        <a:rPr lang="en-US" sz="1400" dirty="0" smtClean="0"/>
+                        <a:rPr lang="en-US" sz="1400" dirty="0"/>
                         <a:t>Rx</a:t>
                       </a:r>
-                      <a:endParaRPr lang="en-US" sz="1400" dirty="0"/>
                     </a:p>
                   </a:txBody>
                   <a:tcPr>
@@ -5955,10 +5957,9 @@
                     <a:p>
                       <a:pPr algn="ctr"/>
                       <a:r>
-                        <a:rPr lang="en-US" sz="1400" dirty="0" smtClean="0"/>
+                        <a:rPr lang="en-US" sz="1400" dirty="0"/>
                         <a:t>Rx</a:t>
                       </a:r>
-                      <a:endParaRPr lang="en-US" sz="1400" dirty="0"/>
                     </a:p>
                   </a:txBody>
                   <a:tcPr>
@@ -6014,10 +6015,9 @@
                     <a:p>
                       <a:pPr algn="ctr"/>
                       <a:r>
-                        <a:rPr lang="en-US" sz="1400" dirty="0" smtClean="0"/>
+                        <a:rPr lang="en-US" sz="1400" dirty="0"/>
                         <a:t>Rx</a:t>
                       </a:r>
-                      <a:endParaRPr lang="en-US" sz="1400" dirty="0"/>
                     </a:p>
                   </a:txBody>
                   <a:tcPr>
@@ -6073,10 +6073,9 @@
                     <a:p>
                       <a:pPr algn="ctr"/>
                       <a:r>
-                        <a:rPr lang="en-US" sz="1400" dirty="0" smtClean="0"/>
+                        <a:rPr lang="en-US" sz="1400" dirty="0"/>
                         <a:t>Rx</a:t>
                       </a:r>
-                      <a:endParaRPr lang="en-US" sz="1400" dirty="0"/>
                     </a:p>
                   </a:txBody>
                   <a:tcPr>
@@ -6125,6 +6124,11 @@
                     </a:lnTlToBr>
                   </a:tcPr>
                 </a:tc>
+                <a:extLst>
+                  <a:ext uri="{0D108BD9-81ED-4DB2-BD59-A6C34878D82A}">
+                    <a16:rowId xmlns:a16="http://schemas.microsoft.com/office/drawing/2014/main" val="10003"/>
+                  </a:ext>
+                </a:extLst>
               </a:tr>
               <a:tr h="393895">
                 <a:tc>
@@ -6134,10 +6138,9 @@
                     <a:p>
                       <a:pPr algn="ctr"/>
                       <a:r>
-                        <a:rPr lang="en-US" sz="1400" dirty="0" smtClean="0"/>
+                        <a:rPr lang="en-US" sz="1400" dirty="0"/>
                         <a:t>4</a:t>
                       </a:r>
-                      <a:endParaRPr lang="en-US" sz="1400" dirty="0"/>
                     </a:p>
                   </a:txBody>
                   <a:tcPr>
@@ -6193,10 +6196,9 @@
                     <a:p>
                       <a:pPr algn="ctr"/>
                       <a:r>
-                        <a:rPr lang="en-US" sz="1400" dirty="0" smtClean="0"/>
+                        <a:rPr lang="en-US" sz="1400" dirty="0"/>
                         <a:t>Rx</a:t>
                       </a:r>
-                      <a:endParaRPr lang="en-US" sz="1400" dirty="0"/>
                     </a:p>
                   </a:txBody>
                   <a:tcPr>
@@ -6252,10 +6254,9 @@
                     <a:p>
                       <a:pPr algn="ctr"/>
                       <a:r>
-                        <a:rPr lang="en-US" sz="1400" dirty="0" smtClean="0"/>
+                        <a:rPr lang="en-US" sz="1400" dirty="0"/>
                         <a:t>Rx</a:t>
                       </a:r>
-                      <a:endParaRPr lang="en-US" sz="1400" dirty="0"/>
                     </a:p>
                   </a:txBody>
                   <a:tcPr>
@@ -6311,10 +6312,9 @@
                     <a:p>
                       <a:pPr algn="ctr"/>
                       <a:r>
-                        <a:rPr lang="en-US" sz="1400" dirty="0" smtClean="0"/>
+                        <a:rPr lang="en-US" sz="1400" dirty="0"/>
                         <a:t>Rx</a:t>
                       </a:r>
-                      <a:endParaRPr lang="en-US" sz="1400" dirty="0"/>
                     </a:p>
                   </a:txBody>
                   <a:tcPr>
@@ -6370,7 +6370,7 @@
                     <a:p>
                       <a:pPr algn="ctr"/>
                       <a:r>
-                        <a:rPr lang="en-US" sz="1400" dirty="0" err="1" smtClean="0"/>
+                        <a:rPr lang="en-US" sz="1400" dirty="0" err="1"/>
                         <a:t>Tx</a:t>
                       </a:r>
                       <a:endParaRPr lang="en-US" sz="1400" dirty="0"/>
@@ -6432,10 +6432,9 @@
                     <a:p>
                       <a:pPr algn="ctr"/>
                       <a:r>
-                        <a:rPr lang="en-US" sz="1400" dirty="0" smtClean="0"/>
+                        <a:rPr lang="en-US" sz="1400" dirty="0"/>
                         <a:t>Rx</a:t>
                       </a:r>
-                      <a:endParaRPr lang="en-US" sz="1400" dirty="0"/>
                     </a:p>
                   </a:txBody>
                   <a:tcPr>
@@ -6491,10 +6490,9 @@
                     <a:p>
                       <a:pPr algn="ctr"/>
                       <a:r>
-                        <a:rPr lang="en-US" sz="1400" dirty="0" smtClean="0"/>
+                        <a:rPr lang="en-US" sz="1400" dirty="0"/>
                         <a:t>Rx</a:t>
                       </a:r>
-                      <a:endParaRPr lang="en-US" sz="1400" dirty="0"/>
                     </a:p>
                   </a:txBody>
                   <a:tcPr>
@@ -6550,10 +6548,9 @@
                     <a:p>
                       <a:pPr algn="ctr"/>
                       <a:r>
-                        <a:rPr lang="en-US" sz="1400" dirty="0" smtClean="0"/>
+                        <a:rPr lang="en-US" sz="1400" dirty="0"/>
                         <a:t>Rx</a:t>
                       </a:r>
-                      <a:endParaRPr lang="en-US" sz="1400" dirty="0"/>
                     </a:p>
                   </a:txBody>
                   <a:tcPr>
@@ -6609,10 +6606,9 @@
                     <a:p>
                       <a:pPr algn="ctr"/>
                       <a:r>
-                        <a:rPr lang="en-US" sz="1400" dirty="0" smtClean="0"/>
+                        <a:rPr lang="en-US" sz="1400" dirty="0"/>
                         <a:t>Rx</a:t>
                       </a:r>
-                      <a:endParaRPr lang="en-US" sz="1400" dirty="0"/>
                     </a:p>
                   </a:txBody>
                   <a:tcPr>
@@ -6661,6 +6657,11 @@
                     </a:lnTlToBr>
                   </a:tcPr>
                 </a:tc>
+                <a:extLst>
+                  <a:ext uri="{0D108BD9-81ED-4DB2-BD59-A6C34878D82A}">
+                    <a16:rowId xmlns:a16="http://schemas.microsoft.com/office/drawing/2014/main" val="10004"/>
+                  </a:ext>
+                </a:extLst>
               </a:tr>
               <a:tr h="393896">
                 <a:tc>
@@ -6670,10 +6671,9 @@
                     <a:p>
                       <a:pPr algn="ctr"/>
                       <a:r>
-                        <a:rPr lang="en-US" sz="1400" dirty="0" smtClean="0"/>
+                        <a:rPr lang="en-US" sz="1400" dirty="0"/>
                         <a:t>5</a:t>
                       </a:r>
-                      <a:endParaRPr lang="en-US" sz="1400" dirty="0"/>
                     </a:p>
                   </a:txBody>
                   <a:tcPr>
@@ -6729,10 +6729,9 @@
                     <a:p>
                       <a:pPr algn="ctr"/>
                       <a:r>
-                        <a:rPr lang="en-US" sz="1400" dirty="0" smtClean="0"/>
+                        <a:rPr lang="en-US" sz="1400" dirty="0"/>
                         <a:t>Rx</a:t>
                       </a:r>
-                      <a:endParaRPr lang="en-US" sz="1400" dirty="0"/>
                     </a:p>
                   </a:txBody>
                   <a:tcPr>
@@ -6788,10 +6787,9 @@
                     <a:p>
                       <a:pPr algn="ctr"/>
                       <a:r>
-                        <a:rPr lang="en-US" sz="1400" dirty="0" smtClean="0"/>
+                        <a:rPr lang="en-US" sz="1400" dirty="0"/>
                         <a:t>Rx</a:t>
                       </a:r>
-                      <a:endParaRPr lang="en-US" sz="1400" dirty="0"/>
                     </a:p>
                   </a:txBody>
                   <a:tcPr>
@@ -6847,10 +6845,9 @@
                     <a:p>
                       <a:pPr algn="ctr"/>
                       <a:r>
-                        <a:rPr lang="en-US" sz="1400" dirty="0" smtClean="0"/>
+                        <a:rPr lang="en-US" sz="1400" dirty="0"/>
                         <a:t>Rx</a:t>
                       </a:r>
-                      <a:endParaRPr lang="en-US" sz="1400" dirty="0"/>
                     </a:p>
                   </a:txBody>
                   <a:tcPr>
@@ -6906,10 +6903,9 @@
                     <a:p>
                       <a:pPr algn="ctr"/>
                       <a:r>
-                        <a:rPr lang="en-US" sz="1400" dirty="0" smtClean="0"/>
+                        <a:rPr lang="en-US" sz="1400" dirty="0"/>
                         <a:t>Rx</a:t>
                       </a:r>
-                      <a:endParaRPr lang="en-US" sz="1400" dirty="0"/>
                     </a:p>
                   </a:txBody>
                   <a:tcPr>
@@ -6965,7 +6961,7 @@
                     <a:p>
                       <a:pPr algn="ctr"/>
                       <a:r>
-                        <a:rPr lang="en-US" sz="1400" dirty="0" err="1" smtClean="0"/>
+                        <a:rPr lang="en-US" sz="1400" dirty="0" err="1"/>
                         <a:t>Tx</a:t>
                       </a:r>
                       <a:endParaRPr lang="en-US" sz="1400" dirty="0"/>
@@ -7027,10 +7023,9 @@
                     <a:p>
                       <a:pPr algn="ctr"/>
                       <a:r>
-                        <a:rPr lang="en-US" sz="1400" dirty="0" smtClean="0"/>
+                        <a:rPr lang="en-US" sz="1400" dirty="0"/>
                         <a:t>Rx</a:t>
                       </a:r>
-                      <a:endParaRPr lang="en-US" sz="1400" dirty="0"/>
                     </a:p>
                   </a:txBody>
                   <a:tcPr>
@@ -7102,7 +7097,7 @@
                         <a:defRPr/>
                       </a:pPr>
                       <a:r>
-                        <a:rPr lang="en-US" sz="1400" dirty="0" smtClean="0"/>
+                        <a:rPr lang="en-US" sz="1400" dirty="0"/>
                         <a:t>Rx</a:t>
                       </a:r>
                     </a:p>
@@ -7176,7 +7171,7 @@
                         <a:defRPr/>
                       </a:pPr>
                       <a:r>
-                        <a:rPr lang="en-US" sz="1400" dirty="0" smtClean="0"/>
+                        <a:rPr lang="en-US" sz="1400" dirty="0"/>
                         <a:t>Rx</a:t>
                       </a:r>
                     </a:p>
@@ -7227,6 +7222,11 @@
                     </a:lnTlToBr>
                   </a:tcPr>
                 </a:tc>
+                <a:extLst>
+                  <a:ext uri="{0D108BD9-81ED-4DB2-BD59-A6C34878D82A}">
+                    <a16:rowId xmlns:a16="http://schemas.microsoft.com/office/drawing/2014/main" val="10005"/>
+                  </a:ext>
+                </a:extLst>
               </a:tr>
               <a:tr h="379827">
                 <a:tc>
@@ -7236,10 +7236,9 @@
                     <a:p>
                       <a:pPr algn="ctr"/>
                       <a:r>
-                        <a:rPr lang="en-US" sz="1400" dirty="0" smtClean="0"/>
+                        <a:rPr lang="en-US" sz="1400" dirty="0"/>
                         <a:t>6</a:t>
                       </a:r>
-                      <a:endParaRPr lang="en-US" sz="1400" dirty="0"/>
                     </a:p>
                   </a:txBody>
                   <a:tcPr>
@@ -7295,10 +7294,9 @@
                     <a:p>
                       <a:pPr algn="ctr"/>
                       <a:r>
-                        <a:rPr lang="en-US" sz="1400" dirty="0" smtClean="0"/>
+                        <a:rPr lang="en-US" sz="1400" dirty="0"/>
                         <a:t>Rx</a:t>
                       </a:r>
-                      <a:endParaRPr lang="en-US" sz="1400" dirty="0"/>
                     </a:p>
                   </a:txBody>
                   <a:tcPr>
@@ -7354,10 +7352,9 @@
                     <a:p>
                       <a:pPr algn="ctr"/>
                       <a:r>
-                        <a:rPr lang="en-US" sz="1400" dirty="0" smtClean="0"/>
+                        <a:rPr lang="en-US" sz="1400" dirty="0"/>
                         <a:t>Rx</a:t>
                       </a:r>
-                      <a:endParaRPr lang="en-US" sz="1400" dirty="0"/>
                     </a:p>
                   </a:txBody>
                   <a:tcPr>
@@ -7413,10 +7410,9 @@
                     <a:p>
                       <a:pPr algn="ctr"/>
                       <a:r>
-                        <a:rPr lang="en-US" sz="1400" dirty="0" smtClean="0"/>
+                        <a:rPr lang="en-US" sz="1400" dirty="0"/>
                         <a:t>Rx</a:t>
                       </a:r>
-                      <a:endParaRPr lang="en-US" sz="1400" dirty="0"/>
                     </a:p>
                   </a:txBody>
                   <a:tcPr>
@@ -7472,10 +7468,9 @@
                     <a:p>
                       <a:pPr algn="ctr"/>
                       <a:r>
-                        <a:rPr lang="en-US" sz="1400" dirty="0" smtClean="0"/>
+                        <a:rPr lang="en-US" sz="1400" dirty="0"/>
                         <a:t>Rx</a:t>
                       </a:r>
-                      <a:endParaRPr lang="en-US" sz="1400" dirty="0"/>
                     </a:p>
                   </a:txBody>
                   <a:tcPr>
@@ -7531,10 +7526,9 @@
                     <a:p>
                       <a:pPr algn="ctr"/>
                       <a:r>
-                        <a:rPr lang="en-US" sz="1400" dirty="0" smtClean="0"/>
+                        <a:rPr lang="en-US" sz="1400" dirty="0"/>
                         <a:t>Rx</a:t>
                       </a:r>
-                      <a:endParaRPr lang="en-US" sz="1400" dirty="0"/>
                     </a:p>
                   </a:txBody>
                   <a:tcPr>
@@ -7590,7 +7584,7 @@
                     <a:p>
                       <a:pPr algn="ctr"/>
                       <a:r>
-                        <a:rPr lang="en-US" sz="1400" dirty="0" err="1" smtClean="0"/>
+                        <a:rPr lang="en-US" sz="1400" dirty="0" err="1"/>
                         <a:t>Tx</a:t>
                       </a:r>
                       <a:endParaRPr lang="en-US" sz="1400" dirty="0"/>
@@ -7668,7 +7662,7 @@
                         <a:defRPr/>
                       </a:pPr>
                       <a:r>
-                        <a:rPr lang="en-US" sz="1400" dirty="0" smtClean="0"/>
+                        <a:rPr lang="en-US" sz="1400" dirty="0"/>
                         <a:t>Rx</a:t>
                       </a:r>
                     </a:p>
@@ -7742,7 +7736,7 @@
                         <a:defRPr/>
                       </a:pPr>
                       <a:r>
-                        <a:rPr lang="en-US" sz="1400" dirty="0" smtClean="0"/>
+                        <a:rPr lang="en-US" sz="1400" dirty="0"/>
                         <a:t>Rx</a:t>
                       </a:r>
                     </a:p>
@@ -7793,6 +7787,11 @@
                     </a:lnTlToBr>
                   </a:tcPr>
                 </a:tc>
+                <a:extLst>
+                  <a:ext uri="{0D108BD9-81ED-4DB2-BD59-A6C34878D82A}">
+                    <a16:rowId xmlns:a16="http://schemas.microsoft.com/office/drawing/2014/main" val="10006"/>
+                  </a:ext>
+                </a:extLst>
               </a:tr>
               <a:tr h="384852">
                 <a:tc>
@@ -7802,10 +7801,9 @@
                     <a:p>
                       <a:pPr algn="ctr"/>
                       <a:r>
-                        <a:rPr lang="en-US" sz="1400" dirty="0" smtClean="0"/>
+                        <a:rPr lang="en-US" sz="1400" dirty="0"/>
                         <a:t>7</a:t>
                       </a:r>
-                      <a:endParaRPr lang="en-US" sz="1400" dirty="0"/>
                     </a:p>
                   </a:txBody>
                   <a:tcPr>
@@ -7861,10 +7859,9 @@
                     <a:p>
                       <a:pPr algn="ctr"/>
                       <a:r>
-                        <a:rPr lang="en-US" sz="1400" dirty="0" smtClean="0"/>
+                        <a:rPr lang="en-US" sz="1400" dirty="0"/>
                         <a:t>Rx</a:t>
                       </a:r>
-                      <a:endParaRPr lang="en-US" sz="1400" dirty="0"/>
                     </a:p>
                   </a:txBody>
                   <a:tcPr>
@@ -7920,10 +7917,9 @@
                     <a:p>
                       <a:pPr algn="ctr"/>
                       <a:r>
-                        <a:rPr lang="en-US" sz="1400" dirty="0" smtClean="0"/>
+                        <a:rPr lang="en-US" sz="1400" dirty="0"/>
                         <a:t>Rx</a:t>
                       </a:r>
-                      <a:endParaRPr lang="en-US" sz="1400" dirty="0"/>
                     </a:p>
                   </a:txBody>
                   <a:tcPr>
@@ -7979,10 +7975,9 @@
                     <a:p>
                       <a:pPr algn="ctr"/>
                       <a:r>
-                        <a:rPr lang="en-US" sz="1400" dirty="0" smtClean="0"/>
+                        <a:rPr lang="en-US" sz="1400" dirty="0"/>
                         <a:t>Rx</a:t>
                       </a:r>
-                      <a:endParaRPr lang="en-US" sz="1400" dirty="0"/>
                     </a:p>
                   </a:txBody>
                   <a:tcPr>
@@ -8038,10 +8033,9 @@
                     <a:p>
                       <a:pPr algn="ctr"/>
                       <a:r>
-                        <a:rPr lang="en-US" sz="1400" dirty="0" smtClean="0"/>
+                        <a:rPr lang="en-US" sz="1400" dirty="0"/>
                         <a:t>Rx</a:t>
                       </a:r>
-                      <a:endParaRPr lang="en-US" sz="1400" dirty="0"/>
                     </a:p>
                   </a:txBody>
                   <a:tcPr>
@@ -8097,10 +8091,9 @@
                     <a:p>
                       <a:pPr algn="ctr"/>
                       <a:r>
-                        <a:rPr lang="en-US" sz="1400" dirty="0" smtClean="0"/>
+                        <a:rPr lang="en-US" sz="1400" dirty="0"/>
                         <a:t>Rx</a:t>
                       </a:r>
-                      <a:endParaRPr lang="en-US" sz="1400" dirty="0"/>
                     </a:p>
                   </a:txBody>
                   <a:tcPr>
@@ -8156,10 +8149,9 @@
                     <a:p>
                       <a:pPr algn="ctr"/>
                       <a:r>
-                        <a:rPr lang="en-US" sz="1400" dirty="0" smtClean="0"/>
+                        <a:rPr lang="en-US" sz="1400" dirty="0"/>
                         <a:t>Rx</a:t>
                       </a:r>
-                      <a:endParaRPr lang="en-US" sz="1400" dirty="0"/>
                     </a:p>
                   </a:txBody>
                   <a:tcPr>
@@ -8231,10 +8223,10 @@
                         <a:defRPr/>
                       </a:pPr>
                       <a:r>
-                        <a:rPr lang="en-US" sz="1400" dirty="0" err="1" smtClean="0"/>
+                        <a:rPr lang="en-US" sz="1400" dirty="0" err="1"/>
                         <a:t>Tx</a:t>
                       </a:r>
-                      <a:endParaRPr lang="en-US" sz="1400" dirty="0" smtClean="0"/>
+                      <a:endParaRPr lang="en-US" sz="1400" dirty="0"/>
                     </a:p>
                   </a:txBody>
                   <a:tcPr>
@@ -8309,7 +8301,7 @@
                         <a:defRPr/>
                       </a:pPr>
                       <a:r>
-                        <a:rPr lang="en-US" sz="1400" dirty="0" smtClean="0"/>
+                        <a:rPr lang="en-US" sz="1400" dirty="0"/>
                         <a:t>Rx</a:t>
                       </a:r>
                     </a:p>
@@ -8360,6 +8352,11 @@
                     </a:lnTlToBr>
                   </a:tcPr>
                 </a:tc>
+                <a:extLst>
+                  <a:ext uri="{0D108BD9-81ED-4DB2-BD59-A6C34878D82A}">
+                    <a16:rowId xmlns:a16="http://schemas.microsoft.com/office/drawing/2014/main" val="10007"/>
+                  </a:ext>
+                </a:extLst>
               </a:tr>
               <a:tr h="346668">
                 <a:tc>
@@ -8369,10 +8366,9 @@
                     <a:p>
                       <a:pPr algn="ctr"/>
                       <a:r>
-                        <a:rPr lang="en-US" sz="1400" dirty="0" smtClean="0"/>
+                        <a:rPr lang="en-US" sz="1400" dirty="0"/>
                         <a:t>8</a:t>
                       </a:r>
-                      <a:endParaRPr lang="en-US" sz="1400" dirty="0"/>
                     </a:p>
                   </a:txBody>
                   <a:tcPr>
@@ -8428,10 +8424,9 @@
                     <a:p>
                       <a:pPr algn="ctr"/>
                       <a:r>
-                        <a:rPr lang="en-US" sz="1400" dirty="0" smtClean="0"/>
+                        <a:rPr lang="en-US" sz="1400" dirty="0"/>
                         <a:t>Rx</a:t>
                       </a:r>
-                      <a:endParaRPr lang="en-US" sz="1400" dirty="0"/>
                     </a:p>
                   </a:txBody>
                   <a:tcPr>
@@ -8487,10 +8482,9 @@
                     <a:p>
                       <a:pPr algn="ctr"/>
                       <a:r>
-                        <a:rPr lang="en-US" sz="1400" dirty="0" smtClean="0"/>
+                        <a:rPr lang="en-US" sz="1400" dirty="0"/>
                         <a:t>Rx</a:t>
                       </a:r>
-                      <a:endParaRPr lang="en-US" sz="1400" dirty="0"/>
                     </a:p>
                   </a:txBody>
                   <a:tcPr>
@@ -8546,10 +8540,9 @@
                     <a:p>
                       <a:pPr algn="ctr"/>
                       <a:r>
-                        <a:rPr lang="en-US" sz="1400" dirty="0" smtClean="0"/>
+                        <a:rPr lang="en-US" sz="1400" dirty="0"/>
                         <a:t>Rx</a:t>
                       </a:r>
-                      <a:endParaRPr lang="en-US" sz="1400" dirty="0"/>
                     </a:p>
                   </a:txBody>
                   <a:tcPr>
@@ -8605,10 +8598,9 @@
                     <a:p>
                       <a:pPr algn="ctr"/>
                       <a:r>
-                        <a:rPr lang="en-US" sz="1400" dirty="0" smtClean="0"/>
+                        <a:rPr lang="en-US" sz="1400" dirty="0"/>
                         <a:t>Rx</a:t>
                       </a:r>
-                      <a:endParaRPr lang="en-US" sz="1400" dirty="0"/>
                     </a:p>
                   </a:txBody>
                   <a:tcPr>
@@ -8664,10 +8656,9 @@
                     <a:p>
                       <a:pPr algn="ctr"/>
                       <a:r>
-                        <a:rPr lang="en-US" sz="1400" dirty="0" smtClean="0"/>
+                        <a:rPr lang="en-US" sz="1400" dirty="0"/>
                         <a:t>Rx</a:t>
                       </a:r>
-                      <a:endParaRPr lang="en-US" sz="1400" dirty="0"/>
                     </a:p>
                   </a:txBody>
                   <a:tcPr>
@@ -8723,10 +8714,9 @@
                     <a:p>
                       <a:pPr algn="ctr"/>
                       <a:r>
-                        <a:rPr lang="en-US" sz="1400" dirty="0" smtClean="0"/>
+                        <a:rPr lang="en-US" sz="1400" dirty="0"/>
                         <a:t>Rx</a:t>
                       </a:r>
-                      <a:endParaRPr lang="en-US" sz="1400" dirty="0"/>
                     </a:p>
                   </a:txBody>
                   <a:tcPr>
@@ -8798,7 +8788,7 @@
                         <a:defRPr/>
                       </a:pPr>
                       <a:r>
-                        <a:rPr lang="en-US" sz="1400" dirty="0" smtClean="0"/>
+                        <a:rPr lang="en-US" sz="1400" dirty="0"/>
                         <a:t>Rx</a:t>
                       </a:r>
                     </a:p>
@@ -8856,7 +8846,7 @@
                     <a:p>
                       <a:pPr algn="ctr"/>
                       <a:r>
-                        <a:rPr lang="en-US" sz="1400" dirty="0" err="1" smtClean="0"/>
+                        <a:rPr lang="en-US" sz="1400" dirty="0" err="1"/>
                         <a:t>Tx</a:t>
                       </a:r>
                       <a:endParaRPr lang="en-US" sz="1400" dirty="0"/>
@@ -8911,6 +8901,11 @@
                     </a:solidFill>
                   </a:tcPr>
                 </a:tc>
+                <a:extLst>
+                  <a:ext uri="{0D108BD9-81ED-4DB2-BD59-A6C34878D82A}">
+                    <a16:rowId xmlns:a16="http://schemas.microsoft.com/office/drawing/2014/main" val="10008"/>
+                  </a:ext>
+                </a:extLst>
               </a:tr>
             </a:tbl>
           </a:graphicData>
@@ -8939,10 +8934,9 @@
           <a:lstStyle/>
           <a:p>
             <a:r>
-              <a:rPr lang="en-US" sz="1400" dirty="0" smtClean="0"/>
+              <a:rPr lang="en-US" sz="1400" dirty="0"/>
               <a:t>Timeslot</a:t>
             </a:r>
-            <a:endParaRPr lang="en-US" sz="1400" dirty="0"/>
           </a:p>
         </p:txBody>
       </p:sp>
@@ -8969,10 +8963,9 @@
           <a:lstStyle/>
           <a:p>
             <a:r>
-              <a:rPr lang="en-US" sz="1400" dirty="0" smtClean="0"/>
+              <a:rPr lang="en-US" sz="1400" dirty="0"/>
               <a:t>Node ID</a:t>
             </a:r>
-            <a:endParaRPr lang="en-US" sz="1400" dirty="0"/>
           </a:p>
         </p:txBody>
       </p:sp>
@@ -8999,17 +8992,17 @@
           <a:lstStyle/>
           <a:p>
             <a:r>
-              <a:rPr lang="en-US" sz="1400" dirty="0" err="1" smtClean="0"/>
+              <a:rPr lang="en-US" sz="1400" dirty="0" err="1"/>
               <a:t>Tx</a:t>
             </a:r>
             <a:r>
-              <a:rPr lang="en-US" sz="1400" dirty="0" smtClean="0"/>
+              <a:rPr lang="en-US" sz="1400" dirty="0"/>
               <a:t>: Transmit</a:t>
             </a:r>
           </a:p>
           <a:p>
             <a:r>
-              <a:rPr lang="en-US" sz="1400" dirty="0" smtClean="0"/>
+              <a:rPr lang="en-US" sz="1400" dirty="0"/>
               <a:t>Rx: Receive</a:t>
             </a:r>
           </a:p>
@@ -9018,10 +9011,9 @@
           </a:p>
           <a:p>
             <a:r>
-              <a:rPr lang="en-US" sz="1400" dirty="0" smtClean="0"/>
+              <a:rPr lang="en-US" sz="1400" dirty="0"/>
               <a:t>Timeslot 0 -&gt; 7: Assigned for Node 1 -&gt; 8 respectively</a:t>
             </a:r>
-            <a:endParaRPr lang="en-US" sz="1400" dirty="0"/>
           </a:p>
         </p:txBody>
       </p:sp>
@@ -9048,18 +9040,17 @@
           <a:lstStyle/>
           <a:p>
             <a:r>
-              <a:rPr lang="en-US" dirty="0" smtClean="0"/>
+              <a:rPr lang="en-US" dirty="0"/>
               <a:t>Table 1: Example of Orchestra </a:t>
             </a:r>
             <a:r>
-              <a:rPr lang="en-US" dirty="0" err="1" smtClean="0"/>
+              <a:rPr lang="en-US" dirty="0" err="1"/>
               <a:t>slotframe</a:t>
             </a:r>
             <a:r>
-              <a:rPr lang="en-US" dirty="0" smtClean="0"/>
+              <a:rPr lang="en-US" dirty="0"/>
               <a:t> with 8 nodes.</a:t>
             </a:r>
-            <a:endParaRPr lang="en-US" dirty="0"/>
           </a:p>
         </p:txBody>
       </p:sp>
@@ -9137,13 +9128,6 @@
   <p:clrMapOvr>
     <a:masterClrMapping/>
   </p:clrMapOvr>
-  <p:timing>
-    <p:tnLst>
-      <p:par>
-        <p:cTn id="1" dur="indefinite" restart="never" nodeType="tmRoot"/>
-      </p:par>
-    </p:tnLst>
-  </p:timing>
 </p:sld>
 </file>
 
@@ -9215,7 +9199,7 @@
                   <a:buChar char="•"/>
                 </a:pPr>
                 <a:r>
-                  <a:rPr lang="en-US" dirty="0" smtClean="0"/>
+                  <a:rPr lang="en-US" dirty="0"/>
                   <a:t> Example:</a:t>
                 </a:r>
               </a:p>
@@ -9225,7 +9209,7 @@
                   <a:buChar char="•"/>
                 </a:pPr>
                 <a:r>
-                  <a:rPr lang="en-US" dirty="0" smtClean="0"/>
+                  <a:rPr lang="en-US" dirty="0"/>
                   <a:t> Node 1: broadcast PROBE(1, 1)</a:t>
                 </a:r>
               </a:p>
@@ -9235,11 +9219,11 @@
                   <a:buChar char="•"/>
                 </a:pPr>
                 <a:r>
-                  <a:rPr lang="en-US" dirty="0" smtClean="0"/>
+                  <a:rPr lang="en-US" dirty="0"/>
                   <a:t> Node 4, 8, 5 if receive PROBE packet will add Node 1 to its neighbor table and count the number of received PROBE packet</a:t>
                 </a:r>
                 <a:r>
-                  <a:rPr lang="en-US" dirty="0" smtClean="0">
+                  <a:rPr lang="en-US" dirty="0">
                     <a:solidFill>
                       <a:schemeClr val="tx1"/>
                     </a:solidFill>
@@ -9296,7 +9280,7 @@
                   </m:oMath>
                 </a14:m>
                 <a:r>
-                  <a:rPr lang="en-US" dirty="0" smtClean="0">
+                  <a:rPr lang="en-US" dirty="0">
                     <a:solidFill>
                       <a:schemeClr val="tx1"/>
                     </a:solidFill>
@@ -9310,7 +9294,7 @@
                   <a:buChar char="•"/>
                 </a:pPr>
                 <a:r>
-                  <a:rPr lang="en-US" dirty="0" smtClean="0"/>
+                  <a:rPr lang="en-US" dirty="0"/>
                   <a:t> All the network runs MLQ state until it reaches the NUMBER_OF_PROBE.</a:t>
                 </a:r>
               </a:p>
@@ -9320,7 +9304,7 @@
                   <a:buChar char="•"/>
                 </a:pPr>
                 <a:r>
-                  <a:rPr lang="en-US" dirty="0" smtClean="0"/>
+                  <a:rPr lang="en-US" dirty="0"/>
                   <a:t> Node 1 calculate PRR value from its neighbor: PRR(4-&gt;1), PRR(8-&gt;1), PRR(5-&gt;1).</a:t>
                 </a:r>
               </a:p>
@@ -9350,7 +9334,7 @@
                       <m:fPr>
                         <m:ctrlPr>
                           <a:rPr lang="mr-IN" i="1" smtClean="0">
-                            <a:latin typeface="Cambria Math" charset="0"/>
+                            <a:latin typeface="Cambria Math" panose="02040503050406030204" pitchFamily="18" charset="0"/>
                           </a:rPr>
                         </m:ctrlPr>
                       </m:fPr>
@@ -9485,10 +9469,9 @@
           <a:lstStyle/>
           <a:p>
             <a:r>
-              <a:rPr lang="en-US" dirty="0" smtClean="0"/>
+              <a:rPr lang="en-US" dirty="0"/>
               <a:t>CNLAB PROTOCOL</a:t>
             </a:r>
-            <a:endParaRPr lang="en-US" dirty="0"/>
           </a:p>
         </p:txBody>
       </p:sp>
@@ -9538,7 +9521,7 @@
           <a:lstStyle/>
           <a:p>
             <a:r>
-              <a:rPr lang="en-US" dirty="0" smtClean="0"/>
+              <a:rPr lang="en-US" dirty="0"/>
               <a:t>Fig. 3: Example network in MLQ state.</a:t>
             </a:r>
           </a:p>
@@ -9581,10 +9564,9 @@
           <a:p>
             <a:pPr algn="ctr"/>
             <a:r>
-              <a:rPr lang="en-US" sz="1600" dirty="0" smtClean="0"/>
+              <a:rPr lang="en-US" sz="1600" dirty="0"/>
               <a:t>1</a:t>
             </a:r>
-            <a:endParaRPr lang="en-US" sz="1600" dirty="0"/>
           </a:p>
         </p:txBody>
       </p:sp>
@@ -10341,13 +10323,6 @@
   <p:clrMapOvr>
     <a:masterClrMapping/>
   </p:clrMapOvr>
-  <p:timing>
-    <p:tnLst>
-      <p:par>
-        <p:cTn id="1" dur="indefinite" restart="never" nodeType="tmRoot"/>
-      </p:par>
-    </p:tnLst>
-  </p:timing>
 </p:sld>
 </file>
 
@@ -10417,15 +10392,15 @@
               <a:buChar char="•"/>
             </a:pPr>
             <a:r>
-              <a:rPr lang="en-US" dirty="0" smtClean="0"/>
+              <a:rPr lang="en-US" dirty="0"/>
               <a:t>After calculate PRR for each neighbor, Node will send PRR value for each neighbor by unicast using Orchestra </a:t>
             </a:r>
             <a:r>
-              <a:rPr lang="en-US" dirty="0" err="1" smtClean="0"/>
+              <a:rPr lang="en-US" dirty="0" err="1"/>
               <a:t>slotframe</a:t>
             </a:r>
             <a:r>
-              <a:rPr lang="en-US" dirty="0" smtClean="0"/>
+              <a:rPr lang="en-US" dirty="0"/>
               <a:t>.</a:t>
             </a:r>
           </a:p>
@@ -10435,7 +10410,7 @@
               <a:buChar char="•"/>
             </a:pPr>
             <a:r>
-              <a:rPr lang="en-US" dirty="0" smtClean="0"/>
+              <a:rPr lang="en-US" dirty="0"/>
               <a:t>Each node will remain 2 PRRs value:</a:t>
             </a:r>
           </a:p>
@@ -10445,11 +10420,11 @@
               <a:buChar char="•"/>
             </a:pPr>
             <a:r>
-              <a:rPr lang="en-US" dirty="0" err="1" smtClean="0"/>
+              <a:rPr lang="en-US" dirty="0" err="1"/>
               <a:t>Forward_PRR</a:t>
             </a:r>
             <a:r>
-              <a:rPr lang="en-US" dirty="0" smtClean="0"/>
+              <a:rPr lang="en-US" dirty="0"/>
               <a:t>(Node-&gt;Neighbor)</a:t>
             </a:r>
           </a:p>
@@ -10459,14 +10434,13 @@
               <a:buChar char="•"/>
             </a:pPr>
             <a:r>
-              <a:rPr lang="en-US" dirty="0" err="1" smtClean="0"/>
+              <a:rPr lang="en-US" dirty="0" err="1"/>
               <a:t>Backward_PRR</a:t>
             </a:r>
             <a:r>
-              <a:rPr lang="en-US" dirty="0" smtClean="0"/>
+              <a:rPr lang="en-US" dirty="0"/>
               <a:t>(Neighbor-&gt;Node)</a:t>
             </a:r>
-            <a:endParaRPr lang="en-US" dirty="0"/>
           </a:p>
         </p:txBody>
       </p:sp>
@@ -10486,10 +10460,9 @@
           <a:lstStyle/>
           <a:p>
             <a:r>
-              <a:rPr lang="en-US" dirty="0" smtClean="0"/>
+              <a:rPr lang="en-US" dirty="0"/>
               <a:t>CNLAB PROTOCOL</a:t>
             </a:r>
-            <a:endParaRPr lang="en-US" dirty="0"/>
           </a:p>
         </p:txBody>
       </p:sp>
@@ -10539,7 +10512,7 @@
           <a:lstStyle/>
           <a:p>
             <a:r>
-              <a:rPr lang="en-US" dirty="0" smtClean="0"/>
+              <a:rPr lang="en-US" dirty="0"/>
               <a:t>Fig. 3: Example network in MLQ state.</a:t>
             </a:r>
           </a:p>
@@ -10582,10 +10555,9 @@
           <a:p>
             <a:pPr algn="ctr"/>
             <a:r>
-              <a:rPr lang="en-US" sz="1600" dirty="0" smtClean="0"/>
+              <a:rPr lang="en-US" sz="1600" dirty="0"/>
               <a:t>1</a:t>
             </a:r>
-            <a:endParaRPr lang="en-US" sz="1600" dirty="0"/>
           </a:p>
         </p:txBody>
       </p:sp>
@@ -11342,13 +11314,6 @@
   <p:clrMapOvr>
     <a:masterClrMapping/>
   </p:clrMapOvr>
-  <p:timing>
-    <p:tnLst>
-      <p:par>
-        <p:cTn id="1" dur="indefinite" restart="never" nodeType="tmRoot"/>
-      </p:par>
-    </p:tnLst>
-  </p:timing>
 </p:sld>
 </file>
 
@@ -11385,10 +11350,9 @@
           <a:lstStyle/>
           <a:p>
             <a:r>
-              <a:rPr lang="en-US" dirty="0" smtClean="0"/>
+              <a:rPr lang="en-US" dirty="0"/>
               <a:t>Make Routing state</a:t>
             </a:r>
-            <a:endParaRPr lang="en-US" dirty="0"/>
           </a:p>
         </p:txBody>
       </p:sp>
@@ -11419,28 +11383,24 @@
               <a:buChar char="•"/>
             </a:pPr>
             <a:r>
-              <a:rPr lang="en-US" dirty="0" smtClean="0"/>
+              <a:rPr lang="en-US" dirty="0"/>
               <a:t> In Make Routing state, Coordinator will send BUILDING_TREE_INIT message contain </a:t>
             </a:r>
             <a:r>
-              <a:rPr lang="en-US" dirty="0" err="1" smtClean="0"/>
+              <a:rPr lang="en-US" dirty="0" err="1"/>
               <a:t>ist</a:t>
             </a:r>
             <a:r>
-              <a:rPr lang="en-US" dirty="0" smtClean="0"/>
+              <a:rPr lang="en-US" dirty="0"/>
               <a:t> Rank (</a:t>
             </a:r>
             <a:r>
-              <a:rPr lang="en-US" dirty="0" err="1" smtClean="0"/>
+              <a:rPr lang="en-US" dirty="0" err="1"/>
               <a:t>init</a:t>
             </a:r>
             <a:r>
-              <a:rPr lang="en-US" dirty="0" smtClean="0"/>
-              <a:t> = 0) to lower level node</a:t>
-            </a:r>
-            <a:r>
-              <a:rPr lang="en-US" dirty="0" smtClean="0"/>
-              <a:t>.</a:t>
+              <a:rPr lang="en-US" dirty="0"/>
+              <a:t> = 0) to lower level node.</a:t>
             </a:r>
           </a:p>
           <a:p>
@@ -11460,7 +11420,6 @@
               <a:rPr lang="en-US" dirty="0"/>
               <a:t>, "send BT INIT process");</a:t>
             </a:r>
-            <a:endParaRPr lang="en-US" dirty="0" smtClean="0"/>
           </a:p>
         </p:txBody>
       </p:sp>
@@ -11480,7 +11439,7 @@
           <a:lstStyle/>
           <a:p>
             <a:r>
-              <a:rPr lang="en-US" smtClean="0"/>
+              <a:rPr lang="en-US"/>
               <a:t>CNLAB PROTOCOL</a:t>
             </a:r>
             <a:endParaRPr lang="en-US" dirty="0"/>
@@ -11805,10 +11764,9 @@
           <a:p>
             <a:pPr algn="ctr"/>
             <a:r>
-              <a:rPr lang="en-US" sz="1600" dirty="0" smtClean="0"/>
+              <a:rPr lang="en-US" sz="1600" dirty="0"/>
               <a:t>1</a:t>
             </a:r>
-            <a:endParaRPr lang="en-US" sz="1600" dirty="0"/>
           </a:p>
         </p:txBody>
       </p:sp>
@@ -12093,23 +12051,7 @@
           <a:p>
             <a:r>
               <a:rPr lang="en-US" dirty="0"/>
-              <a:t>Fig. </a:t>
-            </a:r>
-            <a:r>
-              <a:rPr lang="en-US" dirty="0" smtClean="0"/>
-              <a:t>5: </a:t>
-            </a:r>
-            <a:r>
-              <a:rPr lang="en-US" dirty="0"/>
-              <a:t>Example network </a:t>
-            </a:r>
-            <a:r>
-              <a:rPr lang="en-US" dirty="0" smtClean="0"/>
-              <a:t>in Make Routing </a:t>
-            </a:r>
-            <a:r>
-              <a:rPr lang="en-US" dirty="0"/>
-              <a:t>state.</a:t>
+              <a:t>Fig. 5: Example network in Make Routing state.</a:t>
             </a:r>
           </a:p>
         </p:txBody>
@@ -12243,10 +12185,9 @@
           <a:lstStyle/>
           <a:p>
             <a:r>
-              <a:rPr lang="en-US" sz="1400" dirty="0" smtClean="0"/>
+              <a:rPr lang="en-US" sz="1400" dirty="0"/>
               <a:t>Level 0</a:t>
             </a:r>
-            <a:endParaRPr lang="en-US" sz="1400" dirty="0"/>
           </a:p>
         </p:txBody>
       </p:sp>
@@ -12273,10 +12214,9 @@
           <a:lstStyle/>
           <a:p>
             <a:r>
-              <a:rPr lang="en-US" sz="1400" dirty="0" smtClean="0"/>
+              <a:rPr lang="en-US" sz="1400" dirty="0"/>
               <a:t>Level 1</a:t>
             </a:r>
-            <a:endParaRPr lang="en-US" sz="1400" dirty="0"/>
           </a:p>
         </p:txBody>
       </p:sp>
@@ -12303,10 +12243,9 @@
           <a:lstStyle/>
           <a:p>
             <a:r>
-              <a:rPr lang="en-US" sz="1400" dirty="0" smtClean="0"/>
+              <a:rPr lang="en-US" sz="1400" dirty="0"/>
               <a:t>Level 2</a:t>
             </a:r>
-            <a:endParaRPr lang="en-US" sz="1400" dirty="0"/>
           </a:p>
         </p:txBody>
       </p:sp>
@@ -12333,10 +12272,9 @@
           <a:lstStyle/>
           <a:p>
             <a:r>
-              <a:rPr lang="en-US" sz="1400" dirty="0" smtClean="0"/>
+              <a:rPr lang="en-US" sz="1400" dirty="0"/>
               <a:t>Level 3</a:t>
             </a:r>
-            <a:endParaRPr lang="en-US" sz="1400" dirty="0"/>
           </a:p>
         </p:txBody>
       </p:sp>
@@ -12363,18 +12301,13 @@
           <a:lstStyle/>
           <a:p>
             <a:r>
-              <a:rPr lang="en-US" sz="1400" dirty="0" smtClean="0">
+              <a:rPr lang="en-US" sz="1400" dirty="0">
                 <a:solidFill>
                   <a:srgbClr val="FF0000"/>
                 </a:solidFill>
               </a:rPr>
               <a:t>16</a:t>
             </a:r>
-            <a:endParaRPr lang="en-US" sz="1400" dirty="0">
-              <a:solidFill>
-                <a:srgbClr val="FF0000"/>
-              </a:solidFill>
-            </a:endParaRPr>
           </a:p>
         </p:txBody>
       </p:sp>
@@ -12401,18 +12334,13 @@
           <a:lstStyle/>
           <a:p>
             <a:r>
-              <a:rPr lang="en-US" sz="1400" dirty="0" smtClean="0">
+              <a:rPr lang="en-US" sz="1400" dirty="0">
                 <a:solidFill>
                   <a:srgbClr val="FF0000"/>
                 </a:solidFill>
               </a:rPr>
               <a:t>32</a:t>
             </a:r>
-            <a:endParaRPr lang="en-US" sz="1400" dirty="0">
-              <a:solidFill>
-                <a:srgbClr val="FF0000"/>
-              </a:solidFill>
-            </a:endParaRPr>
           </a:p>
         </p:txBody>
       </p:sp>
@@ -12439,18 +12367,13 @@
           <a:lstStyle/>
           <a:p>
             <a:r>
-              <a:rPr lang="en-US" sz="1400" dirty="0" smtClean="0">
+              <a:rPr lang="en-US" sz="1400" dirty="0">
                 <a:solidFill>
                   <a:srgbClr val="FF0000"/>
                 </a:solidFill>
               </a:rPr>
               <a:t>16</a:t>
             </a:r>
-            <a:endParaRPr lang="en-US" sz="1400" dirty="0">
-              <a:solidFill>
-                <a:srgbClr val="FF0000"/>
-              </a:solidFill>
-            </a:endParaRPr>
           </a:p>
         </p:txBody>
       </p:sp>
@@ -12477,18 +12400,13 @@
           <a:lstStyle/>
           <a:p>
             <a:r>
-              <a:rPr lang="en-US" sz="1400" dirty="0" smtClean="0">
+              <a:rPr lang="en-US" sz="1400" dirty="0">
                 <a:solidFill>
                   <a:srgbClr val="FF0000"/>
                 </a:solidFill>
               </a:rPr>
               <a:t>16</a:t>
             </a:r>
-            <a:endParaRPr lang="en-US" sz="1400" dirty="0">
-              <a:solidFill>
-                <a:srgbClr val="FF0000"/>
-              </a:solidFill>
-            </a:endParaRPr>
           </a:p>
         </p:txBody>
       </p:sp>
@@ -12515,18 +12433,13 @@
           <a:lstStyle/>
           <a:p>
             <a:r>
-              <a:rPr lang="en-US" sz="1400" dirty="0" smtClean="0">
+              <a:rPr lang="en-US" sz="1400" dirty="0">
                 <a:solidFill>
                   <a:srgbClr val="FF0000"/>
                 </a:solidFill>
               </a:rPr>
               <a:t>32</a:t>
             </a:r>
-            <a:endParaRPr lang="en-US" sz="1400" dirty="0">
-              <a:solidFill>
-                <a:srgbClr val="FF0000"/>
-              </a:solidFill>
-            </a:endParaRPr>
           </a:p>
         </p:txBody>
       </p:sp>
@@ -12553,18 +12466,13 @@
           <a:lstStyle/>
           <a:p>
             <a:r>
-              <a:rPr lang="en-US" sz="1400" dirty="0" smtClean="0">
+              <a:rPr lang="en-US" sz="1400" dirty="0">
                 <a:solidFill>
                   <a:srgbClr val="FF0000"/>
                 </a:solidFill>
               </a:rPr>
               <a:t>16</a:t>
             </a:r>
-            <a:endParaRPr lang="en-US" sz="1400" dirty="0">
-              <a:solidFill>
-                <a:srgbClr val="FF0000"/>
-              </a:solidFill>
-            </a:endParaRPr>
           </a:p>
         </p:txBody>
       </p:sp>
@@ -12591,18 +12499,13 @@
           <a:lstStyle/>
           <a:p>
             <a:r>
-              <a:rPr lang="en-US" sz="1400" dirty="0" smtClean="0">
+              <a:rPr lang="en-US" sz="1400" dirty="0">
                 <a:solidFill>
                   <a:srgbClr val="FF0000"/>
                 </a:solidFill>
               </a:rPr>
               <a:t>16</a:t>
             </a:r>
-            <a:endParaRPr lang="en-US" sz="1400" dirty="0">
-              <a:solidFill>
-                <a:srgbClr val="FF0000"/>
-              </a:solidFill>
-            </a:endParaRPr>
           </a:p>
         </p:txBody>
       </p:sp>
@@ -12724,13 +12627,6 @@
   <p:clrMapOvr>
     <a:masterClrMapping/>
   </p:clrMapOvr>
-  <p:timing>
-    <p:tnLst>
-      <p:par>
-        <p:cTn id="1" dur="indefinite" restart="never" nodeType="tmRoot"/>
-      </p:par>
-    </p:tnLst>
-  </p:timing>
 </p:sld>
 </file>
 
@@ -12767,10 +12663,9 @@
           <a:lstStyle/>
           <a:p>
             <a:r>
-              <a:rPr lang="en-US" dirty="0" smtClean="0"/>
+              <a:rPr lang="en-US" dirty="0"/>
               <a:t>Make Routing state</a:t>
             </a:r>
-            <a:endParaRPr lang="en-US" dirty="0"/>
           </a:p>
         </p:txBody>
       </p:sp>
@@ -12801,10 +12696,9 @@
               <a:buChar char="•"/>
             </a:pPr>
             <a:r>
-              <a:rPr lang="en-US" dirty="0" smtClean="0"/>
+              <a:rPr lang="en-US" dirty="0"/>
               <a:t>Node received  will calculate Rank:</a:t>
             </a:r>
-            <a:endParaRPr lang="en-US" dirty="0"/>
           </a:p>
           <a:p>
             <a:pPr>
@@ -12812,23 +12706,23 @@
               <a:buChar char="•"/>
             </a:pPr>
             <a:r>
-              <a:rPr lang="en-US" sz="2400" dirty="0" smtClean="0"/>
+              <a:rPr lang="en-US" sz="2400" dirty="0"/>
               <a:t>Rank = </a:t>
             </a:r>
             <a:r>
-              <a:rPr lang="en-US" sz="2400" dirty="0" err="1" smtClean="0"/>
+              <a:rPr lang="en-US" sz="2400" dirty="0" err="1"/>
               <a:t>neighbor_rank</a:t>
             </a:r>
             <a:r>
-              <a:rPr lang="en-US" sz="2400" dirty="0" smtClean="0"/>
+              <a:rPr lang="en-US" sz="2400" dirty="0"/>
               <a:t>*</a:t>
             </a:r>
             <a:r>
-              <a:rPr lang="en-US" sz="2400" dirty="0" err="1" smtClean="0"/>
+              <a:rPr lang="en-US" sz="2400" dirty="0" err="1"/>
               <a:t>forward_prr</a:t>
             </a:r>
             <a:r>
-              <a:rPr lang="en-US" sz="2400" dirty="0" smtClean="0"/>
+              <a:rPr lang="en-US" sz="2400" dirty="0"/>
               <a:t>;</a:t>
             </a:r>
           </a:p>
@@ -12838,12 +12732,8 @@
               <a:buChar char="•"/>
             </a:pPr>
             <a:r>
-              <a:rPr lang="en-US" sz="2400" dirty="0" smtClean="0"/>
-              <a:t>After calculate Rank, each node broadcast BUILDING_TREE_COMPARE contains its Rank to the neighbor</a:t>
-            </a:r>
-            <a:r>
-              <a:rPr lang="en-US" sz="2400" dirty="0" smtClean="0"/>
-              <a:t>.</a:t>
+              <a:rPr lang="en-US" sz="2400" dirty="0"/>
+              <a:t>After calculate Rank, each node broadcast BUILDING_TREE_COMPARE contains its Rank to the neighbor.</a:t>
             </a:r>
           </a:p>
           <a:p>
@@ -12863,7 +12753,6 @@
               <a:rPr lang="en-US" sz="2400" dirty="0"/>
               <a:t>, "send BT COMPARE process");</a:t>
             </a:r>
-            <a:endParaRPr lang="en-US" sz="2400" dirty="0" smtClean="0"/>
           </a:p>
         </p:txBody>
       </p:sp>
@@ -12883,10 +12772,9 @@
           <a:lstStyle/>
           <a:p>
             <a:r>
-              <a:rPr lang="en-US" dirty="0" smtClean="0"/>
+              <a:rPr lang="en-US" dirty="0"/>
               <a:t>CNLAB PROTOCOL</a:t>
             </a:r>
-            <a:endParaRPr lang="en-US" dirty="0"/>
           </a:p>
         </p:txBody>
       </p:sp>
@@ -13208,10 +13096,9 @@
           <a:p>
             <a:pPr algn="ctr"/>
             <a:r>
-              <a:rPr lang="en-US" sz="1600" dirty="0" smtClean="0"/>
+              <a:rPr lang="en-US" sz="1600" dirty="0"/>
               <a:t>1</a:t>
             </a:r>
-            <a:endParaRPr lang="en-US" sz="1600" dirty="0"/>
           </a:p>
         </p:txBody>
       </p:sp>
@@ -13496,23 +13383,7 @@
           <a:p>
             <a:r>
               <a:rPr lang="en-US" dirty="0"/>
-              <a:t>Fig. </a:t>
-            </a:r>
-            <a:r>
-              <a:rPr lang="en-US" dirty="0" smtClean="0"/>
-              <a:t>5: </a:t>
-            </a:r>
-            <a:r>
-              <a:rPr lang="en-US" dirty="0"/>
-              <a:t>Example network </a:t>
-            </a:r>
-            <a:r>
-              <a:rPr lang="en-US" dirty="0" smtClean="0"/>
-              <a:t>in Make Routing </a:t>
-            </a:r>
-            <a:r>
-              <a:rPr lang="en-US" dirty="0"/>
-              <a:t>state.</a:t>
+              <a:t>Fig. 5: Example network in Make Routing state.</a:t>
             </a:r>
           </a:p>
         </p:txBody>
@@ -13646,10 +13517,9 @@
           <a:lstStyle/>
           <a:p>
             <a:r>
-              <a:rPr lang="en-US" sz="1400" dirty="0" smtClean="0"/>
+              <a:rPr lang="en-US" sz="1400" dirty="0"/>
               <a:t>Level 0</a:t>
             </a:r>
-            <a:endParaRPr lang="en-US" sz="1400" dirty="0"/>
           </a:p>
         </p:txBody>
       </p:sp>
@@ -13676,10 +13546,9 @@
           <a:lstStyle/>
           <a:p>
             <a:r>
-              <a:rPr lang="en-US" sz="1400" dirty="0" smtClean="0"/>
+              <a:rPr lang="en-US" sz="1400" dirty="0"/>
               <a:t>Level 1</a:t>
             </a:r>
-            <a:endParaRPr lang="en-US" sz="1400" dirty="0"/>
           </a:p>
         </p:txBody>
       </p:sp>
@@ -13706,10 +13575,9 @@
           <a:lstStyle/>
           <a:p>
             <a:r>
-              <a:rPr lang="en-US" sz="1400" dirty="0" smtClean="0"/>
+              <a:rPr lang="en-US" sz="1400" dirty="0"/>
               <a:t>Level 2</a:t>
             </a:r>
-            <a:endParaRPr lang="en-US" sz="1400" dirty="0"/>
           </a:p>
         </p:txBody>
       </p:sp>
@@ -13736,10 +13604,9 @@
           <a:lstStyle/>
           <a:p>
             <a:r>
-              <a:rPr lang="en-US" sz="1400" dirty="0" smtClean="0"/>
+              <a:rPr lang="en-US" sz="1400" dirty="0"/>
               <a:t>Level 3</a:t>
             </a:r>
-            <a:endParaRPr lang="en-US" sz="1400" dirty="0"/>
           </a:p>
         </p:txBody>
       </p:sp>
@@ -13766,18 +13633,13 @@
           <a:lstStyle/>
           <a:p>
             <a:r>
-              <a:rPr lang="en-US" sz="1400" dirty="0" smtClean="0">
+              <a:rPr lang="en-US" sz="1400" dirty="0">
                 <a:solidFill>
                   <a:srgbClr val="FF0000"/>
                 </a:solidFill>
               </a:rPr>
               <a:t>16</a:t>
             </a:r>
-            <a:endParaRPr lang="en-US" sz="1400" dirty="0">
-              <a:solidFill>
-                <a:srgbClr val="FF0000"/>
-              </a:solidFill>
-            </a:endParaRPr>
           </a:p>
         </p:txBody>
       </p:sp>
@@ -13804,18 +13666,13 @@
           <a:lstStyle/>
           <a:p>
             <a:r>
-              <a:rPr lang="en-US" sz="1400" dirty="0" smtClean="0">
+              <a:rPr lang="en-US" sz="1400" dirty="0">
                 <a:solidFill>
                   <a:srgbClr val="FF0000"/>
                 </a:solidFill>
               </a:rPr>
               <a:t>32</a:t>
             </a:r>
-            <a:endParaRPr lang="en-US" sz="1400" dirty="0">
-              <a:solidFill>
-                <a:srgbClr val="FF0000"/>
-              </a:solidFill>
-            </a:endParaRPr>
           </a:p>
         </p:txBody>
       </p:sp>
@@ -13842,18 +13699,13 @@
           <a:lstStyle/>
           <a:p>
             <a:r>
-              <a:rPr lang="en-US" sz="1400" dirty="0" smtClean="0">
+              <a:rPr lang="en-US" sz="1400" dirty="0">
                 <a:solidFill>
                   <a:srgbClr val="FF0000"/>
                 </a:solidFill>
               </a:rPr>
               <a:t>16</a:t>
             </a:r>
-            <a:endParaRPr lang="en-US" sz="1400" dirty="0">
-              <a:solidFill>
-                <a:srgbClr val="FF0000"/>
-              </a:solidFill>
-            </a:endParaRPr>
           </a:p>
         </p:txBody>
       </p:sp>
@@ -13880,18 +13732,13 @@
           <a:lstStyle/>
           <a:p>
             <a:r>
-              <a:rPr lang="en-US" sz="1400" dirty="0" smtClean="0">
+              <a:rPr lang="en-US" sz="1400" dirty="0">
                 <a:solidFill>
                   <a:srgbClr val="FF0000"/>
                 </a:solidFill>
               </a:rPr>
               <a:t>16</a:t>
             </a:r>
-            <a:endParaRPr lang="en-US" sz="1400" dirty="0">
-              <a:solidFill>
-                <a:srgbClr val="FF0000"/>
-              </a:solidFill>
-            </a:endParaRPr>
           </a:p>
         </p:txBody>
       </p:sp>
@@ -13918,18 +13765,13 @@
           <a:lstStyle/>
           <a:p>
             <a:r>
-              <a:rPr lang="en-US" sz="1400" dirty="0" smtClean="0">
+              <a:rPr lang="en-US" sz="1400" dirty="0">
                 <a:solidFill>
                   <a:srgbClr val="FF0000"/>
                 </a:solidFill>
               </a:rPr>
               <a:t>32</a:t>
             </a:r>
-            <a:endParaRPr lang="en-US" sz="1400" dirty="0">
-              <a:solidFill>
-                <a:srgbClr val="FF0000"/>
-              </a:solidFill>
-            </a:endParaRPr>
           </a:p>
         </p:txBody>
       </p:sp>
@@ -13956,18 +13798,13 @@
           <a:lstStyle/>
           <a:p>
             <a:r>
-              <a:rPr lang="en-US" sz="1400" dirty="0" smtClean="0">
+              <a:rPr lang="en-US" sz="1400" dirty="0">
                 <a:solidFill>
                   <a:srgbClr val="FF0000"/>
                 </a:solidFill>
               </a:rPr>
               <a:t>16</a:t>
             </a:r>
-            <a:endParaRPr lang="en-US" sz="1400" dirty="0">
-              <a:solidFill>
-                <a:srgbClr val="FF0000"/>
-              </a:solidFill>
-            </a:endParaRPr>
           </a:p>
         </p:txBody>
       </p:sp>
@@ -13994,18 +13831,13 @@
           <a:lstStyle/>
           <a:p>
             <a:r>
-              <a:rPr lang="en-US" sz="1400" dirty="0" smtClean="0">
+              <a:rPr lang="en-US" sz="1400" dirty="0">
                 <a:solidFill>
                   <a:srgbClr val="FF0000"/>
                 </a:solidFill>
               </a:rPr>
               <a:t>16</a:t>
             </a:r>
-            <a:endParaRPr lang="en-US" sz="1400" dirty="0">
-              <a:solidFill>
-                <a:srgbClr val="FF0000"/>
-              </a:solidFill>
-            </a:endParaRPr>
           </a:p>
         </p:txBody>
       </p:sp>
@@ -14383,13 +14215,6 @@
   <p:clrMapOvr>
     <a:masterClrMapping/>
   </p:clrMapOvr>
-  <p:timing>
-    <p:tnLst>
-      <p:par>
-        <p:cTn id="1" dur="indefinite" restart="never" nodeType="tmRoot"/>
-      </p:par>
-    </p:tnLst>
-  </p:timing>
 </p:sld>
 </file>
 
@@ -14426,10 +14251,9 @@
           <a:lstStyle/>
           <a:p>
             <a:r>
-              <a:rPr lang="en-US" dirty="0" smtClean="0"/>
+              <a:rPr lang="en-US" dirty="0"/>
               <a:t>Make Routing state</a:t>
             </a:r>
-            <a:endParaRPr lang="en-US" dirty="0"/>
           </a:p>
         </p:txBody>
       </p:sp>
@@ -14460,20 +14284,8 @@
               <a:buChar char="•"/>
             </a:pPr>
             <a:r>
-              <a:rPr lang="en-US" sz="2400" dirty="0" smtClean="0"/>
-              <a:t>Each node choose the lowest Rank received from </a:t>
-            </a:r>
-            <a:r>
               <a:rPr lang="en-US" sz="2400" dirty="0"/>
-              <a:t>BUILDING_TREE_COMPARE </a:t>
-            </a:r>
-            <a:r>
-              <a:rPr lang="en-US" sz="2400" dirty="0" smtClean="0"/>
-              <a:t>to determine the parent node, then send unicast BUILDING_TREE_RESPONSE to its parent</a:t>
-            </a:r>
-            <a:r>
-              <a:rPr lang="en-US" sz="2400" dirty="0" smtClean="0"/>
-              <a:t>.</a:t>
+              <a:t>Each node choose the lowest Rank received from BUILDING_TREE_COMPARE to determine the parent node, then send unicast BUILDING_TREE_RESPONSE to its parent.</a:t>
             </a:r>
           </a:p>
           <a:p>
@@ -14483,31 +14295,23 @@
             </a:pPr>
             <a:r>
               <a:rPr lang="en-US" sz="2400" dirty="0"/>
-              <a:t>static </a:t>
-            </a:r>
-            <a:r>
-              <a:rPr lang="en-US" sz="2400" dirty="0" smtClean="0"/>
-              <a:t>void </a:t>
-            </a:r>
-            <a:r>
-              <a:rPr lang="en-US" sz="2400" dirty="0" err="1" smtClean="0"/>
+              <a:t>static void </a:t>
+            </a:r>
+            <a:r>
+              <a:rPr lang="en-US" sz="2400" dirty="0" err="1"/>
               <a:t>cnlab_route_response_output</a:t>
             </a:r>
             <a:r>
-              <a:rPr lang="en-US" sz="2400" dirty="0" smtClean="0"/>
+              <a:rPr lang="en-US" sz="2400" dirty="0"/>
               <a:t>(</a:t>
             </a:r>
             <a:r>
-              <a:rPr lang="en-US" sz="2400" dirty="0" err="1" smtClean="0"/>
+              <a:rPr lang="en-US" sz="2400" dirty="0" err="1"/>
               <a:t>linkaddr_t</a:t>
             </a:r>
             <a:r>
-              <a:rPr lang="en-US" sz="2400" dirty="0" smtClean="0"/>
-              <a:t> </a:t>
-            </a:r>
-            <a:r>
               <a:rPr lang="en-US" sz="2400" dirty="0"/>
-              <a:t>*</a:t>
+              <a:t> *</a:t>
             </a:r>
             <a:r>
               <a:rPr lang="en-US" sz="2400" dirty="0" err="1"/>
@@ -14517,7 +14321,6 @@
               <a:rPr lang="en-US" sz="2400" dirty="0"/>
               <a:t>)</a:t>
             </a:r>
-            <a:endParaRPr lang="en-US" sz="2400" dirty="0" smtClean="0"/>
           </a:p>
         </p:txBody>
       </p:sp>
@@ -14537,7 +14340,7 @@
           <a:lstStyle/>
           <a:p>
             <a:r>
-              <a:rPr lang="en-US" smtClean="0"/>
+              <a:rPr lang="en-US"/>
               <a:t>CNLAB PROTOCOL</a:t>
             </a:r>
             <a:endParaRPr lang="en-US" dirty="0"/>
@@ -14862,10 +14665,9 @@
           <a:p>
             <a:pPr algn="ctr"/>
             <a:r>
-              <a:rPr lang="en-US" sz="1600" dirty="0" smtClean="0"/>
+              <a:rPr lang="en-US" sz="1600" dirty="0"/>
               <a:t>1</a:t>
             </a:r>
-            <a:endParaRPr lang="en-US" sz="1600" dirty="0"/>
           </a:p>
         </p:txBody>
       </p:sp>
@@ -15150,23 +14952,7 @@
           <a:p>
             <a:r>
               <a:rPr lang="en-US" dirty="0"/>
-              <a:t>Fig. </a:t>
-            </a:r>
-            <a:r>
-              <a:rPr lang="en-US" dirty="0" smtClean="0"/>
-              <a:t>5: </a:t>
-            </a:r>
-            <a:r>
-              <a:rPr lang="en-US" dirty="0"/>
-              <a:t>Example network </a:t>
-            </a:r>
-            <a:r>
-              <a:rPr lang="en-US" dirty="0" smtClean="0"/>
-              <a:t>in Make Routing </a:t>
-            </a:r>
-            <a:r>
-              <a:rPr lang="en-US" dirty="0"/>
-              <a:t>state.</a:t>
+              <a:t>Fig. 5: Example network in Make Routing state.</a:t>
             </a:r>
           </a:p>
         </p:txBody>
@@ -15300,10 +15086,9 @@
           <a:lstStyle/>
           <a:p>
             <a:r>
-              <a:rPr lang="en-US" sz="1400" dirty="0" smtClean="0"/>
+              <a:rPr lang="en-US" sz="1400" dirty="0"/>
               <a:t>Level 0</a:t>
             </a:r>
-            <a:endParaRPr lang="en-US" sz="1400" dirty="0"/>
           </a:p>
         </p:txBody>
       </p:sp>
@@ -15330,10 +15115,9 @@
           <a:lstStyle/>
           <a:p>
             <a:r>
-              <a:rPr lang="en-US" sz="1400" dirty="0" smtClean="0"/>
+              <a:rPr lang="en-US" sz="1400" dirty="0"/>
               <a:t>Level 1</a:t>
             </a:r>
-            <a:endParaRPr lang="en-US" sz="1400" dirty="0"/>
           </a:p>
         </p:txBody>
       </p:sp>
@@ -15360,10 +15144,9 @@
           <a:lstStyle/>
           <a:p>
             <a:r>
-              <a:rPr lang="en-US" sz="1400" dirty="0" smtClean="0"/>
+              <a:rPr lang="en-US" sz="1400" dirty="0"/>
               <a:t>Level 2</a:t>
             </a:r>
-            <a:endParaRPr lang="en-US" sz="1400" dirty="0"/>
           </a:p>
         </p:txBody>
       </p:sp>
@@ -15390,10 +15173,9 @@
           <a:lstStyle/>
           <a:p>
             <a:r>
-              <a:rPr lang="en-US" sz="1400" dirty="0" smtClean="0"/>
+              <a:rPr lang="en-US" sz="1400" dirty="0"/>
               <a:t>Level 3</a:t>
             </a:r>
-            <a:endParaRPr lang="en-US" sz="1400" dirty="0"/>
           </a:p>
         </p:txBody>
       </p:sp>
@@ -15420,18 +15202,13 @@
           <a:lstStyle/>
           <a:p>
             <a:r>
-              <a:rPr lang="en-US" sz="1400" dirty="0" smtClean="0">
+              <a:rPr lang="en-US" sz="1400" dirty="0">
                 <a:solidFill>
                   <a:srgbClr val="FF0000"/>
                 </a:solidFill>
               </a:rPr>
               <a:t>16</a:t>
             </a:r>
-            <a:endParaRPr lang="en-US" sz="1400" dirty="0">
-              <a:solidFill>
-                <a:srgbClr val="FF0000"/>
-              </a:solidFill>
-            </a:endParaRPr>
           </a:p>
         </p:txBody>
       </p:sp>
@@ -15458,18 +15235,13 @@
           <a:lstStyle/>
           <a:p>
             <a:r>
-              <a:rPr lang="en-US" sz="1400" dirty="0" smtClean="0">
+              <a:rPr lang="en-US" sz="1400" dirty="0">
                 <a:solidFill>
                   <a:srgbClr val="FF0000"/>
                 </a:solidFill>
               </a:rPr>
               <a:t>32</a:t>
             </a:r>
-            <a:endParaRPr lang="en-US" sz="1400" dirty="0">
-              <a:solidFill>
-                <a:srgbClr val="FF0000"/>
-              </a:solidFill>
-            </a:endParaRPr>
           </a:p>
         </p:txBody>
       </p:sp>
@@ -15496,18 +15268,13 @@
           <a:lstStyle/>
           <a:p>
             <a:r>
-              <a:rPr lang="en-US" sz="1400" dirty="0" smtClean="0">
+              <a:rPr lang="en-US" sz="1400" dirty="0">
                 <a:solidFill>
                   <a:srgbClr val="FF0000"/>
                 </a:solidFill>
               </a:rPr>
               <a:t>16</a:t>
             </a:r>
-            <a:endParaRPr lang="en-US" sz="1400" dirty="0">
-              <a:solidFill>
-                <a:srgbClr val="FF0000"/>
-              </a:solidFill>
-            </a:endParaRPr>
           </a:p>
         </p:txBody>
       </p:sp>
@@ -15534,18 +15301,13 @@
           <a:lstStyle/>
           <a:p>
             <a:r>
-              <a:rPr lang="en-US" sz="1400" dirty="0" smtClean="0">
+              <a:rPr lang="en-US" sz="1400" dirty="0">
                 <a:solidFill>
                   <a:srgbClr val="FF0000"/>
                 </a:solidFill>
               </a:rPr>
               <a:t>16</a:t>
             </a:r>
-            <a:endParaRPr lang="en-US" sz="1400" dirty="0">
-              <a:solidFill>
-                <a:srgbClr val="FF0000"/>
-              </a:solidFill>
-            </a:endParaRPr>
           </a:p>
         </p:txBody>
       </p:sp>
@@ -15572,18 +15334,13 @@
           <a:lstStyle/>
           <a:p>
             <a:r>
-              <a:rPr lang="en-US" sz="1400" dirty="0" smtClean="0">
+              <a:rPr lang="en-US" sz="1400" dirty="0">
                 <a:solidFill>
                   <a:srgbClr val="FF0000"/>
                 </a:solidFill>
               </a:rPr>
               <a:t>32</a:t>
             </a:r>
-            <a:endParaRPr lang="en-US" sz="1400" dirty="0">
-              <a:solidFill>
-                <a:srgbClr val="FF0000"/>
-              </a:solidFill>
-            </a:endParaRPr>
           </a:p>
         </p:txBody>
       </p:sp>
@@ -15610,18 +15367,13 @@
           <a:lstStyle/>
           <a:p>
             <a:r>
-              <a:rPr lang="en-US" sz="1400" dirty="0" smtClean="0">
+              <a:rPr lang="en-US" sz="1400" dirty="0">
                 <a:solidFill>
                   <a:srgbClr val="FF0000"/>
                 </a:solidFill>
               </a:rPr>
               <a:t>16</a:t>
             </a:r>
-            <a:endParaRPr lang="en-US" sz="1400" dirty="0">
-              <a:solidFill>
-                <a:srgbClr val="FF0000"/>
-              </a:solidFill>
-            </a:endParaRPr>
           </a:p>
         </p:txBody>
       </p:sp>
@@ -15648,18 +15400,13 @@
           <a:lstStyle/>
           <a:p>
             <a:r>
-              <a:rPr lang="en-US" sz="1400" dirty="0" smtClean="0">
+              <a:rPr lang="en-US" sz="1400" dirty="0">
                 <a:solidFill>
                   <a:srgbClr val="FF0000"/>
                 </a:solidFill>
               </a:rPr>
               <a:t>16</a:t>
             </a:r>
-            <a:endParaRPr lang="en-US" sz="1400" dirty="0">
-              <a:solidFill>
-                <a:srgbClr val="FF0000"/>
-              </a:solidFill>
-            </a:endParaRPr>
           </a:p>
         </p:txBody>
       </p:sp>
@@ -16037,13 +15784,6 @@
   <p:clrMapOvr>
     <a:masterClrMapping/>
   </p:clrMapOvr>
-  <p:timing>
-    <p:tnLst>
-      <p:par>
-        <p:cTn id="1" dur="indefinite" restart="never" nodeType="tmRoot"/>
-      </p:par>
-    </p:tnLst>
-  </p:timing>
 </p:sld>
 </file>
 
@@ -16080,10 +15820,9 @@
           <a:lstStyle/>
           <a:p>
             <a:r>
-              <a:rPr lang="en-US" dirty="0" smtClean="0"/>
+              <a:rPr lang="en-US" dirty="0"/>
               <a:t>Make Routing state</a:t>
             </a:r>
-            <a:endParaRPr lang="en-US" dirty="0"/>
           </a:p>
         </p:txBody>
       </p:sp>
@@ -16114,7 +15853,7 @@
               <a:buChar char="•"/>
             </a:pPr>
             <a:r>
-              <a:rPr lang="en-US" sz="2400" dirty="0" smtClean="0"/>
+              <a:rPr lang="en-US" sz="2400" dirty="0"/>
               <a:t>After choose parent node, Each node start Routing to lower level by broadcasting BUILDING_TREE_INIT as Coordinator progress.</a:t>
             </a:r>
           </a:p>
@@ -16136,7 +15875,7 @@
           <a:lstStyle/>
           <a:p>
             <a:r>
-              <a:rPr lang="en-US" smtClean="0"/>
+              <a:rPr lang="en-US"/>
               <a:t>CNLAB PROTOCOL</a:t>
             </a:r>
             <a:endParaRPr lang="en-US" dirty="0"/>
@@ -16461,10 +16200,9 @@
           <a:p>
             <a:pPr algn="ctr"/>
             <a:r>
-              <a:rPr lang="en-US" sz="1600" dirty="0" smtClean="0"/>
+              <a:rPr lang="en-US" sz="1600" dirty="0"/>
               <a:t>1</a:t>
             </a:r>
-            <a:endParaRPr lang="en-US" sz="1600" dirty="0"/>
           </a:p>
         </p:txBody>
       </p:sp>
@@ -16749,23 +16487,7 @@
           <a:p>
             <a:r>
               <a:rPr lang="en-US" dirty="0"/>
-              <a:t>Fig. </a:t>
-            </a:r>
-            <a:r>
-              <a:rPr lang="en-US" dirty="0" smtClean="0"/>
-              <a:t>5: </a:t>
-            </a:r>
-            <a:r>
-              <a:rPr lang="en-US" dirty="0"/>
-              <a:t>Example network </a:t>
-            </a:r>
-            <a:r>
-              <a:rPr lang="en-US" dirty="0" smtClean="0"/>
-              <a:t>in Make Routing </a:t>
-            </a:r>
-            <a:r>
-              <a:rPr lang="en-US" dirty="0"/>
-              <a:t>state.</a:t>
+              <a:t>Fig. 5: Example network in Make Routing state.</a:t>
             </a:r>
           </a:p>
         </p:txBody>
@@ -16899,10 +16621,9 @@
           <a:lstStyle/>
           <a:p>
             <a:r>
-              <a:rPr lang="en-US" sz="1400" dirty="0" smtClean="0"/>
+              <a:rPr lang="en-US" sz="1400" dirty="0"/>
               <a:t>Level 0</a:t>
             </a:r>
-            <a:endParaRPr lang="en-US" sz="1400" dirty="0"/>
           </a:p>
         </p:txBody>
       </p:sp>
@@ -16929,10 +16650,9 @@
           <a:lstStyle/>
           <a:p>
             <a:r>
-              <a:rPr lang="en-US" sz="1400" dirty="0" smtClean="0"/>
+              <a:rPr lang="en-US" sz="1400" dirty="0"/>
               <a:t>Level 1</a:t>
             </a:r>
-            <a:endParaRPr lang="en-US" sz="1400" dirty="0"/>
           </a:p>
         </p:txBody>
       </p:sp>
@@ -16959,10 +16679,9 @@
           <a:lstStyle/>
           <a:p>
             <a:r>
-              <a:rPr lang="en-US" sz="1400" dirty="0" smtClean="0"/>
+              <a:rPr lang="en-US" sz="1400" dirty="0"/>
               <a:t>Level 2</a:t>
             </a:r>
-            <a:endParaRPr lang="en-US" sz="1400" dirty="0"/>
           </a:p>
         </p:txBody>
       </p:sp>
@@ -16989,10 +16708,9 @@
           <a:lstStyle/>
           <a:p>
             <a:r>
-              <a:rPr lang="en-US" sz="1400" dirty="0" smtClean="0"/>
+              <a:rPr lang="en-US" sz="1400" dirty="0"/>
               <a:t>Level 3</a:t>
             </a:r>
-            <a:endParaRPr lang="en-US" sz="1400" dirty="0"/>
           </a:p>
         </p:txBody>
       </p:sp>
@@ -17019,18 +16737,13 @@
           <a:lstStyle/>
           <a:p>
             <a:r>
-              <a:rPr lang="en-US" sz="1400" dirty="0" smtClean="0">
+              <a:rPr lang="en-US" sz="1400" dirty="0">
                 <a:solidFill>
                   <a:srgbClr val="FF0000"/>
                 </a:solidFill>
               </a:rPr>
               <a:t>16</a:t>
             </a:r>
-            <a:endParaRPr lang="en-US" sz="1400" dirty="0">
-              <a:solidFill>
-                <a:srgbClr val="FF0000"/>
-              </a:solidFill>
-            </a:endParaRPr>
           </a:p>
         </p:txBody>
       </p:sp>
@@ -17057,18 +16770,13 @@
           <a:lstStyle/>
           <a:p>
             <a:r>
-              <a:rPr lang="en-US" sz="1400" dirty="0" smtClean="0">
+              <a:rPr lang="en-US" sz="1400" dirty="0">
                 <a:solidFill>
                   <a:srgbClr val="FF0000"/>
                 </a:solidFill>
               </a:rPr>
               <a:t>32</a:t>
             </a:r>
-            <a:endParaRPr lang="en-US" sz="1400" dirty="0">
-              <a:solidFill>
-                <a:srgbClr val="FF0000"/>
-              </a:solidFill>
-            </a:endParaRPr>
           </a:p>
         </p:txBody>
       </p:sp>
@@ -17095,18 +16803,13 @@
           <a:lstStyle/>
           <a:p>
             <a:r>
-              <a:rPr lang="en-US" sz="1400" dirty="0" smtClean="0">
+              <a:rPr lang="en-US" sz="1400" dirty="0">
                 <a:solidFill>
                   <a:srgbClr val="FF0000"/>
                 </a:solidFill>
               </a:rPr>
               <a:t>16</a:t>
             </a:r>
-            <a:endParaRPr lang="en-US" sz="1400" dirty="0">
-              <a:solidFill>
-                <a:srgbClr val="FF0000"/>
-              </a:solidFill>
-            </a:endParaRPr>
           </a:p>
         </p:txBody>
       </p:sp>
@@ -17133,18 +16836,13 @@
           <a:lstStyle/>
           <a:p>
             <a:r>
-              <a:rPr lang="en-US" sz="1400" dirty="0" smtClean="0">
+              <a:rPr lang="en-US" sz="1400" dirty="0">
                 <a:solidFill>
                   <a:srgbClr val="FF0000"/>
                 </a:solidFill>
               </a:rPr>
               <a:t>16</a:t>
             </a:r>
-            <a:endParaRPr lang="en-US" sz="1400" dirty="0">
-              <a:solidFill>
-                <a:srgbClr val="FF0000"/>
-              </a:solidFill>
-            </a:endParaRPr>
           </a:p>
         </p:txBody>
       </p:sp>
@@ -17171,18 +16869,13 @@
           <a:lstStyle/>
           <a:p>
             <a:r>
-              <a:rPr lang="en-US" sz="1400" dirty="0" smtClean="0">
+              <a:rPr lang="en-US" sz="1400" dirty="0">
                 <a:solidFill>
                   <a:srgbClr val="FF0000"/>
                 </a:solidFill>
               </a:rPr>
               <a:t>32</a:t>
             </a:r>
-            <a:endParaRPr lang="en-US" sz="1400" dirty="0">
-              <a:solidFill>
-                <a:srgbClr val="FF0000"/>
-              </a:solidFill>
-            </a:endParaRPr>
           </a:p>
         </p:txBody>
       </p:sp>
@@ -17209,18 +16902,13 @@
           <a:lstStyle/>
           <a:p>
             <a:r>
-              <a:rPr lang="en-US" sz="1400" dirty="0" smtClean="0">
+              <a:rPr lang="en-US" sz="1400" dirty="0">
                 <a:solidFill>
                   <a:srgbClr val="FF0000"/>
                 </a:solidFill>
               </a:rPr>
               <a:t>16</a:t>
             </a:r>
-            <a:endParaRPr lang="en-US" sz="1400" dirty="0">
-              <a:solidFill>
-                <a:srgbClr val="FF0000"/>
-              </a:solidFill>
-            </a:endParaRPr>
           </a:p>
         </p:txBody>
       </p:sp>
@@ -17247,18 +16935,13 @@
           <a:lstStyle/>
           <a:p>
             <a:r>
-              <a:rPr lang="en-US" sz="1400" dirty="0" smtClean="0">
+              <a:rPr lang="en-US" sz="1400" dirty="0">
                 <a:solidFill>
                   <a:srgbClr val="FF0000"/>
                 </a:solidFill>
               </a:rPr>
               <a:t>16</a:t>
             </a:r>
-            <a:endParaRPr lang="en-US" sz="1400" dirty="0">
-              <a:solidFill>
-                <a:srgbClr val="FF0000"/>
-              </a:solidFill>
-            </a:endParaRPr>
           </a:p>
         </p:txBody>
       </p:sp>
@@ -17636,13 +17319,6 @@
   <p:clrMapOvr>
     <a:masterClrMapping/>
   </p:clrMapOvr>
-  <p:timing>
-    <p:tnLst>
-      <p:par>
-        <p:cTn id="1" dur="indefinite" restart="never" nodeType="tmRoot"/>
-      </p:par>
-    </p:tnLst>
-  </p:timing>
 </p:sld>
 </file>
 
@@ -17679,10 +17355,9 @@
           <a:lstStyle/>
           <a:p>
             <a:r>
-              <a:rPr lang="en-US" dirty="0" smtClean="0"/>
+              <a:rPr lang="en-US" dirty="0"/>
               <a:t>Collect Node Information state</a:t>
             </a:r>
-            <a:endParaRPr lang="en-US" dirty="0"/>
           </a:p>
         </p:txBody>
       </p:sp>
@@ -17713,16 +17388,8 @@
               <a:buChar char="•"/>
             </a:pPr>
             <a:r>
-              <a:rPr lang="en-US" dirty="0" smtClean="0"/>
-              <a:t> All </a:t>
-            </a:r>
-            <a:r>
               <a:rPr lang="en-US" dirty="0"/>
-              <a:t>sensor nodes send a Node Information packet to its parent node until it reaches the Coordinator</a:t>
-            </a:r>
-            <a:r>
-              <a:rPr lang="en-US" dirty="0" smtClean="0"/>
-              <a:t>.</a:t>
+              <a:t> All sensor nodes send a Node Information packet to its parent node until it reaches the Coordinator.</a:t>
             </a:r>
           </a:p>
           <a:p>
@@ -17731,16 +17398,8 @@
               <a:buChar char="•"/>
             </a:pPr>
             <a:r>
-              <a:rPr lang="en-US" dirty="0" smtClean="0"/>
-              <a:t> If </a:t>
-            </a:r>
-            <a:r>
               <a:rPr lang="en-US" dirty="0"/>
-              <a:t>the parent is not the Coordinator, it will forward the packet to next hop</a:t>
-            </a:r>
-            <a:r>
-              <a:rPr lang="en-US" dirty="0" smtClean="0"/>
-              <a:t>.</a:t>
+              <a:t> If the parent is not the Coordinator, it will forward the packet to next hop.</a:t>
             </a:r>
           </a:p>
           <a:p>
@@ -17750,35 +17409,7 @@
             </a:pPr>
             <a:r>
               <a:rPr lang="en-US" dirty="0"/>
-              <a:t> </a:t>
-            </a:r>
-            <a:r>
-              <a:rPr lang="en-US" dirty="0" smtClean="0"/>
-              <a:t>Node </a:t>
-            </a:r>
-            <a:r>
-              <a:rPr lang="en-US" dirty="0"/>
-              <a:t>Information packet contains: </a:t>
-            </a:r>
-            <a:r>
-              <a:rPr lang="en-US" dirty="0" smtClean="0"/>
-              <a:t>(Node </a:t>
-            </a:r>
-            <a:r>
-              <a:rPr lang="en-US" dirty="0"/>
-              <a:t>ID, Parent ID, </a:t>
-            </a:r>
-            <a:r>
-              <a:rPr lang="en-US" dirty="0" smtClean="0"/>
-              <a:t>Number Child, Child List[ </a:t>
-            </a:r>
-            <a:r>
-              <a:rPr lang="en-US" dirty="0" smtClean="0"/>
-              <a:t>], </a:t>
-            </a:r>
-            <a:r>
-              <a:rPr lang="en-US" dirty="0" smtClean="0"/>
-              <a:t>Data Period)</a:t>
+              <a:t> Node Information packet contains: (Node ID, Parent ID, Number Child, Child List[ ], Data Period)</a:t>
             </a:r>
           </a:p>
           <a:p>
@@ -17787,14 +17418,14 @@
               <a:buChar char="•"/>
             </a:pPr>
             <a:r>
-              <a:rPr lang="en-US" dirty="0" smtClean="0"/>
+              <a:rPr lang="en-US" dirty="0"/>
               <a:t>Orchestra unicast </a:t>
             </a:r>
             <a:r>
-              <a:rPr lang="en-US" dirty="0" err="1" smtClean="0"/>
+              <a:rPr lang="en-US" dirty="0" err="1"/>
               <a:t>slotframe</a:t>
             </a:r>
-            <a:endParaRPr lang="en-US" dirty="0" smtClean="0"/>
+            <a:endParaRPr lang="en-US" dirty="0"/>
           </a:p>
           <a:p>
             <a:pPr>
@@ -17802,18 +17433,17 @@
               <a:buChar char="•"/>
             </a:pPr>
             <a:r>
-              <a:rPr lang="en-US" dirty="0" smtClean="0"/>
+              <a:rPr lang="en-US" dirty="0"/>
               <a:t>PROCESS(</a:t>
             </a:r>
             <a:r>
-              <a:rPr lang="en-US" dirty="0" err="1" smtClean="0"/>
+              <a:rPr lang="en-US" dirty="0" err="1"/>
               <a:t>cnlab_send_node_information_process</a:t>
             </a:r>
             <a:r>
               <a:rPr lang="en-US" dirty="0"/>
               <a:t>, "send Node Information process");</a:t>
             </a:r>
-            <a:endParaRPr lang="en-US" dirty="0"/>
           </a:p>
         </p:txBody>
       </p:sp>
@@ -17833,7 +17463,7 @@
           <a:lstStyle/>
           <a:p>
             <a:r>
-              <a:rPr lang="en-US" smtClean="0"/>
+              <a:rPr lang="en-US"/>
               <a:t>CNLAB PROTOCOL</a:t>
             </a:r>
             <a:endParaRPr lang="en-US" dirty="0"/>
@@ -18158,10 +17788,9 @@
           <a:p>
             <a:pPr algn="ctr"/>
             <a:r>
-              <a:rPr lang="en-US" sz="1600" dirty="0" smtClean="0"/>
+              <a:rPr lang="en-US" sz="1600" dirty="0"/>
               <a:t>1</a:t>
             </a:r>
-            <a:endParaRPr lang="en-US" sz="1600" dirty="0"/>
           </a:p>
         </p:txBody>
       </p:sp>
@@ -18462,18 +18091,13 @@
           <a:lstStyle/>
           <a:p>
             <a:r>
-              <a:rPr lang="en-US" sz="1400" dirty="0" smtClean="0">
+              <a:rPr lang="en-US" sz="1400" dirty="0">
                 <a:solidFill>
                   <a:srgbClr val="FF0000"/>
                 </a:solidFill>
               </a:rPr>
               <a:t>16</a:t>
             </a:r>
-            <a:endParaRPr lang="en-US" sz="1400" dirty="0">
-              <a:solidFill>
-                <a:srgbClr val="FF0000"/>
-              </a:solidFill>
-            </a:endParaRPr>
           </a:p>
         </p:txBody>
       </p:sp>
@@ -18500,18 +18124,13 @@
           <a:lstStyle/>
           <a:p>
             <a:r>
-              <a:rPr lang="en-US" sz="1400" dirty="0" smtClean="0">
+              <a:rPr lang="en-US" sz="1400" dirty="0">
                 <a:solidFill>
                   <a:srgbClr val="FF0000"/>
                 </a:solidFill>
               </a:rPr>
               <a:t>32</a:t>
             </a:r>
-            <a:endParaRPr lang="en-US" sz="1400" dirty="0">
-              <a:solidFill>
-                <a:srgbClr val="FF0000"/>
-              </a:solidFill>
-            </a:endParaRPr>
           </a:p>
         </p:txBody>
       </p:sp>
@@ -18538,18 +18157,13 @@
           <a:lstStyle/>
           <a:p>
             <a:r>
-              <a:rPr lang="en-US" sz="1400" dirty="0" smtClean="0">
+              <a:rPr lang="en-US" sz="1400" dirty="0">
                 <a:solidFill>
                   <a:srgbClr val="FF0000"/>
                 </a:solidFill>
               </a:rPr>
               <a:t>16</a:t>
             </a:r>
-            <a:endParaRPr lang="en-US" sz="1400" dirty="0">
-              <a:solidFill>
-                <a:srgbClr val="FF0000"/>
-              </a:solidFill>
-            </a:endParaRPr>
           </a:p>
         </p:txBody>
       </p:sp>
@@ -18576,18 +18190,13 @@
           <a:lstStyle/>
           <a:p>
             <a:r>
-              <a:rPr lang="en-US" sz="1400" dirty="0" smtClean="0">
+              <a:rPr lang="en-US" sz="1400" dirty="0">
                 <a:solidFill>
                   <a:srgbClr val="FF0000"/>
                 </a:solidFill>
               </a:rPr>
               <a:t>16</a:t>
             </a:r>
-            <a:endParaRPr lang="en-US" sz="1400" dirty="0">
-              <a:solidFill>
-                <a:srgbClr val="FF0000"/>
-              </a:solidFill>
-            </a:endParaRPr>
           </a:p>
         </p:txBody>
       </p:sp>
@@ -18614,18 +18223,13 @@
           <a:lstStyle/>
           <a:p>
             <a:r>
-              <a:rPr lang="en-US" sz="1400" dirty="0" smtClean="0">
+              <a:rPr lang="en-US" sz="1400" dirty="0">
                 <a:solidFill>
                   <a:srgbClr val="FF0000"/>
                 </a:solidFill>
               </a:rPr>
               <a:t>32</a:t>
             </a:r>
-            <a:endParaRPr lang="en-US" sz="1400" dirty="0">
-              <a:solidFill>
-                <a:srgbClr val="FF0000"/>
-              </a:solidFill>
-            </a:endParaRPr>
           </a:p>
         </p:txBody>
       </p:sp>
@@ -18652,18 +18256,13 @@
           <a:lstStyle/>
           <a:p>
             <a:r>
-              <a:rPr lang="en-US" sz="1400" dirty="0" smtClean="0">
+              <a:rPr lang="en-US" sz="1400" dirty="0">
                 <a:solidFill>
                   <a:srgbClr val="FF0000"/>
                 </a:solidFill>
               </a:rPr>
               <a:t>16</a:t>
             </a:r>
-            <a:endParaRPr lang="en-US" sz="1400" dirty="0">
-              <a:solidFill>
-                <a:srgbClr val="FF0000"/>
-              </a:solidFill>
-            </a:endParaRPr>
           </a:p>
         </p:txBody>
       </p:sp>
@@ -18690,18 +18289,13 @@
           <a:lstStyle/>
           <a:p>
             <a:r>
-              <a:rPr lang="en-US" sz="1400" dirty="0" smtClean="0">
+              <a:rPr lang="en-US" sz="1400" dirty="0">
                 <a:solidFill>
                   <a:srgbClr val="FF0000"/>
                 </a:solidFill>
               </a:rPr>
               <a:t>16</a:t>
             </a:r>
-            <a:endParaRPr lang="en-US" sz="1400" dirty="0">
-              <a:solidFill>
-                <a:srgbClr val="FF0000"/>
-              </a:solidFill>
-            </a:endParaRPr>
           </a:p>
         </p:txBody>
       </p:sp>
@@ -18729,29 +18323,8 @@
           <a:p>
             <a:r>
               <a:rPr lang="en-US" dirty="0"/>
-              <a:t>Fig. 6</a:t>
-            </a:r>
-            <a:r>
-              <a:rPr lang="en-US" dirty="0" smtClean="0"/>
-              <a:t>: </a:t>
-            </a:r>
-            <a:r>
-              <a:rPr lang="en-US" dirty="0"/>
-              <a:t>Example network </a:t>
-            </a:r>
-            <a:r>
-              <a:rPr lang="en-US" dirty="0" smtClean="0"/>
-              <a:t>in </a:t>
-            </a:r>
-            <a:r>
-              <a:rPr lang="en-US" dirty="0"/>
-              <a:t>Collect Node Information state</a:t>
-            </a:r>
-            <a:r>
-              <a:rPr lang="en-US" dirty="0" smtClean="0"/>
-              <a:t>.</a:t>
-            </a:r>
-            <a:endParaRPr lang="en-US" dirty="0"/>
+              <a:t>Fig. 6: Example network in Collect Node Information state.</a:t>
+            </a:r>
           </a:p>
         </p:txBody>
       </p:sp>
@@ -18765,13 +18338,6 @@
   <p:clrMapOvr>
     <a:masterClrMapping/>
   </p:clrMapOvr>
-  <p:timing>
-    <p:tnLst>
-      <p:par>
-        <p:cTn id="1" dur="indefinite" restart="never" nodeType="tmRoot"/>
-      </p:par>
-    </p:tnLst>
-  </p:timing>
 </p:sld>
 </file>
 
@@ -18808,10 +18374,9 @@
           <a:lstStyle/>
           <a:p>
             <a:r>
-              <a:rPr lang="en-US" dirty="0" smtClean="0"/>
+              <a:rPr lang="en-US" dirty="0"/>
               <a:t>Make Schedule state</a:t>
             </a:r>
-            <a:endParaRPr lang="en-US" dirty="0"/>
           </a:p>
         </p:txBody>
       </p:sp>
@@ -18842,16 +18407,8 @@
               <a:buChar char="•"/>
             </a:pPr>
             <a:r>
-              <a:rPr lang="en-US" dirty="0" smtClean="0"/>
-              <a:t> After </a:t>
-            </a:r>
-            <a:r>
               <a:rPr lang="en-US" dirty="0"/>
-              <a:t>the Coordinator collects all the Node Information to make a schedule for Data </a:t>
-            </a:r>
-            <a:r>
-              <a:rPr lang="en-US" dirty="0" smtClean="0"/>
-              <a:t>transmission.</a:t>
+              <a:t> After the Coordinator collects all the Node Information to make a schedule for Data transmission.</a:t>
             </a:r>
           </a:p>
           <a:p>
@@ -18861,23 +18418,7 @@
             </a:pPr>
             <a:r>
               <a:rPr lang="en-US" dirty="0"/>
-              <a:t> </a:t>
-            </a:r>
-            <a:r>
-              <a:rPr lang="en-US" dirty="0" smtClean="0"/>
-              <a:t>The </a:t>
-            </a:r>
-            <a:r>
-              <a:rPr lang="en-US" dirty="0"/>
-              <a:t>Coordinator will send those data to the Scheduling Server(Raspberry Pi</a:t>
-            </a:r>
-            <a:r>
-              <a:rPr lang="en-US" dirty="0" smtClean="0"/>
-              <a:t>) through UART</a:t>
-            </a:r>
-            <a:r>
-              <a:rPr lang="en-US" dirty="0" smtClean="0"/>
-              <a:t>.</a:t>
+              <a:t> The Coordinator will send those data to the Scheduling Server(Raspberry Pi) through UART.</a:t>
             </a:r>
           </a:p>
           <a:p>
@@ -18897,7 +18438,6 @@
               <a:rPr lang="en-US" dirty="0"/>
               <a:t>, "run PCLLF schedule");</a:t>
             </a:r>
-            <a:endParaRPr lang="en-US" dirty="0" smtClean="0"/>
           </a:p>
         </p:txBody>
       </p:sp>
@@ -18917,7 +18457,7 @@
           <a:lstStyle/>
           <a:p>
             <a:r>
-              <a:rPr lang="en-US" smtClean="0"/>
+              <a:rPr lang="en-US"/>
               <a:t>CNLAB PROTOCOL</a:t>
             </a:r>
             <a:endParaRPr lang="en-US" dirty="0"/>
@@ -19242,10 +18782,9 @@
           <a:p>
             <a:pPr algn="ctr"/>
             <a:r>
-              <a:rPr lang="en-US" sz="1600" dirty="0" smtClean="0"/>
+              <a:rPr lang="en-US" sz="1600" dirty="0"/>
               <a:t>1</a:t>
             </a:r>
-            <a:endParaRPr lang="en-US" sz="1600" dirty="0"/>
           </a:p>
         </p:txBody>
       </p:sp>
@@ -19546,18 +19085,13 @@
           <a:lstStyle/>
           <a:p>
             <a:r>
-              <a:rPr lang="en-US" sz="1400" dirty="0" smtClean="0">
+              <a:rPr lang="en-US" sz="1400" dirty="0">
                 <a:solidFill>
                   <a:srgbClr val="FF0000"/>
                 </a:solidFill>
               </a:rPr>
               <a:t>16</a:t>
             </a:r>
-            <a:endParaRPr lang="en-US" sz="1400" dirty="0">
-              <a:solidFill>
-                <a:srgbClr val="FF0000"/>
-              </a:solidFill>
-            </a:endParaRPr>
           </a:p>
         </p:txBody>
       </p:sp>
@@ -19584,18 +19118,13 @@
           <a:lstStyle/>
           <a:p>
             <a:r>
-              <a:rPr lang="en-US" sz="1400" dirty="0" smtClean="0">
+              <a:rPr lang="en-US" sz="1400" dirty="0">
                 <a:solidFill>
                   <a:srgbClr val="FF0000"/>
                 </a:solidFill>
               </a:rPr>
               <a:t>32</a:t>
             </a:r>
-            <a:endParaRPr lang="en-US" sz="1400" dirty="0">
-              <a:solidFill>
-                <a:srgbClr val="FF0000"/>
-              </a:solidFill>
-            </a:endParaRPr>
           </a:p>
         </p:txBody>
       </p:sp>
@@ -19622,18 +19151,13 @@
           <a:lstStyle/>
           <a:p>
             <a:r>
-              <a:rPr lang="en-US" sz="1400" dirty="0" smtClean="0">
+              <a:rPr lang="en-US" sz="1400" dirty="0">
                 <a:solidFill>
                   <a:srgbClr val="FF0000"/>
                 </a:solidFill>
               </a:rPr>
               <a:t>16</a:t>
             </a:r>
-            <a:endParaRPr lang="en-US" sz="1400" dirty="0">
-              <a:solidFill>
-                <a:srgbClr val="FF0000"/>
-              </a:solidFill>
-            </a:endParaRPr>
           </a:p>
         </p:txBody>
       </p:sp>
@@ -19660,18 +19184,13 @@
           <a:lstStyle/>
           <a:p>
             <a:r>
-              <a:rPr lang="en-US" sz="1400" dirty="0" smtClean="0">
+              <a:rPr lang="en-US" sz="1400" dirty="0">
                 <a:solidFill>
                   <a:srgbClr val="FF0000"/>
                 </a:solidFill>
               </a:rPr>
               <a:t>16</a:t>
             </a:r>
-            <a:endParaRPr lang="en-US" sz="1400" dirty="0">
-              <a:solidFill>
-                <a:srgbClr val="FF0000"/>
-              </a:solidFill>
-            </a:endParaRPr>
           </a:p>
         </p:txBody>
       </p:sp>
@@ -19698,18 +19217,13 @@
           <a:lstStyle/>
           <a:p>
             <a:r>
-              <a:rPr lang="en-US" sz="1400" dirty="0" smtClean="0">
+              <a:rPr lang="en-US" sz="1400" dirty="0">
                 <a:solidFill>
                   <a:srgbClr val="FF0000"/>
                 </a:solidFill>
               </a:rPr>
               <a:t>32</a:t>
             </a:r>
-            <a:endParaRPr lang="en-US" sz="1400" dirty="0">
-              <a:solidFill>
-                <a:srgbClr val="FF0000"/>
-              </a:solidFill>
-            </a:endParaRPr>
           </a:p>
         </p:txBody>
       </p:sp>
@@ -19736,18 +19250,13 @@
           <a:lstStyle/>
           <a:p>
             <a:r>
-              <a:rPr lang="en-US" sz="1400" dirty="0" smtClean="0">
+              <a:rPr lang="en-US" sz="1400" dirty="0">
                 <a:solidFill>
                   <a:srgbClr val="FF0000"/>
                 </a:solidFill>
               </a:rPr>
               <a:t>16</a:t>
             </a:r>
-            <a:endParaRPr lang="en-US" sz="1400" dirty="0">
-              <a:solidFill>
-                <a:srgbClr val="FF0000"/>
-              </a:solidFill>
-            </a:endParaRPr>
           </a:p>
         </p:txBody>
       </p:sp>
@@ -19774,18 +19283,13 @@
           <a:lstStyle/>
           <a:p>
             <a:r>
-              <a:rPr lang="en-US" sz="1400" dirty="0" smtClean="0">
+              <a:rPr lang="en-US" sz="1400" dirty="0">
                 <a:solidFill>
                   <a:srgbClr val="FF0000"/>
                 </a:solidFill>
               </a:rPr>
               <a:t>16</a:t>
             </a:r>
-            <a:endParaRPr lang="en-US" sz="1400" dirty="0">
-              <a:solidFill>
-                <a:srgbClr val="FF0000"/>
-              </a:solidFill>
-            </a:endParaRPr>
           </a:p>
         </p:txBody>
       </p:sp>
@@ -19813,29 +19317,8 @@
           <a:p>
             <a:r>
               <a:rPr lang="en-US" dirty="0"/>
-              <a:t>Fig. 7</a:t>
-            </a:r>
-            <a:r>
-              <a:rPr lang="en-US" dirty="0" smtClean="0"/>
-              <a:t>: </a:t>
-            </a:r>
-            <a:r>
-              <a:rPr lang="en-US" dirty="0"/>
-              <a:t>Example network </a:t>
-            </a:r>
-            <a:r>
-              <a:rPr lang="en-US" dirty="0" smtClean="0"/>
-              <a:t>in </a:t>
-            </a:r>
-            <a:r>
-              <a:rPr lang="en-US" dirty="0"/>
-              <a:t>Make Schedule state</a:t>
-            </a:r>
-            <a:r>
-              <a:rPr lang="en-US" dirty="0" smtClean="0"/>
-              <a:t>.</a:t>
-            </a:r>
-            <a:endParaRPr lang="en-US" dirty="0"/>
+              <a:t>Fig. 7: Example network in Make Schedule state.</a:t>
+            </a:r>
           </a:p>
         </p:txBody>
       </p:sp>
@@ -19876,10 +19359,9 @@
           <a:p>
             <a:pPr algn="ctr"/>
             <a:r>
-              <a:rPr lang="en-US" sz="1400" dirty="0" smtClean="0"/>
+              <a:rPr lang="en-US" sz="1400" dirty="0"/>
               <a:t>Scheduling Server</a:t>
             </a:r>
-            <a:endParaRPr lang="en-US" sz="1400" dirty="0"/>
           </a:p>
         </p:txBody>
       </p:sp>
@@ -19930,13 +19412,6 @@
   <p:clrMapOvr>
     <a:masterClrMapping/>
   </p:clrMapOvr>
-  <p:timing>
-    <p:tnLst>
-      <p:par>
-        <p:cTn id="1" dur="indefinite" restart="never" nodeType="tmRoot"/>
-      </p:par>
-    </p:tnLst>
-  </p:timing>
 </p:sld>
 </file>
 
@@ -19973,10 +19448,9 @@
           <a:lstStyle/>
           <a:p>
             <a:r>
-              <a:rPr lang="en-US" dirty="0" smtClean="0"/>
+              <a:rPr lang="en-US" dirty="0"/>
               <a:t>Make Schedule state</a:t>
             </a:r>
-            <a:endParaRPr lang="en-US" dirty="0"/>
           </a:p>
         </p:txBody>
       </p:sp>
@@ -20007,36 +19481,16 @@
               <a:buChar char="•"/>
             </a:pPr>
             <a:r>
-              <a:rPr lang="en-US" dirty="0" smtClean="0"/>
+              <a:rPr lang="en-US" dirty="0"/>
               <a:t> Scheduling Server runs </a:t>
             </a:r>
             <a:r>
-              <a:rPr lang="en-US" b="1" dirty="0" smtClean="0"/>
-              <a:t>Path Conflict-free Least Laxity First Algorithm</a:t>
-            </a:r>
-            <a:r>
               <a:rPr lang="en-US" b="1" dirty="0"/>
-              <a:t> (PCLLF)</a:t>
-            </a:r>
-            <a:r>
-              <a:rPr lang="en-US" b="1" dirty="0" smtClean="0"/>
-              <a:t> </a:t>
-            </a:r>
-            <a:r>
-              <a:rPr lang="en-US" b="1" dirty="0" smtClean="0"/>
-              <a:t>or New Scheduling Algorithm use Queue Level </a:t>
-            </a:r>
-            <a:r>
-              <a:rPr lang="en-US" dirty="0" smtClean="0"/>
-              <a:t>to </a:t>
-            </a:r>
-            <a:r>
-              <a:rPr lang="en-US" dirty="0" smtClean="0"/>
-              <a:t>make schedule and Send back to the Coordinator</a:t>
-            </a:r>
-            <a:r>
-              <a:rPr lang="en-US" dirty="0" smtClean="0"/>
-              <a:t>.</a:t>
+              <a:t>Path Conflict-free Least Laxity First Algorithm (PCLLF) or New Scheduling Algorithm use Queue Level </a:t>
+            </a:r>
+            <a:r>
+              <a:rPr lang="en-US" dirty="0"/>
+              <a:t>to make schedule and Send back to the Coordinator.</a:t>
             </a:r>
           </a:p>
           <a:p>
@@ -20045,22 +19499,21 @@
               <a:buChar char="•"/>
             </a:pPr>
             <a:r>
-              <a:rPr lang="en-US" b="1" dirty="0" smtClean="0"/>
+              <a:rPr lang="en-US" b="1" dirty="0"/>
               <a:t>Scheduling Algorithm </a:t>
             </a:r>
             <a:r>
-              <a:rPr lang="en-US" dirty="0" smtClean="0"/>
+              <a:rPr lang="en-US" dirty="0"/>
               <a:t>implemented in </a:t>
             </a:r>
             <a:r>
-              <a:rPr lang="en-US" dirty="0" err="1" smtClean="0"/>
+              <a:rPr lang="en-US" dirty="0" err="1"/>
               <a:t>Rasberry</a:t>
             </a:r>
             <a:r>
-              <a:rPr lang="en-US" dirty="0" smtClean="0"/>
+              <a:rPr lang="en-US" dirty="0"/>
               <a:t> Pi</a:t>
             </a:r>
-            <a:endParaRPr lang="en-US" dirty="0" smtClean="0"/>
           </a:p>
         </p:txBody>
       </p:sp>
@@ -20080,7 +19533,7 @@
           <a:lstStyle/>
           <a:p>
             <a:r>
-              <a:rPr lang="en-US" smtClean="0"/>
+              <a:rPr lang="en-US"/>
               <a:t>CNLAB PROTOCOL</a:t>
             </a:r>
             <a:endParaRPr lang="en-US" dirty="0"/>
@@ -20405,10 +19858,9 @@
           <a:p>
             <a:pPr algn="ctr"/>
             <a:r>
-              <a:rPr lang="en-US" sz="1600" dirty="0" smtClean="0"/>
+              <a:rPr lang="en-US" sz="1600" dirty="0"/>
               <a:t>1</a:t>
             </a:r>
-            <a:endParaRPr lang="en-US" sz="1600" dirty="0"/>
           </a:p>
         </p:txBody>
       </p:sp>
@@ -20716,18 +20168,13 @@
           <a:lstStyle/>
           <a:p>
             <a:r>
-              <a:rPr lang="en-US" sz="1400" dirty="0" smtClean="0">
+              <a:rPr lang="en-US" sz="1400" dirty="0">
                 <a:solidFill>
                   <a:srgbClr val="FF0000"/>
                 </a:solidFill>
               </a:rPr>
               <a:t>16</a:t>
             </a:r>
-            <a:endParaRPr lang="en-US" sz="1400" dirty="0">
-              <a:solidFill>
-                <a:srgbClr val="FF0000"/>
-              </a:solidFill>
-            </a:endParaRPr>
           </a:p>
         </p:txBody>
       </p:sp>
@@ -20754,18 +20201,13 @@
           <a:lstStyle/>
           <a:p>
             <a:r>
-              <a:rPr lang="en-US" sz="1400" dirty="0" smtClean="0">
+              <a:rPr lang="en-US" sz="1400" dirty="0">
                 <a:solidFill>
                   <a:srgbClr val="FF0000"/>
                 </a:solidFill>
               </a:rPr>
               <a:t>32</a:t>
             </a:r>
-            <a:endParaRPr lang="en-US" sz="1400" dirty="0">
-              <a:solidFill>
-                <a:srgbClr val="FF0000"/>
-              </a:solidFill>
-            </a:endParaRPr>
           </a:p>
         </p:txBody>
       </p:sp>
@@ -20792,18 +20234,13 @@
           <a:lstStyle/>
           <a:p>
             <a:r>
-              <a:rPr lang="en-US" sz="1400" dirty="0" smtClean="0">
+              <a:rPr lang="en-US" sz="1400" dirty="0">
                 <a:solidFill>
                   <a:srgbClr val="FF0000"/>
                 </a:solidFill>
               </a:rPr>
               <a:t>16</a:t>
             </a:r>
-            <a:endParaRPr lang="en-US" sz="1400" dirty="0">
-              <a:solidFill>
-                <a:srgbClr val="FF0000"/>
-              </a:solidFill>
-            </a:endParaRPr>
           </a:p>
         </p:txBody>
       </p:sp>
@@ -20830,18 +20267,13 @@
           <a:lstStyle/>
           <a:p>
             <a:r>
-              <a:rPr lang="en-US" sz="1400" dirty="0" smtClean="0">
+              <a:rPr lang="en-US" sz="1400" dirty="0">
                 <a:solidFill>
                   <a:srgbClr val="FF0000"/>
                 </a:solidFill>
               </a:rPr>
               <a:t>16</a:t>
             </a:r>
-            <a:endParaRPr lang="en-US" sz="1400" dirty="0">
-              <a:solidFill>
-                <a:srgbClr val="FF0000"/>
-              </a:solidFill>
-            </a:endParaRPr>
           </a:p>
         </p:txBody>
       </p:sp>
@@ -20868,18 +20300,13 @@
           <a:lstStyle/>
           <a:p>
             <a:r>
-              <a:rPr lang="en-US" sz="1400" dirty="0" smtClean="0">
+              <a:rPr lang="en-US" sz="1400" dirty="0">
                 <a:solidFill>
                   <a:srgbClr val="FF0000"/>
                 </a:solidFill>
               </a:rPr>
               <a:t>32</a:t>
             </a:r>
-            <a:endParaRPr lang="en-US" sz="1400" dirty="0">
-              <a:solidFill>
-                <a:srgbClr val="FF0000"/>
-              </a:solidFill>
-            </a:endParaRPr>
           </a:p>
         </p:txBody>
       </p:sp>
@@ -20906,18 +20333,13 @@
           <a:lstStyle/>
           <a:p>
             <a:r>
-              <a:rPr lang="en-US" sz="1400" dirty="0" smtClean="0">
+              <a:rPr lang="en-US" sz="1400" dirty="0">
                 <a:solidFill>
                   <a:srgbClr val="FF0000"/>
                 </a:solidFill>
               </a:rPr>
               <a:t>16</a:t>
             </a:r>
-            <a:endParaRPr lang="en-US" sz="1400" dirty="0">
-              <a:solidFill>
-                <a:srgbClr val="FF0000"/>
-              </a:solidFill>
-            </a:endParaRPr>
           </a:p>
         </p:txBody>
       </p:sp>
@@ -20944,18 +20366,13 @@
           <a:lstStyle/>
           <a:p>
             <a:r>
-              <a:rPr lang="en-US" sz="1400" dirty="0" smtClean="0">
+              <a:rPr lang="en-US" sz="1400" dirty="0">
                 <a:solidFill>
                   <a:srgbClr val="FF0000"/>
                 </a:solidFill>
               </a:rPr>
               <a:t>16</a:t>
             </a:r>
-            <a:endParaRPr lang="en-US" sz="1400" dirty="0">
-              <a:solidFill>
-                <a:srgbClr val="FF0000"/>
-              </a:solidFill>
-            </a:endParaRPr>
           </a:p>
         </p:txBody>
       </p:sp>
@@ -20983,29 +20400,8 @@
           <a:p>
             <a:r>
               <a:rPr lang="en-US" dirty="0"/>
-              <a:t>Fig. 7</a:t>
-            </a:r>
-            <a:r>
-              <a:rPr lang="en-US" dirty="0" smtClean="0"/>
-              <a:t>: </a:t>
-            </a:r>
-            <a:r>
-              <a:rPr lang="en-US" dirty="0"/>
-              <a:t>Example network </a:t>
-            </a:r>
-            <a:r>
-              <a:rPr lang="en-US" dirty="0" smtClean="0"/>
-              <a:t>in </a:t>
-            </a:r>
-            <a:r>
-              <a:rPr lang="en-US" dirty="0"/>
-              <a:t>Make Schedule state</a:t>
-            </a:r>
-            <a:r>
-              <a:rPr lang="en-US" dirty="0" smtClean="0"/>
-              <a:t>.</a:t>
-            </a:r>
-            <a:endParaRPr lang="en-US" dirty="0"/>
+              <a:t>Fig. 7: Example network in Make Schedule state.</a:t>
+            </a:r>
           </a:p>
         </p:txBody>
       </p:sp>
@@ -21082,10 +20478,9 @@
           <a:p>
             <a:pPr algn="ctr"/>
             <a:r>
-              <a:rPr lang="en-US" sz="1400" dirty="0" smtClean="0"/>
+              <a:rPr lang="en-US" sz="1400" dirty="0"/>
               <a:t>Scheduling Server</a:t>
             </a:r>
-            <a:endParaRPr lang="en-US" sz="1400" dirty="0"/>
           </a:p>
         </p:txBody>
       </p:sp>
@@ -21099,13 +20494,6 @@
   <p:clrMapOvr>
     <a:masterClrMapping/>
   </p:clrMapOvr>
-  <p:timing>
-    <p:tnLst>
-      <p:par>
-        <p:cTn id="1" dur="indefinite" restart="never" nodeType="tmRoot"/>
-      </p:par>
-    </p:tnLst>
-  </p:timing>
 </p:sld>
 </file>
 
@@ -21142,10 +20530,9 @@
           <a:lstStyle/>
           <a:p>
             <a:r>
-              <a:rPr lang="en-US" dirty="0" smtClean="0"/>
+              <a:rPr lang="en-US" dirty="0"/>
               <a:t>Overview</a:t>
             </a:r>
-            <a:endParaRPr lang="en-US" dirty="0"/>
           </a:p>
         </p:txBody>
       </p:sp>
@@ -21165,7 +20552,7 @@
           <a:lstStyle/>
           <a:p>
             <a:r>
-              <a:rPr lang="en-US" sz="2400" dirty="0" smtClean="0"/>
+              <a:rPr lang="en-US" sz="2400" dirty="0"/>
               <a:t>Development environment:</a:t>
             </a:r>
           </a:p>
@@ -21175,15 +20562,15 @@
               <a:buChar char="•"/>
             </a:pPr>
             <a:r>
-              <a:rPr lang="en-US" sz="2000" dirty="0" smtClean="0"/>
+              <a:rPr lang="en-US" sz="2000" dirty="0"/>
               <a:t>Sensor nodes: </a:t>
             </a:r>
             <a:r>
-              <a:rPr lang="en-US" sz="2000" dirty="0" err="1" smtClean="0"/>
+              <a:rPr lang="en-US" sz="2000" dirty="0" err="1"/>
               <a:t>Zoulertia</a:t>
             </a:r>
             <a:r>
-              <a:rPr lang="en-US" sz="2000" dirty="0" smtClean="0"/>
+              <a:rPr lang="en-US" sz="2000" dirty="0"/>
               <a:t> RE-Mote B</a:t>
             </a:r>
           </a:p>
@@ -21193,7 +20580,7 @@
               <a:buChar char="•"/>
             </a:pPr>
             <a:r>
-              <a:rPr lang="en-US" sz="2000" dirty="0" smtClean="0"/>
+              <a:rPr lang="en-US" sz="2000" dirty="0"/>
               <a:t>Scheduling Server: Raspberry Pi 3 Model B</a:t>
             </a:r>
           </a:p>
@@ -21203,21 +20590,21 @@
               <a:buChar char="•"/>
             </a:pPr>
             <a:r>
-              <a:rPr lang="en-US" sz="2000" dirty="0" smtClean="0"/>
+              <a:rPr lang="en-US" sz="2000" dirty="0"/>
               <a:t>OS: </a:t>
             </a:r>
             <a:r>
-              <a:rPr lang="en-US" sz="2000" dirty="0" err="1" smtClean="0"/>
+              <a:rPr lang="en-US" sz="2000" dirty="0" err="1"/>
               <a:t>Contiki</a:t>
             </a:r>
             <a:r>
-              <a:rPr lang="en-US" sz="2000" dirty="0" smtClean="0"/>
+              <a:rPr lang="en-US" sz="2000" dirty="0"/>
               <a:t>-NG</a:t>
             </a:r>
           </a:p>
           <a:p>
             <a:r>
-              <a:rPr lang="en-US" sz="2400" dirty="0" smtClean="0"/>
+              <a:rPr lang="en-US" sz="2400" dirty="0"/>
               <a:t>Precondition:</a:t>
             </a:r>
           </a:p>
@@ -21227,7 +20614,7 @@
               <a:buChar char="•"/>
             </a:pPr>
             <a:r>
-              <a:rPr lang="en-US" sz="2000" dirty="0" smtClean="0"/>
+              <a:rPr lang="en-US" sz="2000" dirty="0"/>
               <a:t>Each sensor nodes has an unique ID.</a:t>
             </a:r>
           </a:p>
@@ -21237,7 +20624,7 @@
               <a:buChar char="•"/>
             </a:pPr>
             <a:r>
-              <a:rPr lang="en-US" sz="2000" dirty="0" smtClean="0"/>
+              <a:rPr lang="en-US" sz="2000" dirty="0"/>
               <a:t>The coordinator will be started after another sensor nodes</a:t>
             </a:r>
           </a:p>
@@ -21246,7 +20633,7 @@
               <a:buFont typeface="Arial" charset="0"/>
               <a:buChar char="•"/>
             </a:pPr>
-            <a:endParaRPr lang="en-US" sz="2000" dirty="0" smtClean="0"/>
+            <a:endParaRPr lang="en-US" sz="2000" dirty="0"/>
           </a:p>
         </p:txBody>
       </p:sp>
@@ -21266,7 +20653,7 @@
           <a:lstStyle/>
           <a:p>
             <a:r>
-              <a:rPr lang="en-US" smtClean="0"/>
+              <a:rPr lang="en-US"/>
               <a:t>CNLAB PROTOCOL</a:t>
             </a:r>
             <a:endParaRPr lang="en-US" dirty="0"/>
@@ -21306,13 +20693,6 @@
   <p:clrMapOvr>
     <a:masterClrMapping/>
   </p:clrMapOvr>
-  <p:timing>
-    <p:tnLst>
-      <p:par>
-        <p:cTn id="1" dur="indefinite" restart="never" nodeType="tmRoot"/>
-      </p:par>
-    </p:tnLst>
-  </p:timing>
 </p:sld>
 </file>
 
@@ -21349,10 +20729,9 @@
           <a:lstStyle/>
           <a:p>
             <a:r>
-              <a:rPr lang="en-US" dirty="0" smtClean="0"/>
+              <a:rPr lang="en-US" dirty="0"/>
               <a:t>Make Schedule state</a:t>
             </a:r>
-            <a:endParaRPr lang="en-US" dirty="0"/>
           </a:p>
         </p:txBody>
       </p:sp>
@@ -21381,15 +20760,15 @@
               <a:buChar char="•"/>
             </a:pPr>
             <a:r>
-              <a:rPr lang="en-US" dirty="0" smtClean="0"/>
+              <a:rPr lang="en-US" dirty="0"/>
               <a:t>Coordinator Node will download the Scheduling Information by </a:t>
             </a:r>
             <a:r>
-              <a:rPr lang="en-US" b="1" dirty="0" smtClean="0"/>
+              <a:rPr lang="en-US" b="1" dirty="0"/>
               <a:t>Unicast Path Finding Algorithm</a:t>
             </a:r>
             <a:r>
-              <a:rPr lang="en-US" dirty="0" smtClean="0"/>
+              <a:rPr lang="en-US" dirty="0"/>
               <a:t>.</a:t>
             </a:r>
           </a:p>
@@ -21399,12 +20778,8 @@
               <a:buChar char="•"/>
             </a:pPr>
             <a:r>
-              <a:rPr lang="en-US" dirty="0" smtClean="0"/>
-              <a:t>Scheduling Sever will process packet contain Schedule for each Path</a:t>
-            </a:r>
-            <a:r>
-              <a:rPr lang="en-US" dirty="0" smtClean="0"/>
-              <a:t>.</a:t>
+              <a:rPr lang="en-US" dirty="0"/>
+              <a:t>Scheduling Sever will process packet contain Schedule for each Path.</a:t>
             </a:r>
           </a:p>
           <a:p>
@@ -21417,12 +20792,8 @@
               <a:t>Unicast Path Finding Algorithm </a:t>
             </a:r>
             <a:r>
-              <a:rPr lang="en-US" dirty="0" smtClean="0"/>
-              <a:t>implemented </a:t>
-            </a:r>
-            <a:r>
               <a:rPr lang="en-US" dirty="0"/>
-              <a:t>in </a:t>
+              <a:t>implemented in </a:t>
             </a:r>
             <a:r>
               <a:rPr lang="en-US" dirty="0" err="1"/>
@@ -21430,13 +20801,8 @@
             </a:r>
             <a:r>
               <a:rPr lang="en-US" dirty="0"/>
-              <a:t> </a:t>
-            </a:r>
-            <a:r>
-              <a:rPr lang="en-US" dirty="0" smtClean="0"/>
-              <a:t>Pi</a:t>
-            </a:r>
-            <a:endParaRPr lang="en-US" dirty="0"/>
+              <a:t> Pi</a:t>
+            </a:r>
           </a:p>
         </p:txBody>
       </p:sp>
@@ -21456,7 +20822,7 @@
           <a:lstStyle/>
           <a:p>
             <a:r>
-              <a:rPr lang="en-US" smtClean="0"/>
+              <a:rPr lang="en-US"/>
               <a:t>CNLAB PROTOCOL</a:t>
             </a:r>
             <a:endParaRPr lang="en-US" dirty="0"/>
@@ -21781,10 +21147,9 @@
           <a:p>
             <a:pPr algn="ctr"/>
             <a:r>
-              <a:rPr lang="en-US" sz="1600" dirty="0" smtClean="0"/>
+              <a:rPr lang="en-US" sz="1600" dirty="0"/>
               <a:t>1</a:t>
             </a:r>
-            <a:endParaRPr lang="en-US" sz="1600" dirty="0"/>
           </a:p>
         </p:txBody>
       </p:sp>
@@ -22092,18 +21457,13 @@
           <a:lstStyle/>
           <a:p>
             <a:r>
-              <a:rPr lang="en-US" sz="1400" dirty="0" smtClean="0">
+              <a:rPr lang="en-US" sz="1400" dirty="0">
                 <a:solidFill>
                   <a:srgbClr val="FF0000"/>
                 </a:solidFill>
               </a:rPr>
               <a:t>16</a:t>
             </a:r>
-            <a:endParaRPr lang="en-US" sz="1400" dirty="0">
-              <a:solidFill>
-                <a:srgbClr val="FF0000"/>
-              </a:solidFill>
-            </a:endParaRPr>
           </a:p>
         </p:txBody>
       </p:sp>
@@ -22130,18 +21490,13 @@
           <a:lstStyle/>
           <a:p>
             <a:r>
-              <a:rPr lang="en-US" sz="1400" dirty="0" smtClean="0">
+              <a:rPr lang="en-US" sz="1400" dirty="0">
                 <a:solidFill>
                   <a:srgbClr val="FF0000"/>
                 </a:solidFill>
               </a:rPr>
               <a:t>32</a:t>
             </a:r>
-            <a:endParaRPr lang="en-US" sz="1400" dirty="0">
-              <a:solidFill>
-                <a:srgbClr val="FF0000"/>
-              </a:solidFill>
-            </a:endParaRPr>
           </a:p>
         </p:txBody>
       </p:sp>
@@ -22168,18 +21523,13 @@
           <a:lstStyle/>
           <a:p>
             <a:r>
-              <a:rPr lang="en-US" sz="1400" dirty="0" smtClean="0">
+              <a:rPr lang="en-US" sz="1400" dirty="0">
                 <a:solidFill>
                   <a:srgbClr val="FF0000"/>
                 </a:solidFill>
               </a:rPr>
               <a:t>16</a:t>
             </a:r>
-            <a:endParaRPr lang="en-US" sz="1400" dirty="0">
-              <a:solidFill>
-                <a:srgbClr val="FF0000"/>
-              </a:solidFill>
-            </a:endParaRPr>
           </a:p>
         </p:txBody>
       </p:sp>
@@ -22206,18 +21556,13 @@
           <a:lstStyle/>
           <a:p>
             <a:r>
-              <a:rPr lang="en-US" sz="1400" dirty="0" smtClean="0">
+              <a:rPr lang="en-US" sz="1400" dirty="0">
                 <a:solidFill>
                   <a:srgbClr val="FF0000"/>
                 </a:solidFill>
               </a:rPr>
               <a:t>16</a:t>
             </a:r>
-            <a:endParaRPr lang="en-US" sz="1400" dirty="0">
-              <a:solidFill>
-                <a:srgbClr val="FF0000"/>
-              </a:solidFill>
-            </a:endParaRPr>
           </a:p>
         </p:txBody>
       </p:sp>
@@ -22244,18 +21589,13 @@
           <a:lstStyle/>
           <a:p>
             <a:r>
-              <a:rPr lang="en-US" sz="1400" dirty="0" smtClean="0">
+              <a:rPr lang="en-US" sz="1400" dirty="0">
                 <a:solidFill>
                   <a:srgbClr val="FF0000"/>
                 </a:solidFill>
               </a:rPr>
               <a:t>32</a:t>
             </a:r>
-            <a:endParaRPr lang="en-US" sz="1400" dirty="0">
-              <a:solidFill>
-                <a:srgbClr val="FF0000"/>
-              </a:solidFill>
-            </a:endParaRPr>
           </a:p>
         </p:txBody>
       </p:sp>
@@ -22282,18 +21622,13 @@
           <a:lstStyle/>
           <a:p>
             <a:r>
-              <a:rPr lang="en-US" sz="1400" dirty="0" smtClean="0">
+              <a:rPr lang="en-US" sz="1400" dirty="0">
                 <a:solidFill>
                   <a:srgbClr val="FF0000"/>
                 </a:solidFill>
               </a:rPr>
               <a:t>16</a:t>
             </a:r>
-            <a:endParaRPr lang="en-US" sz="1400" dirty="0">
-              <a:solidFill>
-                <a:srgbClr val="FF0000"/>
-              </a:solidFill>
-            </a:endParaRPr>
           </a:p>
         </p:txBody>
       </p:sp>
@@ -22320,18 +21655,13 @@
           <a:lstStyle/>
           <a:p>
             <a:r>
-              <a:rPr lang="en-US" sz="1400" dirty="0" smtClean="0">
+              <a:rPr lang="en-US" sz="1400" dirty="0">
                 <a:solidFill>
                   <a:srgbClr val="FF0000"/>
                 </a:solidFill>
               </a:rPr>
               <a:t>16</a:t>
             </a:r>
-            <a:endParaRPr lang="en-US" sz="1400" dirty="0">
-              <a:solidFill>
-                <a:srgbClr val="FF0000"/>
-              </a:solidFill>
-            </a:endParaRPr>
           </a:p>
         </p:txBody>
       </p:sp>
@@ -22359,29 +21689,8 @@
           <a:p>
             <a:r>
               <a:rPr lang="en-US" dirty="0"/>
-              <a:t>Fig. 7</a:t>
-            </a:r>
-            <a:r>
-              <a:rPr lang="en-US" dirty="0" smtClean="0"/>
-              <a:t>: </a:t>
-            </a:r>
-            <a:r>
-              <a:rPr lang="en-US" dirty="0"/>
-              <a:t>Example network </a:t>
-            </a:r>
-            <a:r>
-              <a:rPr lang="en-US" dirty="0" smtClean="0"/>
-              <a:t>in </a:t>
-            </a:r>
-            <a:r>
-              <a:rPr lang="en-US" dirty="0"/>
-              <a:t>Make Schedule state</a:t>
-            </a:r>
-            <a:r>
-              <a:rPr lang="en-US" dirty="0" smtClean="0"/>
-              <a:t>.</a:t>
-            </a:r>
-            <a:endParaRPr lang="en-US" dirty="0"/>
+              <a:t>Fig. 7: Example network in Make Schedule state.</a:t>
+            </a:r>
           </a:p>
         </p:txBody>
       </p:sp>
@@ -22458,10 +21767,9 @@
           <a:p>
             <a:pPr algn="ctr"/>
             <a:r>
-              <a:rPr lang="en-US" sz="1400" dirty="0" smtClean="0"/>
+              <a:rPr lang="en-US" sz="1400" dirty="0"/>
               <a:t>Scheduling Server</a:t>
             </a:r>
-            <a:endParaRPr lang="en-US" sz="1400" dirty="0"/>
           </a:p>
         </p:txBody>
       </p:sp>
@@ -22475,13 +21783,6 @@
   <p:clrMapOvr>
     <a:masterClrMapping/>
   </p:clrMapOvr>
-  <p:timing>
-    <p:tnLst>
-      <p:par>
-        <p:cTn id="1" dur="indefinite" restart="never" nodeType="tmRoot"/>
-      </p:par>
-    </p:tnLst>
-  </p:timing>
 </p:sld>
 </file>
 
@@ -22518,10 +21819,9 @@
           <a:lstStyle/>
           <a:p>
             <a:r>
-              <a:rPr lang="en-US" dirty="0" smtClean="0"/>
+              <a:rPr lang="en-US" dirty="0"/>
               <a:t>Make Schedule state</a:t>
             </a:r>
-            <a:endParaRPr lang="en-US" dirty="0"/>
           </a:p>
         </p:txBody>
       </p:sp>
@@ -22552,7 +21852,7 @@
               <a:buChar char="•"/>
             </a:pPr>
             <a:r>
-              <a:rPr lang="en-US" sz="2000" dirty="0" smtClean="0"/>
+              <a:rPr lang="en-US" sz="2000" dirty="0"/>
               <a:t>Example:</a:t>
             </a:r>
           </a:p>
@@ -22562,7 +21862,7 @@
               <a:buChar char="•"/>
             </a:pPr>
             <a:r>
-              <a:rPr lang="en-US" sz="2000" dirty="0" smtClean="0"/>
+              <a:rPr lang="en-US" sz="2000" dirty="0"/>
               <a:t>Path: 1-&gt;4-&gt;6-&gt;2</a:t>
             </a:r>
           </a:p>
@@ -22572,7 +21872,7 @@
               <a:buChar char="•"/>
             </a:pPr>
             <a:r>
-              <a:rPr lang="en-US" sz="2000" dirty="0" smtClean="0"/>
+              <a:rPr lang="en-US" sz="2000" dirty="0"/>
               <a:t>Packet format: </a:t>
             </a:r>
           </a:p>
@@ -22581,55 +21881,55 @@
               <a:buNone/>
             </a:pPr>
             <a:r>
-              <a:rPr lang="en-US" sz="2000" dirty="0" smtClean="0"/>
+              <a:rPr lang="en-US" sz="2000" dirty="0"/>
               <a:t>[Path size, </a:t>
             </a:r>
             <a:r>
-              <a:rPr lang="en-US" sz="2000" dirty="0" err="1" smtClean="0"/>
+              <a:rPr lang="en-US" sz="2000" dirty="0" err="1"/>
               <a:t>Frag_index</a:t>
             </a:r>
             <a:r>
-              <a:rPr lang="en-US" sz="2000" dirty="0" smtClean="0"/>
+              <a:rPr lang="en-US" sz="2000" dirty="0"/>
               <a:t>, Number of Fragments][LCM][Path Data][Sender, Receiver, Number of Transmission][(</a:t>
             </a:r>
             <a:r>
-              <a:rPr lang="en-US" sz="2000" dirty="0" err="1" smtClean="0"/>
+              <a:rPr lang="en-US" sz="2000" dirty="0" err="1"/>
               <a:t>ts</a:t>
             </a:r>
             <a:r>
-              <a:rPr lang="en-US" sz="2000" dirty="0" smtClean="0"/>
+              <a:rPr lang="en-US" sz="2000" dirty="0"/>
               <a:t>, </a:t>
             </a:r>
             <a:r>
-              <a:rPr lang="en-US" sz="2000" dirty="0" err="1" smtClean="0"/>
+              <a:rPr lang="en-US" sz="2000" dirty="0" err="1"/>
               <a:t>ch</a:t>
             </a:r>
             <a:r>
-              <a:rPr lang="en-US" sz="2000" dirty="0" smtClean="0"/>
+              <a:rPr lang="en-US" sz="2000" dirty="0"/>
               <a:t>); (</a:t>
             </a:r>
             <a:r>
-              <a:rPr lang="en-US" sz="2000" dirty="0" err="1" smtClean="0"/>
+              <a:rPr lang="en-US" sz="2000" dirty="0" err="1"/>
               <a:t>ts</a:t>
             </a:r>
             <a:r>
-              <a:rPr lang="en-US" sz="2000" dirty="0" smtClean="0"/>
+              <a:rPr lang="en-US" sz="2000" dirty="0"/>
               <a:t>, </a:t>
             </a:r>
             <a:r>
-              <a:rPr lang="en-US" sz="2000" dirty="0" err="1" smtClean="0"/>
+              <a:rPr lang="en-US" sz="2000" dirty="0" err="1"/>
               <a:t>ch</a:t>
             </a:r>
             <a:r>
-              <a:rPr lang="en-US" sz="2000" dirty="0" smtClean="0"/>
+              <a:rPr lang="en-US" sz="2000" dirty="0"/>
               <a:t>); </a:t>
             </a:r>
             <a:r>
-              <a:rPr lang="mr-IN" sz="2000" dirty="0" smtClean="0"/>
+              <a:rPr lang="mr-IN" sz="2000" dirty="0"/>
               <a:t>…</a:t>
             </a:r>
             <a:r>
-              <a:rPr lang="en-US" sz="2000" dirty="0" smtClean="0"/>
+              <a:rPr lang="en-US" sz="2000" dirty="0"/>
               <a:t>]</a:t>
             </a:r>
           </a:p>
@@ -22639,7 +21939,7 @@
               <a:buChar char="•"/>
             </a:pPr>
             <a:r>
-              <a:rPr lang="en-US" sz="2000" dirty="0" smtClean="0"/>
+              <a:rPr lang="en-US" sz="2000" dirty="0"/>
               <a:t>Link 1-&gt;4</a:t>
             </a:r>
           </a:p>
@@ -22649,7 +21949,7 @@
               <a:buChar char="•"/>
             </a:pPr>
             <a:r>
-              <a:rPr lang="en-US" sz="2000" dirty="0" smtClean="0"/>
+              <a:rPr lang="en-US" sz="2000" dirty="0"/>
               <a:t>[2, 0, 0][32][1,4][4, 1, 2][(0, 0);(1, 0)]</a:t>
             </a:r>
           </a:p>
@@ -22671,7 +21971,7 @@
           <a:lstStyle/>
           <a:p>
             <a:r>
-              <a:rPr lang="en-US" smtClean="0"/>
+              <a:rPr lang="en-US"/>
               <a:t>CNLAB PROTOCOL</a:t>
             </a:r>
             <a:endParaRPr lang="en-US" dirty="0"/>
@@ -22996,10 +22296,9 @@
           <a:p>
             <a:pPr algn="ctr"/>
             <a:r>
-              <a:rPr lang="en-US" sz="1600" dirty="0" smtClean="0"/>
+              <a:rPr lang="en-US" sz="1600" dirty="0"/>
               <a:t>1</a:t>
             </a:r>
-            <a:endParaRPr lang="en-US" sz="1600" dirty="0"/>
           </a:p>
         </p:txBody>
       </p:sp>
@@ -23307,18 +22606,13 @@
           <a:lstStyle/>
           <a:p>
             <a:r>
-              <a:rPr lang="en-US" sz="1400" dirty="0" smtClean="0">
+              <a:rPr lang="en-US" sz="1400" dirty="0">
                 <a:solidFill>
                   <a:srgbClr val="FF0000"/>
                 </a:solidFill>
               </a:rPr>
               <a:t>16</a:t>
             </a:r>
-            <a:endParaRPr lang="en-US" sz="1400" dirty="0">
-              <a:solidFill>
-                <a:srgbClr val="FF0000"/>
-              </a:solidFill>
-            </a:endParaRPr>
           </a:p>
         </p:txBody>
       </p:sp>
@@ -23345,18 +22639,13 @@
           <a:lstStyle/>
           <a:p>
             <a:r>
-              <a:rPr lang="en-US" sz="1400" dirty="0" smtClean="0">
+              <a:rPr lang="en-US" sz="1400" dirty="0">
                 <a:solidFill>
                   <a:srgbClr val="FF0000"/>
                 </a:solidFill>
               </a:rPr>
               <a:t>32</a:t>
             </a:r>
-            <a:endParaRPr lang="en-US" sz="1400" dirty="0">
-              <a:solidFill>
-                <a:srgbClr val="FF0000"/>
-              </a:solidFill>
-            </a:endParaRPr>
           </a:p>
         </p:txBody>
       </p:sp>
@@ -23383,18 +22672,13 @@
           <a:lstStyle/>
           <a:p>
             <a:r>
-              <a:rPr lang="en-US" sz="1400" dirty="0" smtClean="0">
+              <a:rPr lang="en-US" sz="1400" dirty="0">
                 <a:solidFill>
                   <a:srgbClr val="FF0000"/>
                 </a:solidFill>
               </a:rPr>
               <a:t>16</a:t>
             </a:r>
-            <a:endParaRPr lang="en-US" sz="1400" dirty="0">
-              <a:solidFill>
-                <a:srgbClr val="FF0000"/>
-              </a:solidFill>
-            </a:endParaRPr>
           </a:p>
         </p:txBody>
       </p:sp>
@@ -23421,18 +22705,13 @@
           <a:lstStyle/>
           <a:p>
             <a:r>
-              <a:rPr lang="en-US" sz="1400" dirty="0" smtClean="0">
+              <a:rPr lang="en-US" sz="1400" dirty="0">
                 <a:solidFill>
                   <a:srgbClr val="FF0000"/>
                 </a:solidFill>
               </a:rPr>
               <a:t>16</a:t>
             </a:r>
-            <a:endParaRPr lang="en-US" sz="1400" dirty="0">
-              <a:solidFill>
-                <a:srgbClr val="FF0000"/>
-              </a:solidFill>
-            </a:endParaRPr>
           </a:p>
         </p:txBody>
       </p:sp>
@@ -23459,18 +22738,13 @@
           <a:lstStyle/>
           <a:p>
             <a:r>
-              <a:rPr lang="en-US" sz="1400" dirty="0" smtClean="0">
+              <a:rPr lang="en-US" sz="1400" dirty="0">
                 <a:solidFill>
                   <a:srgbClr val="FF0000"/>
                 </a:solidFill>
               </a:rPr>
               <a:t>32</a:t>
             </a:r>
-            <a:endParaRPr lang="en-US" sz="1400" dirty="0">
-              <a:solidFill>
-                <a:srgbClr val="FF0000"/>
-              </a:solidFill>
-            </a:endParaRPr>
           </a:p>
         </p:txBody>
       </p:sp>
@@ -23497,18 +22771,13 @@
           <a:lstStyle/>
           <a:p>
             <a:r>
-              <a:rPr lang="en-US" sz="1400" dirty="0" smtClean="0">
+              <a:rPr lang="en-US" sz="1400" dirty="0">
                 <a:solidFill>
                   <a:srgbClr val="FF0000"/>
                 </a:solidFill>
               </a:rPr>
               <a:t>16</a:t>
             </a:r>
-            <a:endParaRPr lang="en-US" sz="1400" dirty="0">
-              <a:solidFill>
-                <a:srgbClr val="FF0000"/>
-              </a:solidFill>
-            </a:endParaRPr>
           </a:p>
         </p:txBody>
       </p:sp>
@@ -23535,18 +22804,13 @@
           <a:lstStyle/>
           <a:p>
             <a:r>
-              <a:rPr lang="en-US" sz="1400" dirty="0" smtClean="0">
+              <a:rPr lang="en-US" sz="1400" dirty="0">
                 <a:solidFill>
                   <a:srgbClr val="FF0000"/>
                 </a:solidFill>
               </a:rPr>
               <a:t>16</a:t>
             </a:r>
-            <a:endParaRPr lang="en-US" sz="1400" dirty="0">
-              <a:solidFill>
-                <a:srgbClr val="FF0000"/>
-              </a:solidFill>
-            </a:endParaRPr>
           </a:p>
         </p:txBody>
       </p:sp>
@@ -23574,29 +22838,8 @@
           <a:p>
             <a:r>
               <a:rPr lang="en-US" dirty="0"/>
-              <a:t>Fig. 7</a:t>
-            </a:r>
-            <a:r>
-              <a:rPr lang="en-US" dirty="0" smtClean="0"/>
-              <a:t>: </a:t>
-            </a:r>
-            <a:r>
-              <a:rPr lang="en-US" dirty="0"/>
-              <a:t>Example network </a:t>
-            </a:r>
-            <a:r>
-              <a:rPr lang="en-US" dirty="0" smtClean="0"/>
-              <a:t>in </a:t>
-            </a:r>
-            <a:r>
-              <a:rPr lang="en-US" dirty="0"/>
-              <a:t>Make Schedule state</a:t>
-            </a:r>
-            <a:r>
-              <a:rPr lang="en-US" dirty="0" smtClean="0"/>
-              <a:t>.</a:t>
-            </a:r>
-            <a:endParaRPr lang="en-US" dirty="0"/>
+              <a:t>Fig. 7: Example network in Make Schedule state.</a:t>
+            </a:r>
           </a:p>
         </p:txBody>
       </p:sp>
@@ -23673,10 +22916,9 @@
           <a:p>
             <a:pPr algn="ctr"/>
             <a:r>
-              <a:rPr lang="en-US" sz="1400" dirty="0" smtClean="0"/>
+              <a:rPr lang="en-US" sz="1400" dirty="0"/>
               <a:t>Scheduling Server</a:t>
             </a:r>
-            <a:endParaRPr lang="en-US" sz="1400" dirty="0"/>
           </a:p>
         </p:txBody>
       </p:sp>
@@ -23690,13 +22932,6 @@
   <p:clrMapOvr>
     <a:masterClrMapping/>
   </p:clrMapOvr>
-  <p:timing>
-    <p:tnLst>
-      <p:par>
-        <p:cTn id="1" dur="indefinite" restart="never" nodeType="tmRoot"/>
-      </p:par>
-    </p:tnLst>
-  </p:timing>
 </p:sld>
 </file>
 
@@ -23733,10 +22968,9 @@
           <a:lstStyle/>
           <a:p>
             <a:r>
-              <a:rPr lang="en-US" dirty="0" smtClean="0"/>
+              <a:rPr lang="en-US" dirty="0"/>
               <a:t>Make Schedule state</a:t>
             </a:r>
-            <a:endParaRPr lang="en-US" dirty="0"/>
           </a:p>
         </p:txBody>
       </p:sp>
@@ -23767,12 +23001,8 @@
               <a:buChar char="•"/>
             </a:pPr>
             <a:r>
-              <a:rPr lang="en-US" sz="2000" dirty="0" smtClean="0"/>
-              <a:t>After receive Schedule data, All sensor node update schedule data by remove Orchestra slot frame and Update PCLLF schedule</a:t>
-            </a:r>
-            <a:r>
-              <a:rPr lang="en-US" sz="2000" dirty="0" smtClean="0"/>
-              <a:t>.</a:t>
+              <a:rPr lang="en-US" sz="2000" dirty="0"/>
+              <a:t>After receive Schedule data, All sensor node update schedule data by remove Orchestra slot frame and Update PCLLF schedule.</a:t>
             </a:r>
           </a:p>
           <a:p>
@@ -23781,12 +23011,12 @@
               <a:buChar char="•"/>
             </a:pPr>
             <a:r>
-              <a:rPr lang="en-US" sz="2000" dirty="0"/>
-              <a:t>static </a:t>
+              <a:rPr lang="en-US" sz="2000"/>
+              <a:t>static void cnlab</a:t>
             </a:r>
             <a:r>
               <a:rPr lang="en-US" sz="2000" dirty="0" err="1"/>
-              <a:t>voidcnlab_make_schedule_timer_callback</a:t>
+              <a:t>_make_schedule_timer_callback</a:t>
             </a:r>
             <a:r>
               <a:rPr lang="en-US" sz="2000" dirty="0"/>
@@ -23800,7 +23030,6 @@
               <a:rPr lang="en-US" sz="2000" dirty="0"/>
               <a:t>)</a:t>
             </a:r>
-            <a:endParaRPr lang="en-US" sz="2000" dirty="0" smtClean="0"/>
           </a:p>
         </p:txBody>
       </p:sp>
@@ -23820,7 +23049,7 @@
           <a:lstStyle/>
           <a:p>
             <a:r>
-              <a:rPr lang="en-US" smtClean="0"/>
+              <a:rPr lang="en-US"/>
               <a:t>CNLAB PROTOCOL</a:t>
             </a:r>
             <a:endParaRPr lang="en-US" dirty="0"/>
@@ -24145,10 +23374,9 @@
           <a:p>
             <a:pPr algn="ctr"/>
             <a:r>
-              <a:rPr lang="en-US" sz="1600" dirty="0" smtClean="0"/>
+              <a:rPr lang="en-US" sz="1600" dirty="0"/>
               <a:t>1</a:t>
             </a:r>
-            <a:endParaRPr lang="en-US" sz="1600" dirty="0"/>
           </a:p>
         </p:txBody>
       </p:sp>
@@ -24456,18 +23684,13 @@
           <a:lstStyle/>
           <a:p>
             <a:r>
-              <a:rPr lang="en-US" sz="1400" dirty="0" smtClean="0">
+              <a:rPr lang="en-US" sz="1400" dirty="0">
                 <a:solidFill>
                   <a:srgbClr val="FF0000"/>
                 </a:solidFill>
               </a:rPr>
               <a:t>16</a:t>
             </a:r>
-            <a:endParaRPr lang="en-US" sz="1400" dirty="0">
-              <a:solidFill>
-                <a:srgbClr val="FF0000"/>
-              </a:solidFill>
-            </a:endParaRPr>
           </a:p>
         </p:txBody>
       </p:sp>
@@ -24494,18 +23717,13 @@
           <a:lstStyle/>
           <a:p>
             <a:r>
-              <a:rPr lang="en-US" sz="1400" dirty="0" smtClean="0">
+              <a:rPr lang="en-US" sz="1400" dirty="0">
                 <a:solidFill>
                   <a:srgbClr val="FF0000"/>
                 </a:solidFill>
               </a:rPr>
               <a:t>32</a:t>
             </a:r>
-            <a:endParaRPr lang="en-US" sz="1400" dirty="0">
-              <a:solidFill>
-                <a:srgbClr val="FF0000"/>
-              </a:solidFill>
-            </a:endParaRPr>
           </a:p>
         </p:txBody>
       </p:sp>
@@ -24532,18 +23750,13 @@
           <a:lstStyle/>
           <a:p>
             <a:r>
-              <a:rPr lang="en-US" sz="1400" dirty="0" smtClean="0">
+              <a:rPr lang="en-US" sz="1400" dirty="0">
                 <a:solidFill>
                   <a:srgbClr val="FF0000"/>
                 </a:solidFill>
               </a:rPr>
               <a:t>16</a:t>
             </a:r>
-            <a:endParaRPr lang="en-US" sz="1400" dirty="0">
-              <a:solidFill>
-                <a:srgbClr val="FF0000"/>
-              </a:solidFill>
-            </a:endParaRPr>
           </a:p>
         </p:txBody>
       </p:sp>
@@ -24570,18 +23783,13 @@
           <a:lstStyle/>
           <a:p>
             <a:r>
-              <a:rPr lang="en-US" sz="1400" dirty="0" smtClean="0">
+              <a:rPr lang="en-US" sz="1400" dirty="0">
                 <a:solidFill>
                   <a:srgbClr val="FF0000"/>
                 </a:solidFill>
               </a:rPr>
               <a:t>16</a:t>
             </a:r>
-            <a:endParaRPr lang="en-US" sz="1400" dirty="0">
-              <a:solidFill>
-                <a:srgbClr val="FF0000"/>
-              </a:solidFill>
-            </a:endParaRPr>
           </a:p>
         </p:txBody>
       </p:sp>
@@ -24608,18 +23816,13 @@
           <a:lstStyle/>
           <a:p>
             <a:r>
-              <a:rPr lang="en-US" sz="1400" dirty="0" smtClean="0">
+              <a:rPr lang="en-US" sz="1400" dirty="0">
                 <a:solidFill>
                   <a:srgbClr val="FF0000"/>
                 </a:solidFill>
               </a:rPr>
               <a:t>32</a:t>
             </a:r>
-            <a:endParaRPr lang="en-US" sz="1400" dirty="0">
-              <a:solidFill>
-                <a:srgbClr val="FF0000"/>
-              </a:solidFill>
-            </a:endParaRPr>
           </a:p>
         </p:txBody>
       </p:sp>
@@ -24646,18 +23849,13 @@
           <a:lstStyle/>
           <a:p>
             <a:r>
-              <a:rPr lang="en-US" sz="1400" dirty="0" smtClean="0">
+              <a:rPr lang="en-US" sz="1400" dirty="0">
                 <a:solidFill>
                   <a:srgbClr val="FF0000"/>
                 </a:solidFill>
               </a:rPr>
               <a:t>16</a:t>
             </a:r>
-            <a:endParaRPr lang="en-US" sz="1400" dirty="0">
-              <a:solidFill>
-                <a:srgbClr val="FF0000"/>
-              </a:solidFill>
-            </a:endParaRPr>
           </a:p>
         </p:txBody>
       </p:sp>
@@ -24684,18 +23882,13 @@
           <a:lstStyle/>
           <a:p>
             <a:r>
-              <a:rPr lang="en-US" sz="1400" dirty="0" smtClean="0">
+              <a:rPr lang="en-US" sz="1400" dirty="0">
                 <a:solidFill>
                   <a:srgbClr val="FF0000"/>
                 </a:solidFill>
               </a:rPr>
               <a:t>16</a:t>
             </a:r>
-            <a:endParaRPr lang="en-US" sz="1400" dirty="0">
-              <a:solidFill>
-                <a:srgbClr val="FF0000"/>
-              </a:solidFill>
-            </a:endParaRPr>
           </a:p>
         </p:txBody>
       </p:sp>
@@ -24723,29 +23916,8 @@
           <a:p>
             <a:r>
               <a:rPr lang="en-US" dirty="0"/>
-              <a:t>Fig. 7</a:t>
-            </a:r>
-            <a:r>
-              <a:rPr lang="en-US" dirty="0" smtClean="0"/>
-              <a:t>: </a:t>
-            </a:r>
-            <a:r>
-              <a:rPr lang="en-US" dirty="0"/>
-              <a:t>Example network </a:t>
-            </a:r>
-            <a:r>
-              <a:rPr lang="en-US" dirty="0" smtClean="0"/>
-              <a:t>in </a:t>
-            </a:r>
-            <a:r>
-              <a:rPr lang="en-US" dirty="0"/>
-              <a:t>Make Schedule state</a:t>
-            </a:r>
-            <a:r>
-              <a:rPr lang="en-US" dirty="0" smtClean="0"/>
-              <a:t>.</a:t>
-            </a:r>
-            <a:endParaRPr lang="en-US" dirty="0"/>
+              <a:t>Fig. 7: Example network in Make Schedule state.</a:t>
+            </a:r>
           </a:p>
         </p:txBody>
       </p:sp>
@@ -24822,10 +23994,9 @@
           <a:p>
             <a:pPr algn="ctr"/>
             <a:r>
-              <a:rPr lang="en-US" sz="1400" dirty="0" smtClean="0"/>
+              <a:rPr lang="en-US" sz="1400" dirty="0"/>
               <a:t>Scheduling Server</a:t>
             </a:r>
-            <a:endParaRPr lang="en-US" sz="1400" dirty="0"/>
           </a:p>
         </p:txBody>
       </p:sp>
@@ -24839,13 +24010,6 @@
   <p:clrMapOvr>
     <a:masterClrMapping/>
   </p:clrMapOvr>
-  <p:timing>
-    <p:tnLst>
-      <p:par>
-        <p:cTn id="1" dur="indefinite" restart="never" nodeType="tmRoot"/>
-      </p:par>
-    </p:tnLst>
-  </p:timing>
 </p:sld>
 </file>
 
@@ -24882,10 +24046,9 @@
           <a:lstStyle/>
           <a:p>
             <a:r>
-              <a:rPr lang="en-US" dirty="0" smtClean="0"/>
+              <a:rPr lang="en-US" dirty="0"/>
               <a:t>Data Transmission state</a:t>
             </a:r>
-            <a:endParaRPr lang="en-US" dirty="0"/>
           </a:p>
         </p:txBody>
       </p:sp>
@@ -24905,12 +24068,8 @@
           <a:lstStyle/>
           <a:p>
             <a:r>
-              <a:rPr lang="en-US" dirty="0" smtClean="0"/>
-              <a:t>After all nodes download schedule information. It will run data transmission base on the schedule</a:t>
-            </a:r>
-            <a:r>
-              <a:rPr lang="en-US" dirty="0" smtClean="0"/>
-              <a:t>.</a:t>
+              <a:rPr lang="en-US" dirty="0"/>
+              <a:t>After all nodes download schedule information. It will run data transmission base on the schedule.</a:t>
             </a:r>
           </a:p>
           <a:p>
@@ -24926,7 +24085,6 @@
               <a:rPr lang="en-US" dirty="0"/>
               <a:t>, "send Data Packet");</a:t>
             </a:r>
-            <a:endParaRPr lang="en-US" dirty="0"/>
           </a:p>
         </p:txBody>
       </p:sp>
@@ -24946,7 +24104,7 @@
           <a:lstStyle/>
           <a:p>
             <a:r>
-              <a:rPr lang="en-US" smtClean="0"/>
+              <a:rPr lang="en-US"/>
               <a:t>CNLAB PROTOCOL</a:t>
             </a:r>
             <a:endParaRPr lang="en-US" dirty="0"/>
@@ -24986,13 +24144,6 @@
   <p:clrMapOvr>
     <a:masterClrMapping/>
   </p:clrMapOvr>
-  <p:timing>
-    <p:tnLst>
-      <p:par>
-        <p:cTn id="1" dur="indefinite" restart="never" nodeType="tmRoot"/>
-      </p:par>
-    </p:tnLst>
-  </p:timing>
 </p:sld>
 </file>
 
@@ -25029,10 +24180,9 @@
           <a:lstStyle/>
           <a:p>
             <a:r>
-              <a:rPr lang="en-US" dirty="0" smtClean="0"/>
+              <a:rPr lang="en-US" dirty="0"/>
               <a:t>Overview</a:t>
             </a:r>
-            <a:endParaRPr lang="en-US" dirty="0"/>
           </a:p>
         </p:txBody>
       </p:sp>
@@ -25052,7 +24202,7 @@
           <a:lstStyle/>
           <a:p>
             <a:r>
-              <a:rPr lang="en-US" smtClean="0"/>
+              <a:rPr lang="en-US"/>
               <a:t>CNLAB PROTOCOL</a:t>
             </a:r>
             <a:endParaRPr lang="en-US" dirty="0"/>
@@ -25119,10 +24269,9 @@
           <a:p>
             <a:pPr algn="ctr"/>
             <a:r>
-              <a:rPr lang="en-US" sz="1600" dirty="0" smtClean="0"/>
+              <a:rPr lang="en-US" sz="1600" dirty="0"/>
               <a:t>INITIALIZE STATE</a:t>
             </a:r>
-            <a:endParaRPr lang="en-US" sz="1600" dirty="0"/>
           </a:p>
         </p:txBody>
       </p:sp>
@@ -25163,10 +24312,9 @@
           <a:p>
             <a:pPr algn="ctr"/>
             <a:r>
-              <a:rPr lang="en-US" sz="1600" dirty="0" smtClean="0"/>
+              <a:rPr lang="en-US" sz="1600" dirty="0"/>
               <a:t>MEASURE LINK QUALITY STATE</a:t>
             </a:r>
-            <a:endParaRPr lang="en-US" sz="1600" dirty="0"/>
           </a:p>
         </p:txBody>
       </p:sp>
@@ -25207,10 +24355,9 @@
           <a:p>
             <a:pPr algn="ctr"/>
             <a:r>
-              <a:rPr lang="en-US" sz="1600" dirty="0" smtClean="0"/>
+              <a:rPr lang="en-US" sz="1600" dirty="0"/>
               <a:t>MAKE ROUTING STATE</a:t>
             </a:r>
-            <a:endParaRPr lang="en-US" sz="1600" dirty="0"/>
           </a:p>
         </p:txBody>
       </p:sp>
@@ -25251,10 +24398,9 @@
           <a:p>
             <a:pPr algn="ctr"/>
             <a:r>
-              <a:rPr lang="en-US" sz="1600" dirty="0" smtClean="0"/>
+              <a:rPr lang="en-US" sz="1600" dirty="0"/>
               <a:t>COLLECT NODE INFORMATION STATE</a:t>
             </a:r>
-            <a:endParaRPr lang="en-US" sz="1600" dirty="0"/>
           </a:p>
         </p:txBody>
       </p:sp>
@@ -25295,10 +24441,9 @@
           <a:p>
             <a:pPr algn="ctr"/>
             <a:r>
-              <a:rPr lang="en-US" sz="1600" dirty="0" smtClean="0"/>
+              <a:rPr lang="en-US" sz="1600" dirty="0"/>
               <a:t>MAKE SCHEDULE STATE</a:t>
             </a:r>
-            <a:endParaRPr lang="en-US" sz="1600" dirty="0"/>
           </a:p>
         </p:txBody>
       </p:sp>
@@ -25339,10 +24484,9 @@
           <a:p>
             <a:pPr algn="ctr"/>
             <a:r>
-              <a:rPr lang="en-US" sz="1600" dirty="0" smtClean="0"/>
+              <a:rPr lang="en-US" sz="1600" dirty="0"/>
               <a:t>DATA TRANSMISSION STATE</a:t>
             </a:r>
-            <a:endParaRPr lang="en-US" sz="1600" dirty="0"/>
           </a:p>
         </p:txBody>
       </p:sp>
@@ -25548,10 +24692,9 @@
           <a:lstStyle/>
           <a:p>
             <a:r>
-              <a:rPr lang="en-US" dirty="0" smtClean="0"/>
+              <a:rPr lang="en-US" dirty="0"/>
               <a:t>Fig. 1: Protocol operation state</a:t>
             </a:r>
-            <a:endParaRPr lang="en-US" dirty="0"/>
           </a:p>
         </p:txBody>
       </p:sp>
@@ -25565,13 +24708,6 @@
   <p:clrMapOvr>
     <a:masterClrMapping/>
   </p:clrMapOvr>
-  <p:timing>
-    <p:tnLst>
-      <p:par>
-        <p:cTn id="1" dur="indefinite" restart="never" nodeType="tmRoot"/>
-      </p:par>
-    </p:tnLst>
-  </p:timing>
 </p:sld>
 </file>
 
@@ -25608,10 +24744,9 @@
           <a:lstStyle/>
           <a:p>
             <a:r>
-              <a:rPr lang="en-US" dirty="0" smtClean="0"/>
+              <a:rPr lang="en-US" dirty="0"/>
               <a:t>Initialize state</a:t>
             </a:r>
-            <a:endParaRPr lang="en-US" dirty="0"/>
           </a:p>
         </p:txBody>
       </p:sp>
@@ -25638,60 +24773,60 @@
           <a:lstStyle/>
           <a:p>
             <a:r>
-              <a:rPr lang="en-US" sz="2000" dirty="0" smtClean="0"/>
+              <a:rPr lang="en-US" sz="2000" dirty="0"/>
               <a:t>At initialize state, each node assigned in orchestra </a:t>
             </a:r>
             <a:r>
-              <a:rPr lang="en-US" sz="2000" dirty="0" err="1" smtClean="0"/>
+              <a:rPr lang="en-US" sz="2000" dirty="0" err="1"/>
               <a:t>slotframe</a:t>
             </a:r>
             <a:r>
-              <a:rPr lang="en-US" sz="2000" dirty="0" smtClean="0"/>
+              <a:rPr lang="en-US" sz="2000" dirty="0"/>
               <a:t>.</a:t>
             </a:r>
           </a:p>
           <a:p>
             <a:r>
-              <a:rPr lang="en-US" sz="2000" dirty="0" smtClean="0"/>
+              <a:rPr lang="en-US" sz="2000" dirty="0"/>
               <a:t>Implemented in /</a:t>
             </a:r>
             <a:r>
-              <a:rPr lang="en-US" sz="2000" dirty="0" err="1" smtClean="0"/>
+              <a:rPr lang="en-US" sz="2000" dirty="0" err="1"/>
               <a:t>contiki</a:t>
             </a:r>
             <a:r>
-              <a:rPr lang="en-US" sz="2000" dirty="0" smtClean="0"/>
+              <a:rPr lang="en-US" sz="2000" dirty="0"/>
               <a:t>-ng/</a:t>
             </a:r>
             <a:r>
-              <a:rPr lang="en-US" sz="2000" dirty="0" err="1" smtClean="0"/>
+              <a:rPr lang="en-US" sz="2000" dirty="0" err="1"/>
               <a:t>os</a:t>
             </a:r>
             <a:r>
-              <a:rPr lang="en-US" sz="2000" dirty="0" smtClean="0"/>
+              <a:rPr lang="en-US" sz="2000" dirty="0"/>
               <a:t>/services/orchestra/</a:t>
             </a:r>
             <a:r>
-              <a:rPr lang="en-US" sz="2000" dirty="0" err="1" smtClean="0"/>
+              <a:rPr lang="en-US" sz="2000" dirty="0" err="1"/>
               <a:t>cnlab</a:t>
             </a:r>
             <a:r>
-              <a:rPr lang="en-US" sz="2000" dirty="0" smtClean="0"/>
+              <a:rPr lang="en-US" sz="2000" dirty="0"/>
               <a:t>-orchestra-rule-</a:t>
             </a:r>
             <a:r>
-              <a:rPr lang="en-US" sz="2000" dirty="0" err="1" smtClean="0"/>
+              <a:rPr lang="en-US" sz="2000" dirty="0" err="1"/>
               <a:t>eb</a:t>
             </a:r>
             <a:r>
-              <a:rPr lang="en-US" sz="2000" dirty="0" smtClean="0"/>
+              <a:rPr lang="en-US" sz="2000" dirty="0"/>
               <a:t>-</a:t>
             </a:r>
             <a:r>
-              <a:rPr lang="en-US" sz="2000" dirty="0" err="1" smtClean="0"/>
+              <a:rPr lang="en-US" sz="2000" dirty="0" err="1"/>
               <a:t>period.c</a:t>
             </a:r>
-            <a:endParaRPr lang="en-US" sz="2000" dirty="0" smtClean="0"/>
+            <a:endParaRPr lang="en-US" sz="2000" dirty="0"/>
           </a:p>
           <a:p>
             <a:endParaRPr lang="en-US" sz="2000" dirty="0">
@@ -25718,7 +24853,7 @@
           <a:lstStyle/>
           <a:p>
             <a:r>
-              <a:rPr lang="en-US" smtClean="0"/>
+              <a:rPr lang="en-US"/>
               <a:t>CNLAB PROTOCOL</a:t>
             </a:r>
             <a:endParaRPr lang="en-US" dirty="0"/>
@@ -25773,15 +24908,69 @@
                 <a:tableStyleId>{5C22544A-7EE6-4342-B048-85BDC9FD1C3A}</a:tableStyleId>
               </a:tblPr>
               <a:tblGrid>
-                <a:gridCol w="1632811"/>
-                <a:gridCol w="805431"/>
-                <a:gridCol w="731104"/>
-                <a:gridCol w="648023"/>
-                <a:gridCol w="769222"/>
-                <a:gridCol w="874157"/>
-                <a:gridCol w="894379"/>
-                <a:gridCol w="858603"/>
-                <a:gridCol w="840714"/>
+                <a:gridCol w="1632811">
+                  <a:extLst>
+                    <a:ext uri="{9D8B030D-6E8A-4147-A177-3AD203B41FA5}">
+                      <a16:colId xmlns:a16="http://schemas.microsoft.com/office/drawing/2014/main" val="20000"/>
+                    </a:ext>
+                  </a:extLst>
+                </a:gridCol>
+                <a:gridCol w="805431">
+                  <a:extLst>
+                    <a:ext uri="{9D8B030D-6E8A-4147-A177-3AD203B41FA5}">
+                      <a16:colId xmlns:a16="http://schemas.microsoft.com/office/drawing/2014/main" val="20001"/>
+                    </a:ext>
+                  </a:extLst>
+                </a:gridCol>
+                <a:gridCol w="731104">
+                  <a:extLst>
+                    <a:ext uri="{9D8B030D-6E8A-4147-A177-3AD203B41FA5}">
+                      <a16:colId xmlns:a16="http://schemas.microsoft.com/office/drawing/2014/main" val="20002"/>
+                    </a:ext>
+                  </a:extLst>
+                </a:gridCol>
+                <a:gridCol w="648023">
+                  <a:extLst>
+                    <a:ext uri="{9D8B030D-6E8A-4147-A177-3AD203B41FA5}">
+                      <a16:colId xmlns:a16="http://schemas.microsoft.com/office/drawing/2014/main" val="20003"/>
+                    </a:ext>
+                  </a:extLst>
+                </a:gridCol>
+                <a:gridCol w="769222">
+                  <a:extLst>
+                    <a:ext uri="{9D8B030D-6E8A-4147-A177-3AD203B41FA5}">
+                      <a16:colId xmlns:a16="http://schemas.microsoft.com/office/drawing/2014/main" val="20004"/>
+                    </a:ext>
+                  </a:extLst>
+                </a:gridCol>
+                <a:gridCol w="874157">
+                  <a:extLst>
+                    <a:ext uri="{9D8B030D-6E8A-4147-A177-3AD203B41FA5}">
+                      <a16:colId xmlns:a16="http://schemas.microsoft.com/office/drawing/2014/main" val="20005"/>
+                    </a:ext>
+                  </a:extLst>
+                </a:gridCol>
+                <a:gridCol w="894379">
+                  <a:extLst>
+                    <a:ext uri="{9D8B030D-6E8A-4147-A177-3AD203B41FA5}">
+                      <a16:colId xmlns:a16="http://schemas.microsoft.com/office/drawing/2014/main" val="20006"/>
+                    </a:ext>
+                  </a:extLst>
+                </a:gridCol>
+                <a:gridCol w="858603">
+                  <a:extLst>
+                    <a:ext uri="{9D8B030D-6E8A-4147-A177-3AD203B41FA5}">
+                      <a16:colId xmlns:a16="http://schemas.microsoft.com/office/drawing/2014/main" val="20007"/>
+                    </a:ext>
+                  </a:extLst>
+                </a:gridCol>
+                <a:gridCol w="840714">
+                  <a:extLst>
+                    <a:ext uri="{9D8B030D-6E8A-4147-A177-3AD203B41FA5}">
+                      <a16:colId xmlns:a16="http://schemas.microsoft.com/office/drawing/2014/main" val="20008"/>
+                    </a:ext>
+                  </a:extLst>
+                </a:gridCol>
               </a:tblGrid>
               <a:tr h="297690">
                 <a:tc>
@@ -25790,7 +24979,7 @@
                     <a:lstStyle/>
                     <a:p>
                       <a:pPr algn="ctr"/>
-                      <a:endParaRPr lang="en-US" sz="1400" dirty="0" smtClean="0"/>
+                      <a:endParaRPr lang="en-US" sz="1400" dirty="0"/>
                     </a:p>
                   </a:txBody>
                   <a:tcPr>
@@ -25848,10 +25037,9 @@
                     <a:p>
                       <a:pPr algn="ctr"/>
                       <a:r>
-                        <a:rPr lang="en-US" sz="1400" dirty="0" smtClean="0"/>
+                        <a:rPr lang="en-US" sz="1400" dirty="0"/>
                         <a:t>0</a:t>
                       </a:r>
-                      <a:endParaRPr lang="en-US" sz="1400" dirty="0"/>
                     </a:p>
                   </a:txBody>
                   <a:tcPr>
@@ -25907,10 +25095,9 @@
                     <a:p>
                       <a:pPr algn="ctr"/>
                       <a:r>
-                        <a:rPr lang="en-US" sz="1400" dirty="0" smtClean="0"/>
+                        <a:rPr lang="en-US" sz="1400" dirty="0"/>
                         <a:t>1</a:t>
                       </a:r>
-                      <a:endParaRPr lang="en-US" sz="1400" dirty="0"/>
                     </a:p>
                   </a:txBody>
                   <a:tcPr>
@@ -25966,10 +25153,9 @@
                     <a:p>
                       <a:pPr algn="ctr"/>
                       <a:r>
-                        <a:rPr lang="en-US" sz="1400" dirty="0" smtClean="0"/>
+                        <a:rPr lang="en-US" sz="1400" dirty="0"/>
                         <a:t>2</a:t>
                       </a:r>
-                      <a:endParaRPr lang="en-US" sz="1400" dirty="0"/>
                     </a:p>
                   </a:txBody>
                   <a:tcPr>
@@ -26025,10 +25211,9 @@
                     <a:p>
                       <a:pPr algn="ctr"/>
                       <a:r>
-                        <a:rPr lang="en-US" sz="1400" dirty="0" smtClean="0"/>
+                        <a:rPr lang="en-US" sz="1400" dirty="0"/>
                         <a:t>3</a:t>
                       </a:r>
-                      <a:endParaRPr lang="en-US" sz="1400" dirty="0"/>
                     </a:p>
                   </a:txBody>
                   <a:tcPr>
@@ -26084,10 +25269,9 @@
                     <a:p>
                       <a:pPr algn="ctr"/>
                       <a:r>
-                        <a:rPr lang="en-US" sz="1400" dirty="0" smtClean="0"/>
+                        <a:rPr lang="en-US" sz="1400" dirty="0"/>
                         <a:t>4</a:t>
                       </a:r>
-                      <a:endParaRPr lang="en-US" sz="1400" dirty="0"/>
                     </a:p>
                   </a:txBody>
                   <a:tcPr>
@@ -26143,10 +25327,9 @@
                     <a:p>
                       <a:pPr algn="ctr"/>
                       <a:r>
-                        <a:rPr lang="en-US" sz="1400" dirty="0" smtClean="0"/>
+                        <a:rPr lang="en-US" sz="1400" dirty="0"/>
                         <a:t>5</a:t>
                       </a:r>
-                      <a:endParaRPr lang="en-US" sz="1400" dirty="0"/>
                     </a:p>
                   </a:txBody>
                   <a:tcPr>
@@ -26202,10 +25385,9 @@
                     <a:p>
                       <a:pPr algn="ctr"/>
                       <a:r>
-                        <a:rPr lang="en-US" sz="1400" dirty="0" smtClean="0"/>
+                        <a:rPr lang="en-US" sz="1400" dirty="0"/>
                         <a:t>6</a:t>
                       </a:r>
-                      <a:endParaRPr lang="en-US" sz="1400" dirty="0"/>
                     </a:p>
                   </a:txBody>
                   <a:tcPr>
@@ -26261,10 +25443,9 @@
                     <a:p>
                       <a:pPr algn="ctr"/>
                       <a:r>
-                        <a:rPr lang="en-US" sz="1400" dirty="0" smtClean="0"/>
+                        <a:rPr lang="en-US" sz="1400" dirty="0"/>
                         <a:t>7</a:t>
                       </a:r>
-                      <a:endParaRPr lang="en-US" sz="1400" dirty="0"/>
                     </a:p>
                   </a:txBody>
                   <a:tcPr>
@@ -26313,6 +25494,11 @@
                     </a:lnTlToBr>
                   </a:tcPr>
                 </a:tc>
+                <a:extLst>
+                  <a:ext uri="{0D108BD9-81ED-4DB2-BD59-A6C34878D82A}">
+                    <a16:rowId xmlns:a16="http://schemas.microsoft.com/office/drawing/2014/main" val="10000"/>
+                  </a:ext>
+                </a:extLst>
               </a:tr>
               <a:tr h="409264">
                 <a:tc>
@@ -26322,10 +25508,9 @@
                     <a:p>
                       <a:pPr algn="ctr"/>
                       <a:r>
-                        <a:rPr lang="en-US" sz="1400" dirty="0" smtClean="0"/>
+                        <a:rPr lang="en-US" sz="1400" dirty="0"/>
                         <a:t>1</a:t>
                       </a:r>
-                      <a:endParaRPr lang="en-US" sz="1400" dirty="0"/>
                     </a:p>
                   </a:txBody>
                   <a:tcPr>
@@ -26381,7 +25566,7 @@
                     <a:p>
                       <a:pPr algn="ctr"/>
                       <a:r>
-                        <a:rPr lang="en-US" sz="1400" dirty="0" err="1" smtClean="0"/>
+                        <a:rPr lang="en-US" sz="1400" dirty="0" err="1"/>
                         <a:t>Tx</a:t>
                       </a:r>
                       <a:endParaRPr lang="en-US" sz="1400" dirty="0"/>
@@ -26443,10 +25628,9 @@
                     <a:p>
                       <a:pPr algn="ctr"/>
                       <a:r>
-                        <a:rPr lang="en-US" sz="1400" dirty="0" smtClean="0"/>
+                        <a:rPr lang="en-US" sz="1400" dirty="0"/>
                         <a:t>Rx</a:t>
                       </a:r>
-                      <a:endParaRPr lang="en-US" sz="1400" dirty="0"/>
                     </a:p>
                   </a:txBody>
                   <a:tcPr>
@@ -26502,10 +25686,9 @@
                     <a:p>
                       <a:pPr algn="ctr"/>
                       <a:r>
-                        <a:rPr lang="en-US" sz="1400" dirty="0" smtClean="0"/>
+                        <a:rPr lang="en-US" sz="1400" dirty="0"/>
                         <a:t>Rx</a:t>
                       </a:r>
-                      <a:endParaRPr lang="en-US" sz="1400" dirty="0"/>
                     </a:p>
                   </a:txBody>
                   <a:tcPr>
@@ -26561,10 +25744,9 @@
                     <a:p>
                       <a:pPr algn="ctr"/>
                       <a:r>
-                        <a:rPr lang="en-US" sz="1400" dirty="0" smtClean="0"/>
+                        <a:rPr lang="en-US" sz="1400" dirty="0"/>
                         <a:t>Rx</a:t>
                       </a:r>
-                      <a:endParaRPr lang="en-US" sz="1400" dirty="0"/>
                     </a:p>
                   </a:txBody>
                   <a:tcPr>
@@ -26620,10 +25802,9 @@
                     <a:p>
                       <a:pPr algn="ctr"/>
                       <a:r>
-                        <a:rPr lang="en-US" sz="1400" dirty="0" smtClean="0"/>
+                        <a:rPr lang="en-US" sz="1400" dirty="0"/>
                         <a:t>Rx</a:t>
                       </a:r>
-                      <a:endParaRPr lang="en-US" sz="1400" dirty="0"/>
                     </a:p>
                   </a:txBody>
                   <a:tcPr>
@@ -26679,10 +25860,9 @@
                     <a:p>
                       <a:pPr algn="ctr"/>
                       <a:r>
-                        <a:rPr lang="en-US" sz="1400" dirty="0" smtClean="0"/>
+                        <a:rPr lang="en-US" sz="1400" dirty="0"/>
                         <a:t>Rx</a:t>
                       </a:r>
-                      <a:endParaRPr lang="en-US" sz="1400" dirty="0"/>
                     </a:p>
                   </a:txBody>
                   <a:tcPr>
@@ -26738,10 +25918,9 @@
                     <a:p>
                       <a:pPr algn="ctr"/>
                       <a:r>
-                        <a:rPr lang="en-US" sz="1400" dirty="0" smtClean="0"/>
+                        <a:rPr lang="en-US" sz="1400" dirty="0"/>
                         <a:t>Rx</a:t>
                       </a:r>
-                      <a:endParaRPr lang="en-US" sz="1400" dirty="0"/>
                     </a:p>
                   </a:txBody>
                   <a:tcPr>
@@ -26797,10 +25976,9 @@
                     <a:p>
                       <a:pPr algn="ctr"/>
                       <a:r>
-                        <a:rPr lang="en-US" sz="1400" dirty="0" smtClean="0"/>
+                        <a:rPr lang="en-US" sz="1400" dirty="0"/>
                         <a:t>Rx</a:t>
                       </a:r>
-                      <a:endParaRPr lang="en-US" sz="1400" dirty="0"/>
                     </a:p>
                   </a:txBody>
                   <a:tcPr>
@@ -26849,6 +26027,11 @@
                     </a:lnTlToBr>
                   </a:tcPr>
                 </a:tc>
+                <a:extLst>
+                  <a:ext uri="{0D108BD9-81ED-4DB2-BD59-A6C34878D82A}">
+                    <a16:rowId xmlns:a16="http://schemas.microsoft.com/office/drawing/2014/main" val="10001"/>
+                  </a:ext>
+                </a:extLst>
               </a:tr>
               <a:tr h="413954">
                 <a:tc>
@@ -26858,10 +26041,9 @@
                     <a:p>
                       <a:pPr algn="ctr"/>
                       <a:r>
-                        <a:rPr lang="en-US" sz="1400" dirty="0" smtClean="0"/>
+                        <a:rPr lang="en-US" sz="1400" dirty="0"/>
                         <a:t>2</a:t>
                       </a:r>
-                      <a:endParaRPr lang="en-US" sz="1400" dirty="0"/>
                     </a:p>
                   </a:txBody>
                   <a:tcPr>
@@ -26917,10 +26099,9 @@
                     <a:p>
                       <a:pPr algn="ctr"/>
                       <a:r>
-                        <a:rPr lang="en-US" sz="1400" dirty="0" smtClean="0"/>
+                        <a:rPr lang="en-US" sz="1400" dirty="0"/>
                         <a:t>Rx</a:t>
                       </a:r>
-                      <a:endParaRPr lang="en-US" sz="1400" dirty="0"/>
                     </a:p>
                   </a:txBody>
                   <a:tcPr>
@@ -26976,7 +26157,7 @@
                     <a:p>
                       <a:pPr algn="ctr"/>
                       <a:r>
-                        <a:rPr lang="en-US" sz="1400" dirty="0" err="1" smtClean="0"/>
+                        <a:rPr lang="en-US" sz="1400" dirty="0" err="1"/>
                         <a:t>Tx</a:t>
                       </a:r>
                       <a:endParaRPr lang="en-US" sz="1400" dirty="0"/>
@@ -27038,10 +26219,9 @@
                     <a:p>
                       <a:pPr algn="ctr"/>
                       <a:r>
-                        <a:rPr lang="en-US" sz="1400" dirty="0" smtClean="0"/>
+                        <a:rPr lang="en-US" sz="1400" dirty="0"/>
                         <a:t>Rx</a:t>
                       </a:r>
-                      <a:endParaRPr lang="en-US" sz="1400" dirty="0"/>
                     </a:p>
                   </a:txBody>
                   <a:tcPr>
@@ -27097,10 +26277,9 @@
                     <a:p>
                       <a:pPr algn="ctr"/>
                       <a:r>
-                        <a:rPr lang="en-US" sz="1400" dirty="0" smtClean="0"/>
+                        <a:rPr lang="en-US" sz="1400" dirty="0"/>
                         <a:t>Rx</a:t>
                       </a:r>
-                      <a:endParaRPr lang="en-US" sz="1400" dirty="0"/>
                     </a:p>
                   </a:txBody>
                   <a:tcPr>
@@ -27156,10 +26335,9 @@
                     <a:p>
                       <a:pPr algn="ctr"/>
                       <a:r>
-                        <a:rPr lang="en-US" sz="1400" dirty="0" smtClean="0"/>
+                        <a:rPr lang="en-US" sz="1400" dirty="0"/>
                         <a:t>Rx</a:t>
                       </a:r>
-                      <a:endParaRPr lang="en-US" sz="1400" dirty="0"/>
                     </a:p>
                   </a:txBody>
                   <a:tcPr>
@@ -27215,10 +26393,9 @@
                     <a:p>
                       <a:pPr algn="ctr"/>
                       <a:r>
-                        <a:rPr lang="en-US" sz="1400" dirty="0" smtClean="0"/>
+                        <a:rPr lang="en-US" sz="1400" dirty="0"/>
                         <a:t>Rx</a:t>
                       </a:r>
-                      <a:endParaRPr lang="en-US" sz="1400" dirty="0"/>
                     </a:p>
                   </a:txBody>
                   <a:tcPr>
@@ -27274,10 +26451,9 @@
                     <a:p>
                       <a:pPr algn="ctr"/>
                       <a:r>
-                        <a:rPr lang="en-US" sz="1400" dirty="0" smtClean="0"/>
+                        <a:rPr lang="en-US" sz="1400" dirty="0"/>
                         <a:t>Rx</a:t>
                       </a:r>
-                      <a:endParaRPr lang="en-US" sz="1400" dirty="0"/>
                     </a:p>
                   </a:txBody>
                   <a:tcPr>
@@ -27333,10 +26509,9 @@
                     <a:p>
                       <a:pPr algn="ctr"/>
                       <a:r>
-                        <a:rPr lang="en-US" sz="1400" dirty="0" smtClean="0"/>
+                        <a:rPr lang="en-US" sz="1400" dirty="0"/>
                         <a:t>Rx</a:t>
                       </a:r>
-                      <a:endParaRPr lang="en-US" sz="1400" dirty="0"/>
                     </a:p>
                   </a:txBody>
                   <a:tcPr>
@@ -27385,6 +26560,11 @@
                     </a:lnTlToBr>
                   </a:tcPr>
                 </a:tc>
+                <a:extLst>
+                  <a:ext uri="{0D108BD9-81ED-4DB2-BD59-A6C34878D82A}">
+                    <a16:rowId xmlns:a16="http://schemas.microsoft.com/office/drawing/2014/main" val="10002"/>
+                  </a:ext>
+                </a:extLst>
               </a:tr>
               <a:tr h="387905">
                 <a:tc>
@@ -27394,10 +26574,9 @@
                     <a:p>
                       <a:pPr algn="ctr"/>
                       <a:r>
-                        <a:rPr lang="en-US" sz="1400" dirty="0" smtClean="0"/>
+                        <a:rPr lang="en-US" sz="1400" dirty="0"/>
                         <a:t>3</a:t>
                       </a:r>
-                      <a:endParaRPr lang="en-US" sz="1400" dirty="0"/>
                     </a:p>
                   </a:txBody>
                   <a:tcPr>
@@ -27453,10 +26632,9 @@
                     <a:p>
                       <a:pPr algn="ctr"/>
                       <a:r>
-                        <a:rPr lang="en-US" sz="1400" dirty="0" smtClean="0"/>
+                        <a:rPr lang="en-US" sz="1400" dirty="0"/>
                         <a:t>Rx</a:t>
                       </a:r>
-                      <a:endParaRPr lang="en-US" sz="1400" dirty="0"/>
                     </a:p>
                   </a:txBody>
                   <a:tcPr>
@@ -27512,10 +26690,9 @@
                     <a:p>
                       <a:pPr algn="ctr"/>
                       <a:r>
-                        <a:rPr lang="en-US" sz="1400" dirty="0" smtClean="0"/>
+                        <a:rPr lang="en-US" sz="1400" dirty="0"/>
                         <a:t>Rx</a:t>
                       </a:r>
-                      <a:endParaRPr lang="en-US" sz="1400" dirty="0"/>
                     </a:p>
                   </a:txBody>
                   <a:tcPr>
@@ -27571,7 +26748,7 @@
                     <a:p>
                       <a:pPr algn="ctr"/>
                       <a:r>
-                        <a:rPr lang="en-US" sz="1400" dirty="0" err="1" smtClean="0"/>
+                        <a:rPr lang="en-US" sz="1400" dirty="0" err="1"/>
                         <a:t>Tx</a:t>
                       </a:r>
                       <a:endParaRPr lang="en-US" sz="1400" dirty="0"/>
@@ -27633,10 +26810,9 @@
                     <a:p>
                       <a:pPr algn="ctr"/>
                       <a:r>
-                        <a:rPr lang="en-US" sz="1400" dirty="0" smtClean="0"/>
+                        <a:rPr lang="en-US" sz="1400" dirty="0"/>
                         <a:t>Rx</a:t>
                       </a:r>
-                      <a:endParaRPr lang="en-US" sz="1400" dirty="0"/>
                     </a:p>
                   </a:txBody>
                   <a:tcPr>
@@ -27692,10 +26868,9 @@
                     <a:p>
                       <a:pPr algn="ctr"/>
                       <a:r>
-                        <a:rPr lang="en-US" sz="1400" dirty="0" smtClean="0"/>
+                        <a:rPr lang="en-US" sz="1400" dirty="0"/>
                         <a:t>Rx</a:t>
                       </a:r>
-                      <a:endParaRPr lang="en-US" sz="1400" dirty="0"/>
                     </a:p>
                   </a:txBody>
                   <a:tcPr>
@@ -27751,10 +26926,9 @@
                     <a:p>
                       <a:pPr algn="ctr"/>
                       <a:r>
-                        <a:rPr lang="en-US" sz="1400" dirty="0" smtClean="0"/>
+                        <a:rPr lang="en-US" sz="1400" dirty="0"/>
                         <a:t>Rx</a:t>
                       </a:r>
-                      <a:endParaRPr lang="en-US" sz="1400" dirty="0"/>
                     </a:p>
                   </a:txBody>
                   <a:tcPr>
@@ -27810,10 +26984,9 @@
                     <a:p>
                       <a:pPr algn="ctr"/>
                       <a:r>
-                        <a:rPr lang="en-US" sz="1400" dirty="0" smtClean="0"/>
+                        <a:rPr lang="en-US" sz="1400" dirty="0"/>
                         <a:t>Rx</a:t>
                       </a:r>
-                      <a:endParaRPr lang="en-US" sz="1400" dirty="0"/>
                     </a:p>
                   </a:txBody>
                   <a:tcPr>
@@ -27869,10 +27042,9 @@
                     <a:p>
                       <a:pPr algn="ctr"/>
                       <a:r>
-                        <a:rPr lang="en-US" sz="1400" dirty="0" smtClean="0"/>
+                        <a:rPr lang="en-US" sz="1400" dirty="0"/>
                         <a:t>Rx</a:t>
                       </a:r>
-                      <a:endParaRPr lang="en-US" sz="1400" dirty="0"/>
                     </a:p>
                   </a:txBody>
                   <a:tcPr>
@@ -27921,6 +27093,11 @@
                     </a:lnTlToBr>
                   </a:tcPr>
                 </a:tc>
+                <a:extLst>
+                  <a:ext uri="{0D108BD9-81ED-4DB2-BD59-A6C34878D82A}">
+                    <a16:rowId xmlns:a16="http://schemas.microsoft.com/office/drawing/2014/main" val="10003"/>
+                  </a:ext>
+                </a:extLst>
               </a:tr>
               <a:tr h="393895">
                 <a:tc>
@@ -27930,10 +27107,9 @@
                     <a:p>
                       <a:pPr algn="ctr"/>
                       <a:r>
-                        <a:rPr lang="en-US" sz="1400" dirty="0" smtClean="0"/>
+                        <a:rPr lang="en-US" sz="1400" dirty="0"/>
                         <a:t>4</a:t>
                       </a:r>
-                      <a:endParaRPr lang="en-US" sz="1400" dirty="0"/>
                     </a:p>
                   </a:txBody>
                   <a:tcPr>
@@ -27989,10 +27165,9 @@
                     <a:p>
                       <a:pPr algn="ctr"/>
                       <a:r>
-                        <a:rPr lang="en-US" sz="1400" dirty="0" smtClean="0"/>
+                        <a:rPr lang="en-US" sz="1400" dirty="0"/>
                         <a:t>Rx</a:t>
                       </a:r>
-                      <a:endParaRPr lang="en-US" sz="1400" dirty="0"/>
                     </a:p>
                   </a:txBody>
                   <a:tcPr>
@@ -28048,10 +27223,9 @@
                     <a:p>
                       <a:pPr algn="ctr"/>
                       <a:r>
-                        <a:rPr lang="en-US" sz="1400" dirty="0" smtClean="0"/>
+                        <a:rPr lang="en-US" sz="1400" dirty="0"/>
                         <a:t>Rx</a:t>
                       </a:r>
-                      <a:endParaRPr lang="en-US" sz="1400" dirty="0"/>
                     </a:p>
                   </a:txBody>
                   <a:tcPr>
@@ -28107,10 +27281,9 @@
                     <a:p>
                       <a:pPr algn="ctr"/>
                       <a:r>
-                        <a:rPr lang="en-US" sz="1400" dirty="0" smtClean="0"/>
+                        <a:rPr lang="en-US" sz="1400" dirty="0"/>
                         <a:t>Rx</a:t>
                       </a:r>
-                      <a:endParaRPr lang="en-US" sz="1400" dirty="0"/>
                     </a:p>
                   </a:txBody>
                   <a:tcPr>
@@ -28166,7 +27339,7 @@
                     <a:p>
                       <a:pPr algn="ctr"/>
                       <a:r>
-                        <a:rPr lang="en-US" sz="1400" dirty="0" err="1" smtClean="0"/>
+                        <a:rPr lang="en-US" sz="1400" dirty="0" err="1"/>
                         <a:t>Tx</a:t>
                       </a:r>
                       <a:endParaRPr lang="en-US" sz="1400" dirty="0"/>
@@ -28228,10 +27401,9 @@
                     <a:p>
                       <a:pPr algn="ctr"/>
                       <a:r>
-                        <a:rPr lang="en-US" sz="1400" dirty="0" smtClean="0"/>
+                        <a:rPr lang="en-US" sz="1400" dirty="0"/>
                         <a:t>Rx</a:t>
                       </a:r>
-                      <a:endParaRPr lang="en-US" sz="1400" dirty="0"/>
                     </a:p>
                   </a:txBody>
                   <a:tcPr>
@@ -28287,10 +27459,9 @@
                     <a:p>
                       <a:pPr algn="ctr"/>
                       <a:r>
-                        <a:rPr lang="en-US" sz="1400" dirty="0" smtClean="0"/>
+                        <a:rPr lang="en-US" sz="1400" dirty="0"/>
                         <a:t>Rx</a:t>
                       </a:r>
-                      <a:endParaRPr lang="en-US" sz="1400" dirty="0"/>
                     </a:p>
                   </a:txBody>
                   <a:tcPr>
@@ -28346,10 +27517,9 @@
                     <a:p>
                       <a:pPr algn="ctr"/>
                       <a:r>
-                        <a:rPr lang="en-US" sz="1400" dirty="0" smtClean="0"/>
+                        <a:rPr lang="en-US" sz="1400" dirty="0"/>
                         <a:t>Rx</a:t>
                       </a:r>
-                      <a:endParaRPr lang="en-US" sz="1400" dirty="0"/>
                     </a:p>
                   </a:txBody>
                   <a:tcPr>
@@ -28405,10 +27575,9 @@
                     <a:p>
                       <a:pPr algn="ctr"/>
                       <a:r>
-                        <a:rPr lang="en-US" sz="1400" dirty="0" smtClean="0"/>
+                        <a:rPr lang="en-US" sz="1400" dirty="0"/>
                         <a:t>Rx</a:t>
                       </a:r>
-                      <a:endParaRPr lang="en-US" sz="1400" dirty="0"/>
                     </a:p>
                   </a:txBody>
                   <a:tcPr>
@@ -28457,6 +27626,11 @@
                     </a:lnTlToBr>
                   </a:tcPr>
                 </a:tc>
+                <a:extLst>
+                  <a:ext uri="{0D108BD9-81ED-4DB2-BD59-A6C34878D82A}">
+                    <a16:rowId xmlns:a16="http://schemas.microsoft.com/office/drawing/2014/main" val="10004"/>
+                  </a:ext>
+                </a:extLst>
               </a:tr>
               <a:tr h="393896">
                 <a:tc>
@@ -28466,10 +27640,9 @@
                     <a:p>
                       <a:pPr algn="ctr"/>
                       <a:r>
-                        <a:rPr lang="en-US" sz="1400" dirty="0" smtClean="0"/>
+                        <a:rPr lang="en-US" sz="1400" dirty="0"/>
                         <a:t>5</a:t>
                       </a:r>
-                      <a:endParaRPr lang="en-US" sz="1400" dirty="0"/>
                     </a:p>
                   </a:txBody>
                   <a:tcPr>
@@ -28525,10 +27698,9 @@
                     <a:p>
                       <a:pPr algn="ctr"/>
                       <a:r>
-                        <a:rPr lang="en-US" sz="1400" dirty="0" smtClean="0"/>
+                        <a:rPr lang="en-US" sz="1400" dirty="0"/>
                         <a:t>Rx</a:t>
                       </a:r>
-                      <a:endParaRPr lang="en-US" sz="1400" dirty="0"/>
                     </a:p>
                   </a:txBody>
                   <a:tcPr>
@@ -28584,10 +27756,9 @@
                     <a:p>
                       <a:pPr algn="ctr"/>
                       <a:r>
-                        <a:rPr lang="en-US" sz="1400" dirty="0" smtClean="0"/>
+                        <a:rPr lang="en-US" sz="1400" dirty="0"/>
                         <a:t>Rx</a:t>
                       </a:r>
-                      <a:endParaRPr lang="en-US" sz="1400" dirty="0"/>
                     </a:p>
                   </a:txBody>
                   <a:tcPr>
@@ -28643,10 +27814,9 @@
                     <a:p>
                       <a:pPr algn="ctr"/>
                       <a:r>
-                        <a:rPr lang="en-US" sz="1400" dirty="0" smtClean="0"/>
+                        <a:rPr lang="en-US" sz="1400" dirty="0"/>
                         <a:t>Rx</a:t>
                       </a:r>
-                      <a:endParaRPr lang="en-US" sz="1400" dirty="0"/>
                     </a:p>
                   </a:txBody>
                   <a:tcPr>
@@ -28702,10 +27872,9 @@
                     <a:p>
                       <a:pPr algn="ctr"/>
                       <a:r>
-                        <a:rPr lang="en-US" sz="1400" dirty="0" smtClean="0"/>
+                        <a:rPr lang="en-US" sz="1400" dirty="0"/>
                         <a:t>Rx</a:t>
                       </a:r>
-                      <a:endParaRPr lang="en-US" sz="1400" dirty="0"/>
                     </a:p>
                   </a:txBody>
                   <a:tcPr>
@@ -28761,7 +27930,7 @@
                     <a:p>
                       <a:pPr algn="ctr"/>
                       <a:r>
-                        <a:rPr lang="en-US" sz="1400" dirty="0" err="1" smtClean="0"/>
+                        <a:rPr lang="en-US" sz="1400" dirty="0" err="1"/>
                         <a:t>Tx</a:t>
                       </a:r>
                       <a:endParaRPr lang="en-US" sz="1400" dirty="0"/>
@@ -28823,10 +27992,9 @@
                     <a:p>
                       <a:pPr algn="ctr"/>
                       <a:r>
-                        <a:rPr lang="en-US" sz="1400" dirty="0" smtClean="0"/>
+                        <a:rPr lang="en-US" sz="1400" dirty="0"/>
                         <a:t>Rx</a:t>
                       </a:r>
-                      <a:endParaRPr lang="en-US" sz="1400" dirty="0"/>
                     </a:p>
                   </a:txBody>
                   <a:tcPr>
@@ -28898,7 +28066,7 @@
                         <a:defRPr/>
                       </a:pPr>
                       <a:r>
-                        <a:rPr lang="en-US" sz="1400" dirty="0" smtClean="0"/>
+                        <a:rPr lang="en-US" sz="1400" dirty="0"/>
                         <a:t>Rx</a:t>
                       </a:r>
                     </a:p>
@@ -28972,7 +28140,7 @@
                         <a:defRPr/>
                       </a:pPr>
                       <a:r>
-                        <a:rPr lang="en-US" sz="1400" dirty="0" smtClean="0"/>
+                        <a:rPr lang="en-US" sz="1400" dirty="0"/>
                         <a:t>Rx</a:t>
                       </a:r>
                     </a:p>
@@ -29023,6 +28191,11 @@
                     </a:lnTlToBr>
                   </a:tcPr>
                 </a:tc>
+                <a:extLst>
+                  <a:ext uri="{0D108BD9-81ED-4DB2-BD59-A6C34878D82A}">
+                    <a16:rowId xmlns:a16="http://schemas.microsoft.com/office/drawing/2014/main" val="10005"/>
+                  </a:ext>
+                </a:extLst>
               </a:tr>
               <a:tr h="379827">
                 <a:tc>
@@ -29032,10 +28205,9 @@
                     <a:p>
                       <a:pPr algn="ctr"/>
                       <a:r>
-                        <a:rPr lang="en-US" sz="1400" dirty="0" smtClean="0"/>
+                        <a:rPr lang="en-US" sz="1400" dirty="0"/>
                         <a:t>6</a:t>
                       </a:r>
-                      <a:endParaRPr lang="en-US" sz="1400" dirty="0"/>
                     </a:p>
                   </a:txBody>
                   <a:tcPr>
@@ -29091,10 +28263,9 @@
                     <a:p>
                       <a:pPr algn="ctr"/>
                       <a:r>
-                        <a:rPr lang="en-US" sz="1400" dirty="0" smtClean="0"/>
+                        <a:rPr lang="en-US" sz="1400" dirty="0"/>
                         <a:t>Rx</a:t>
                       </a:r>
-                      <a:endParaRPr lang="en-US" sz="1400" dirty="0"/>
                     </a:p>
                   </a:txBody>
                   <a:tcPr>
@@ -29150,10 +28321,9 @@
                     <a:p>
                       <a:pPr algn="ctr"/>
                       <a:r>
-                        <a:rPr lang="en-US" sz="1400" dirty="0" smtClean="0"/>
+                        <a:rPr lang="en-US" sz="1400" dirty="0"/>
                         <a:t>Rx</a:t>
                       </a:r>
-                      <a:endParaRPr lang="en-US" sz="1400" dirty="0"/>
                     </a:p>
                   </a:txBody>
                   <a:tcPr>
@@ -29209,10 +28379,9 @@
                     <a:p>
                       <a:pPr algn="ctr"/>
                       <a:r>
-                        <a:rPr lang="en-US" sz="1400" dirty="0" smtClean="0"/>
+                        <a:rPr lang="en-US" sz="1400" dirty="0"/>
                         <a:t>Rx</a:t>
                       </a:r>
-                      <a:endParaRPr lang="en-US" sz="1400" dirty="0"/>
                     </a:p>
                   </a:txBody>
                   <a:tcPr>
@@ -29268,10 +28437,9 @@
                     <a:p>
                       <a:pPr algn="ctr"/>
                       <a:r>
-                        <a:rPr lang="en-US" sz="1400" dirty="0" smtClean="0"/>
+                        <a:rPr lang="en-US" sz="1400" dirty="0"/>
                         <a:t>Rx</a:t>
                       </a:r>
-                      <a:endParaRPr lang="en-US" sz="1400" dirty="0"/>
                     </a:p>
                   </a:txBody>
                   <a:tcPr>
@@ -29327,10 +28495,9 @@
                     <a:p>
                       <a:pPr algn="ctr"/>
                       <a:r>
-                        <a:rPr lang="en-US" sz="1400" dirty="0" smtClean="0"/>
+                        <a:rPr lang="en-US" sz="1400" dirty="0"/>
                         <a:t>Rx</a:t>
                       </a:r>
-                      <a:endParaRPr lang="en-US" sz="1400" dirty="0"/>
                     </a:p>
                   </a:txBody>
                   <a:tcPr>
@@ -29386,7 +28553,7 @@
                     <a:p>
                       <a:pPr algn="ctr"/>
                       <a:r>
-                        <a:rPr lang="en-US" sz="1400" dirty="0" err="1" smtClean="0"/>
+                        <a:rPr lang="en-US" sz="1400" dirty="0" err="1"/>
                         <a:t>Tx</a:t>
                       </a:r>
                       <a:endParaRPr lang="en-US" sz="1400" dirty="0"/>
@@ -29464,7 +28631,7 @@
                         <a:defRPr/>
                       </a:pPr>
                       <a:r>
-                        <a:rPr lang="en-US" sz="1400" dirty="0" smtClean="0"/>
+                        <a:rPr lang="en-US" sz="1400" dirty="0"/>
                         <a:t>Rx</a:t>
                       </a:r>
                     </a:p>
@@ -29538,7 +28705,7 @@
                         <a:defRPr/>
                       </a:pPr>
                       <a:r>
-                        <a:rPr lang="en-US" sz="1400" dirty="0" smtClean="0"/>
+                        <a:rPr lang="en-US" sz="1400" dirty="0"/>
                         <a:t>Rx</a:t>
                       </a:r>
                     </a:p>
@@ -29589,6 +28756,11 @@
                     </a:lnTlToBr>
                   </a:tcPr>
                 </a:tc>
+                <a:extLst>
+                  <a:ext uri="{0D108BD9-81ED-4DB2-BD59-A6C34878D82A}">
+                    <a16:rowId xmlns:a16="http://schemas.microsoft.com/office/drawing/2014/main" val="10006"/>
+                  </a:ext>
+                </a:extLst>
               </a:tr>
               <a:tr h="384852">
                 <a:tc>
@@ -29598,10 +28770,9 @@
                     <a:p>
                       <a:pPr algn="ctr"/>
                       <a:r>
-                        <a:rPr lang="en-US" sz="1400" dirty="0" smtClean="0"/>
+                        <a:rPr lang="en-US" sz="1400" dirty="0"/>
                         <a:t>7</a:t>
                       </a:r>
-                      <a:endParaRPr lang="en-US" sz="1400" dirty="0"/>
                     </a:p>
                   </a:txBody>
                   <a:tcPr>
@@ -29657,10 +28828,9 @@
                     <a:p>
                       <a:pPr algn="ctr"/>
                       <a:r>
-                        <a:rPr lang="en-US" sz="1400" dirty="0" smtClean="0"/>
+                        <a:rPr lang="en-US" sz="1400" dirty="0"/>
                         <a:t>Rx</a:t>
                       </a:r>
-                      <a:endParaRPr lang="en-US" sz="1400" dirty="0"/>
                     </a:p>
                   </a:txBody>
                   <a:tcPr>
@@ -29716,10 +28886,9 @@
                     <a:p>
                       <a:pPr algn="ctr"/>
                       <a:r>
-                        <a:rPr lang="en-US" sz="1400" dirty="0" smtClean="0"/>
+                        <a:rPr lang="en-US" sz="1400" dirty="0"/>
                         <a:t>Rx</a:t>
                       </a:r>
-                      <a:endParaRPr lang="en-US" sz="1400" dirty="0"/>
                     </a:p>
                   </a:txBody>
                   <a:tcPr>
@@ -29775,10 +28944,9 @@
                     <a:p>
                       <a:pPr algn="ctr"/>
                       <a:r>
-                        <a:rPr lang="en-US" sz="1400" dirty="0" smtClean="0"/>
+                        <a:rPr lang="en-US" sz="1400" dirty="0"/>
                         <a:t>Rx</a:t>
                       </a:r>
-                      <a:endParaRPr lang="en-US" sz="1400" dirty="0"/>
                     </a:p>
                   </a:txBody>
                   <a:tcPr>
@@ -29834,10 +29002,9 @@
                     <a:p>
                       <a:pPr algn="ctr"/>
                       <a:r>
-                        <a:rPr lang="en-US" sz="1400" dirty="0" smtClean="0"/>
+                        <a:rPr lang="en-US" sz="1400" dirty="0"/>
                         <a:t>Rx</a:t>
                       </a:r>
-                      <a:endParaRPr lang="en-US" sz="1400" dirty="0"/>
                     </a:p>
                   </a:txBody>
                   <a:tcPr>
@@ -29893,10 +29060,9 @@
                     <a:p>
                       <a:pPr algn="ctr"/>
                       <a:r>
-                        <a:rPr lang="en-US" sz="1400" dirty="0" smtClean="0"/>
+                        <a:rPr lang="en-US" sz="1400" dirty="0"/>
                         <a:t>Rx</a:t>
                       </a:r>
-                      <a:endParaRPr lang="en-US" sz="1400" dirty="0"/>
                     </a:p>
                   </a:txBody>
                   <a:tcPr>
@@ -29952,10 +29118,9 @@
                     <a:p>
                       <a:pPr algn="ctr"/>
                       <a:r>
-                        <a:rPr lang="en-US" sz="1400" dirty="0" smtClean="0"/>
+                        <a:rPr lang="en-US" sz="1400" dirty="0"/>
                         <a:t>Rx</a:t>
                       </a:r>
-                      <a:endParaRPr lang="en-US" sz="1400" dirty="0"/>
                     </a:p>
                   </a:txBody>
                   <a:tcPr>
@@ -30027,10 +29192,10 @@
                         <a:defRPr/>
                       </a:pPr>
                       <a:r>
-                        <a:rPr lang="en-US" sz="1400" dirty="0" err="1" smtClean="0"/>
+                        <a:rPr lang="en-US" sz="1400" dirty="0" err="1"/>
                         <a:t>Tx</a:t>
                       </a:r>
-                      <a:endParaRPr lang="en-US" sz="1400" dirty="0" smtClean="0"/>
+                      <a:endParaRPr lang="en-US" sz="1400" dirty="0"/>
                     </a:p>
                   </a:txBody>
                   <a:tcPr>
@@ -30105,7 +29270,7 @@
                         <a:defRPr/>
                       </a:pPr>
                       <a:r>
-                        <a:rPr lang="en-US" sz="1400" dirty="0" smtClean="0"/>
+                        <a:rPr lang="en-US" sz="1400" dirty="0"/>
                         <a:t>Rx</a:t>
                       </a:r>
                     </a:p>
@@ -30156,6 +29321,11 @@
                     </a:lnTlToBr>
                   </a:tcPr>
                 </a:tc>
+                <a:extLst>
+                  <a:ext uri="{0D108BD9-81ED-4DB2-BD59-A6C34878D82A}">
+                    <a16:rowId xmlns:a16="http://schemas.microsoft.com/office/drawing/2014/main" val="10007"/>
+                  </a:ext>
+                </a:extLst>
               </a:tr>
               <a:tr h="346668">
                 <a:tc>
@@ -30165,10 +29335,9 @@
                     <a:p>
                       <a:pPr algn="ctr"/>
                       <a:r>
-                        <a:rPr lang="en-US" sz="1400" dirty="0" smtClean="0"/>
+                        <a:rPr lang="en-US" sz="1400" dirty="0"/>
                         <a:t>8</a:t>
                       </a:r>
-                      <a:endParaRPr lang="en-US" sz="1400" dirty="0"/>
                     </a:p>
                   </a:txBody>
                   <a:tcPr>
@@ -30224,10 +29393,9 @@
                     <a:p>
                       <a:pPr algn="ctr"/>
                       <a:r>
-                        <a:rPr lang="en-US" sz="1400" dirty="0" smtClean="0"/>
+                        <a:rPr lang="en-US" sz="1400" dirty="0"/>
                         <a:t>Rx</a:t>
                       </a:r>
-                      <a:endParaRPr lang="en-US" sz="1400" dirty="0"/>
                     </a:p>
                   </a:txBody>
                   <a:tcPr>
@@ -30283,10 +29451,9 @@
                     <a:p>
                       <a:pPr algn="ctr"/>
                       <a:r>
-                        <a:rPr lang="en-US" sz="1400" dirty="0" smtClean="0"/>
+                        <a:rPr lang="en-US" sz="1400" dirty="0"/>
                         <a:t>Rx</a:t>
                       </a:r>
-                      <a:endParaRPr lang="en-US" sz="1400" dirty="0"/>
                     </a:p>
                   </a:txBody>
                   <a:tcPr>
@@ -30342,10 +29509,9 @@
                     <a:p>
                       <a:pPr algn="ctr"/>
                       <a:r>
-                        <a:rPr lang="en-US" sz="1400" dirty="0" smtClean="0"/>
+                        <a:rPr lang="en-US" sz="1400" dirty="0"/>
                         <a:t>Rx</a:t>
                       </a:r>
-                      <a:endParaRPr lang="en-US" sz="1400" dirty="0"/>
                     </a:p>
                   </a:txBody>
                   <a:tcPr>
@@ -30401,10 +29567,9 @@
                     <a:p>
                       <a:pPr algn="ctr"/>
                       <a:r>
-                        <a:rPr lang="en-US" sz="1400" dirty="0" smtClean="0"/>
+                        <a:rPr lang="en-US" sz="1400" dirty="0"/>
                         <a:t>Rx</a:t>
                       </a:r>
-                      <a:endParaRPr lang="en-US" sz="1400" dirty="0"/>
                     </a:p>
                   </a:txBody>
                   <a:tcPr>
@@ -30460,10 +29625,9 @@
                     <a:p>
                       <a:pPr algn="ctr"/>
                       <a:r>
-                        <a:rPr lang="en-US" sz="1400" dirty="0" smtClean="0"/>
+                        <a:rPr lang="en-US" sz="1400" dirty="0"/>
                         <a:t>Rx</a:t>
                       </a:r>
-                      <a:endParaRPr lang="en-US" sz="1400" dirty="0"/>
                     </a:p>
                   </a:txBody>
                   <a:tcPr>
@@ -30519,10 +29683,9 @@
                     <a:p>
                       <a:pPr algn="ctr"/>
                       <a:r>
-                        <a:rPr lang="en-US" sz="1400" dirty="0" smtClean="0"/>
+                        <a:rPr lang="en-US" sz="1400" dirty="0"/>
                         <a:t>Rx</a:t>
                       </a:r>
-                      <a:endParaRPr lang="en-US" sz="1400" dirty="0"/>
                     </a:p>
                   </a:txBody>
                   <a:tcPr>
@@ -30594,7 +29757,7 @@
                         <a:defRPr/>
                       </a:pPr>
                       <a:r>
-                        <a:rPr lang="en-US" sz="1400" dirty="0" smtClean="0"/>
+                        <a:rPr lang="en-US" sz="1400" dirty="0"/>
                         <a:t>Rx</a:t>
                       </a:r>
                     </a:p>
@@ -30652,7 +29815,7 @@
                     <a:p>
                       <a:pPr algn="ctr"/>
                       <a:r>
-                        <a:rPr lang="en-US" sz="1400" dirty="0" err="1" smtClean="0"/>
+                        <a:rPr lang="en-US" sz="1400" dirty="0" err="1"/>
                         <a:t>Tx</a:t>
                       </a:r>
                       <a:endParaRPr lang="en-US" sz="1400" dirty="0"/>
@@ -30707,6 +29870,11 @@
                     </a:solidFill>
                   </a:tcPr>
                 </a:tc>
+                <a:extLst>
+                  <a:ext uri="{0D108BD9-81ED-4DB2-BD59-A6C34878D82A}">
+                    <a16:rowId xmlns:a16="http://schemas.microsoft.com/office/drawing/2014/main" val="10008"/>
+                  </a:ext>
+                </a:extLst>
               </a:tr>
             </a:tbl>
           </a:graphicData>
@@ -30735,10 +29903,9 @@
           <a:lstStyle/>
           <a:p>
             <a:r>
-              <a:rPr lang="en-US" sz="1400" dirty="0" smtClean="0"/>
+              <a:rPr lang="en-US" sz="1400" dirty="0"/>
               <a:t>Timeslot</a:t>
             </a:r>
-            <a:endParaRPr lang="en-US" sz="1400" dirty="0"/>
           </a:p>
         </p:txBody>
       </p:sp>
@@ -30765,10 +29932,9 @@
           <a:lstStyle/>
           <a:p>
             <a:r>
-              <a:rPr lang="en-US" sz="1400" dirty="0" smtClean="0"/>
+              <a:rPr lang="en-US" sz="1400" dirty="0"/>
               <a:t>Node ID</a:t>
             </a:r>
-            <a:endParaRPr lang="en-US" sz="1400" dirty="0"/>
           </a:p>
         </p:txBody>
       </p:sp>
@@ -30795,17 +29961,17 @@
           <a:lstStyle/>
           <a:p>
             <a:r>
-              <a:rPr lang="en-US" sz="1400" dirty="0" err="1" smtClean="0"/>
+              <a:rPr lang="en-US" sz="1400" dirty="0" err="1"/>
               <a:t>Tx</a:t>
             </a:r>
             <a:r>
-              <a:rPr lang="en-US" sz="1400" dirty="0" smtClean="0"/>
+              <a:rPr lang="en-US" sz="1400" dirty="0"/>
               <a:t>: Transmit</a:t>
             </a:r>
           </a:p>
           <a:p>
             <a:r>
-              <a:rPr lang="en-US" sz="1400" dirty="0" smtClean="0"/>
+              <a:rPr lang="en-US" sz="1400" dirty="0"/>
               <a:t>Rx: Receive</a:t>
             </a:r>
           </a:p>
@@ -30814,10 +29980,9 @@
           </a:p>
           <a:p>
             <a:r>
-              <a:rPr lang="en-US" sz="1400" dirty="0" smtClean="0"/>
+              <a:rPr lang="en-US" sz="1400" dirty="0"/>
               <a:t>Timeslot 0 -&gt; 7: Assigned for Node 1 -&gt; 8 respectively</a:t>
             </a:r>
-            <a:endParaRPr lang="en-US" sz="1400" dirty="0"/>
           </a:p>
         </p:txBody>
       </p:sp>
@@ -30844,18 +30009,17 @@
           <a:lstStyle/>
           <a:p>
             <a:r>
-              <a:rPr lang="en-US" dirty="0" smtClean="0"/>
+              <a:rPr lang="en-US" dirty="0"/>
               <a:t>Table 1: Example of Orchestra </a:t>
             </a:r>
             <a:r>
-              <a:rPr lang="en-US" dirty="0" err="1" smtClean="0"/>
+              <a:rPr lang="en-US" dirty="0" err="1"/>
               <a:t>slotframe</a:t>
             </a:r>
             <a:r>
-              <a:rPr lang="en-US" dirty="0" smtClean="0"/>
+              <a:rPr lang="en-US" dirty="0"/>
               <a:t> with 8 nodes.</a:t>
             </a:r>
-            <a:endParaRPr lang="en-US" dirty="0"/>
           </a:p>
         </p:txBody>
       </p:sp>
@@ -30933,13 +30097,6 @@
   <p:clrMapOvr>
     <a:masterClrMapping/>
   </p:clrMapOvr>
-  <p:timing>
-    <p:tnLst>
-      <p:par>
-        <p:cTn id="1" dur="indefinite" restart="never" nodeType="tmRoot"/>
-      </p:par>
-    </p:tnLst>
-  </p:timing>
 </p:sld>
 </file>
 
@@ -31009,7 +30166,7 @@
               <a:buChar char="•"/>
             </a:pPr>
             <a:r>
-              <a:rPr lang="en-US" dirty="0" smtClean="0"/>
+              <a:rPr lang="en-US" dirty="0"/>
               <a:t> Coordinator broadcast EB packet at timeslot 0.</a:t>
             </a:r>
           </a:p>
@@ -31020,11 +30177,7 @@
             </a:pPr>
             <a:r>
               <a:rPr lang="en-US" dirty="0"/>
-              <a:t> </a:t>
-            </a:r>
-            <a:r>
-              <a:rPr lang="en-US" dirty="0" smtClean="0"/>
-              <a:t>All the sensor node in scan mode.</a:t>
+              <a:t> All the sensor node in scan mode.</a:t>
             </a:r>
           </a:p>
         </p:txBody>
@@ -31045,7 +30198,7 @@
           <a:lstStyle/>
           <a:p>
             <a:r>
-              <a:rPr lang="en-US" smtClean="0"/>
+              <a:rPr lang="en-US"/>
               <a:t>CNLAB PROTOCOL</a:t>
             </a:r>
             <a:endParaRPr lang="en-US" dirty="0"/>
@@ -31112,10 +30265,9 @@
           <a:p>
             <a:pPr algn="ctr"/>
             <a:r>
-              <a:rPr lang="en-US" sz="1600" dirty="0" smtClean="0"/>
+              <a:rPr lang="en-US" sz="1600" dirty="0"/>
               <a:t>1</a:t>
             </a:r>
-            <a:endParaRPr lang="en-US" sz="1600" dirty="0"/>
           </a:p>
         </p:txBody>
       </p:sp>
@@ -31499,7 +30651,7 @@
           <a:lstStyle/>
           <a:p>
             <a:r>
-              <a:rPr lang="en-US" dirty="0" smtClean="0"/>
+              <a:rPr lang="en-US" dirty="0"/>
               <a:t>Fig. 2: Example network in initialize state.</a:t>
             </a:r>
           </a:p>
@@ -31558,13 +30710,6 @@
   <p:clrMapOvr>
     <a:masterClrMapping/>
   </p:clrMapOvr>
-  <p:timing>
-    <p:tnLst>
-      <p:par>
-        <p:cTn id="1" dur="indefinite" restart="never" nodeType="tmRoot"/>
-      </p:par>
-    </p:tnLst>
-  </p:timing>
 </p:sld>
 </file>
 
@@ -31634,16 +30779,15 @@
               <a:buChar char="•"/>
             </a:pPr>
             <a:r>
-              <a:rPr lang="en-US" dirty="0" smtClean="0"/>
+              <a:rPr lang="en-US" dirty="0"/>
               <a:t>If the node receive EB packet, it will join the network and broadcast EB packet in it assigned timeslot.(Node 4 (timeslot 3))</a:t>
             </a:r>
           </a:p>
           <a:p>
             <a:r>
-              <a:rPr lang="en-US" dirty="0" smtClean="0"/>
+              <a:rPr lang="en-US" dirty="0"/>
               <a:t>After sensor node join to the network, it will broadcast its EB packet.</a:t>
             </a:r>
-            <a:endParaRPr lang="en-US" dirty="0"/>
           </a:p>
         </p:txBody>
       </p:sp>
@@ -31663,7 +30807,7 @@
           <a:lstStyle/>
           <a:p>
             <a:r>
-              <a:rPr lang="en-US" smtClean="0"/>
+              <a:rPr lang="en-US"/>
               <a:t>CNLAB PROTOCOL</a:t>
             </a:r>
             <a:endParaRPr lang="en-US" dirty="0"/>
@@ -31730,10 +30874,9 @@
           <a:p>
             <a:pPr algn="ctr"/>
             <a:r>
-              <a:rPr lang="en-US" sz="1600" dirty="0" smtClean="0"/>
+              <a:rPr lang="en-US" sz="1600" dirty="0"/>
               <a:t>1</a:t>
             </a:r>
-            <a:endParaRPr lang="en-US" sz="1600" dirty="0"/>
           </a:p>
         </p:txBody>
       </p:sp>
@@ -32018,7 +31161,7 @@
           <a:lstStyle/>
           <a:p>
             <a:r>
-              <a:rPr lang="en-US" dirty="0" smtClean="0"/>
+              <a:rPr lang="en-US" dirty="0"/>
               <a:t>Fig. 2: Example network in initialize state.</a:t>
             </a:r>
           </a:p>
@@ -32478,13 +31621,6 @@
   <p:clrMapOvr>
     <a:masterClrMapping/>
   </p:clrMapOvr>
-  <p:timing>
-    <p:tnLst>
-      <p:par>
-        <p:cTn id="1" dur="indefinite" restart="never" nodeType="tmRoot"/>
-      </p:par>
-    </p:tnLst>
-  </p:timing>
 </p:sld>
 </file>
 
@@ -32550,7 +31686,7 @@
           <a:lstStyle/>
           <a:p>
             <a:r>
-              <a:rPr lang="en-US" sz="2000" dirty="0" smtClean="0">
+              <a:rPr lang="en-US" sz="2000" dirty="0">
                 <a:sym typeface="Wingdings"/>
               </a:rPr>
               <a:t>We predefine MAX_DEPTH_LEVEL(16) for initialize state to wait for all node receive EB and join the network.</a:t>
@@ -32558,116 +31694,98 @@
           </a:p>
           <a:p>
             <a:r>
-              <a:rPr lang="en-US" sz="2000" dirty="0" smtClean="0">
+              <a:rPr lang="en-US" sz="2000" dirty="0">
                 <a:sym typeface="Wingdings"/>
               </a:rPr>
               <a:t>An event timer will be </a:t>
             </a:r>
             <a:r>
-              <a:rPr lang="en-US" sz="2000" dirty="0" err="1" smtClean="0">
+              <a:rPr lang="en-US" sz="2000" dirty="0" err="1">
                 <a:sym typeface="Wingdings"/>
               </a:rPr>
               <a:t>triggerred</a:t>
             </a:r>
             <a:r>
-              <a:rPr lang="en-US" sz="2000" dirty="0" smtClean="0">
-                <a:sym typeface="Wingdings"/>
-              </a:rPr>
-              <a:t> after this time</a:t>
-            </a:r>
-            <a:r>
-              <a:rPr lang="en-US" sz="2000" dirty="0" smtClean="0">
-                <a:sym typeface="Wingdings"/>
-              </a:rPr>
-              <a:t>.</a:t>
-            </a:r>
-          </a:p>
-          <a:p>
-            <a:r>
-              <a:rPr lang="en-US" sz="2000" dirty="0" smtClean="0">
-                <a:sym typeface="Wingdings"/>
-              </a:rPr>
-              <a:t>Implemented </a:t>
-            </a:r>
-            <a:r>
               <a:rPr lang="en-US" sz="2000" dirty="0">
                 <a:sym typeface="Wingdings"/>
               </a:rPr>
-              <a:t>in </a:t>
-            </a:r>
-            <a:r>
-              <a:rPr lang="en-US" sz="2000" dirty="0" smtClean="0">
+              <a:t> after this time.</a:t>
+            </a:r>
+          </a:p>
+          <a:p>
+            <a:r>
+              <a:rPr lang="en-US" sz="2000" dirty="0">
+                <a:sym typeface="Wingdings"/>
+              </a:rPr>
+              <a:t>Implemented in /</a:t>
+            </a:r>
+            <a:r>
+              <a:rPr lang="en-US" sz="2000" dirty="0" err="1">
+                <a:sym typeface="Wingdings"/>
+              </a:rPr>
+              <a:t>contiki</a:t>
+            </a:r>
+            <a:r>
+              <a:rPr lang="en-US" sz="2000" dirty="0">
+                <a:sym typeface="Wingdings"/>
+              </a:rPr>
+              <a:t>-ng/</a:t>
+            </a:r>
+            <a:r>
+              <a:rPr lang="en-US" sz="2000" dirty="0" err="1">
+                <a:sym typeface="Wingdings"/>
+              </a:rPr>
+              <a:t>os</a:t>
+            </a:r>
+            <a:r>
+              <a:rPr lang="en-US" sz="2000" dirty="0">
+                <a:sym typeface="Wingdings"/>
+              </a:rPr>
+              <a:t>/net/mac/</a:t>
+            </a:r>
+            <a:r>
+              <a:rPr lang="en-US" sz="2000" dirty="0" err="1">
+                <a:sym typeface="Wingdings"/>
+              </a:rPr>
+              <a:t>tsch</a:t>
+            </a:r>
+            <a:r>
+              <a:rPr lang="en-US" sz="2000" dirty="0">
                 <a:sym typeface="Wingdings"/>
               </a:rPr>
               <a:t>/</a:t>
             </a:r>
             <a:r>
-              <a:rPr lang="en-US" sz="2000" dirty="0" err="1" smtClean="0">
+              <a:rPr lang="en-US" sz="2000" dirty="0" err="1">
                 <a:sym typeface="Wingdings"/>
               </a:rPr>
-              <a:t>contiki</a:t>
-            </a:r>
-            <a:r>
-              <a:rPr lang="en-US" sz="2000" dirty="0" smtClean="0">
+              <a:t>cnlab</a:t>
+            </a:r>
+            <a:r>
+              <a:rPr lang="en-US" sz="2000" dirty="0">
                 <a:sym typeface="Wingdings"/>
               </a:rPr>
-              <a:t>-ng/</a:t>
-            </a:r>
-            <a:r>
-              <a:rPr lang="en-US" sz="2000" dirty="0" err="1" smtClean="0">
-                <a:sym typeface="Wingdings"/>
-              </a:rPr>
-              <a:t>os</a:t>
-            </a:r>
-            <a:r>
-              <a:rPr lang="en-US" sz="2000" dirty="0" smtClean="0">
-                <a:sym typeface="Wingdings"/>
-              </a:rPr>
-              <a:t>/net/mac/</a:t>
-            </a:r>
-            <a:r>
-              <a:rPr lang="en-US" sz="2000" dirty="0" err="1" smtClean="0">
+              <a:t>-</a:t>
+            </a:r>
+            <a:r>
+              <a:rPr lang="en-US" sz="2000" dirty="0" err="1">
                 <a:sym typeface="Wingdings"/>
               </a:rPr>
               <a:t>tsch</a:t>
             </a:r>
             <a:r>
-              <a:rPr lang="en-US" sz="2000" dirty="0" smtClean="0">
-                <a:sym typeface="Wingdings"/>
-              </a:rPr>
-              <a:t>/</a:t>
-            </a:r>
-            <a:r>
-              <a:rPr lang="en-US" sz="2000" dirty="0" err="1" smtClean="0">
-                <a:sym typeface="Wingdings"/>
-              </a:rPr>
-              <a:t>cnlab</a:t>
-            </a:r>
-            <a:r>
-              <a:rPr lang="en-US" sz="2000" dirty="0" smtClean="0">
-                <a:sym typeface="Wingdings"/>
-              </a:rPr>
-              <a:t>-</a:t>
-            </a:r>
-            <a:r>
-              <a:rPr lang="en-US" sz="2000" dirty="0" err="1" smtClean="0">
-                <a:sym typeface="Wingdings"/>
-              </a:rPr>
-              <a:t>tsch</a:t>
-            </a:r>
-            <a:r>
-              <a:rPr lang="en-US" sz="2000" dirty="0" smtClean="0">
+              <a:rPr lang="en-US" sz="2000" dirty="0">
                 <a:sym typeface="Wingdings"/>
               </a:rPr>
               <a:t>-measure-link-</a:t>
             </a:r>
             <a:r>
-              <a:rPr lang="en-US" sz="2000" dirty="0" err="1" smtClean="0">
+              <a:rPr lang="en-US" sz="2000" dirty="0" err="1">
                 <a:sym typeface="Wingdings"/>
               </a:rPr>
               <a:t>quality.c</a:t>
             </a:r>
-            <a:endParaRPr lang="en-US" sz="2000" dirty="0" smtClean="0">
+            <a:endParaRPr lang="en-US" sz="2000" dirty="0">
               <a:sym typeface="Wingdings"/>
             </a:endParaRPr>
           </a:p>
@@ -32690,12 +31808,9 @@
               </a:rPr>
               <a:t>, "measure link process");</a:t>
             </a:r>
-            <a:endParaRPr lang="en-US" sz="2000" dirty="0" smtClean="0">
-              <a:sym typeface="Wingdings"/>
-            </a:endParaRPr>
-          </a:p>
-          <a:p>
-            <a:endParaRPr lang="en-US" sz="2000" dirty="0" smtClean="0">
+          </a:p>
+          <a:p>
+            <a:endParaRPr lang="en-US" sz="2000" dirty="0">
               <a:sym typeface="Wingdings"/>
             </a:endParaRPr>
           </a:p>
@@ -32717,7 +31832,7 @@
           <a:lstStyle/>
           <a:p>
             <a:r>
-              <a:rPr lang="en-US" smtClean="0"/>
+              <a:rPr lang="en-US"/>
               <a:t>CNLAB PROTOCOL</a:t>
             </a:r>
             <a:endParaRPr lang="en-US" dirty="0"/>
@@ -32784,10 +31899,9 @@
           <a:p>
             <a:pPr algn="ctr"/>
             <a:r>
-              <a:rPr lang="en-US" sz="1600" dirty="0" smtClean="0"/>
+              <a:rPr lang="en-US" sz="1600" dirty="0"/>
               <a:t>1</a:t>
             </a:r>
-            <a:endParaRPr lang="en-US" sz="1600" dirty="0"/>
           </a:p>
         </p:txBody>
       </p:sp>
@@ -33072,7 +32186,7 @@
           <a:lstStyle/>
           <a:p>
             <a:r>
-              <a:rPr lang="en-US" dirty="0" smtClean="0"/>
+              <a:rPr lang="en-US" dirty="0"/>
               <a:t>Fig. 2: Example network in initialize state.</a:t>
             </a:r>
           </a:p>
@@ -33595,13 +32709,6 @@
   <p:clrMapOvr>
     <a:masterClrMapping/>
   </p:clrMapOvr>
-  <p:timing>
-    <p:tnLst>
-      <p:par>
-        <p:cTn id="1" dur="indefinite" restart="never" nodeType="tmRoot"/>
-      </p:par>
-    </p:tnLst>
-  </p:timing>
 </p:sld>
 </file>
 
@@ -33669,7 +32776,7 @@
             <a:pPr marL="0" indent="0">
               <a:buNone/>
             </a:pPr>
-            <a:endParaRPr lang="en-US" dirty="0" smtClean="0">
+            <a:endParaRPr lang="en-US" dirty="0">
               <a:sym typeface="Wingdings"/>
             </a:endParaRPr>
           </a:p>
@@ -33678,16 +32785,15 @@
               <a:buNone/>
             </a:pPr>
             <a:r>
-              <a:rPr lang="en-US" dirty="0" smtClean="0">
+              <a:rPr lang="en-US" dirty="0">
                 <a:sym typeface="Wingdings"/>
               </a:rPr>
               <a:t> </a:t>
             </a:r>
             <a:r>
-              <a:rPr lang="en-US" dirty="0" smtClean="0"/>
+              <a:rPr lang="en-US" dirty="0"/>
               <a:t>After that it change to Measure Link Quality state.</a:t>
             </a:r>
-            <a:endParaRPr lang="en-US" dirty="0"/>
           </a:p>
         </p:txBody>
       </p:sp>
@@ -33707,7 +32813,7 @@
           <a:lstStyle/>
           <a:p>
             <a:r>
-              <a:rPr lang="en-US" smtClean="0"/>
+              <a:rPr lang="en-US"/>
               <a:t>CNLAB PROTOCOL</a:t>
             </a:r>
             <a:endParaRPr lang="en-US" dirty="0"/>
@@ -33774,10 +32880,9 @@
           <a:p>
             <a:pPr algn="ctr"/>
             <a:r>
-              <a:rPr lang="en-US" sz="1600" dirty="0" smtClean="0"/>
+              <a:rPr lang="en-US" sz="1600" dirty="0"/>
               <a:t>1</a:t>
             </a:r>
-            <a:endParaRPr lang="en-US" sz="1600" dirty="0"/>
           </a:p>
         </p:txBody>
       </p:sp>
@@ -34062,7 +33167,7 @@
           <a:lstStyle/>
           <a:p>
             <a:r>
-              <a:rPr lang="en-US" dirty="0" smtClean="0"/>
+              <a:rPr lang="en-US" dirty="0"/>
               <a:t>Fig. 2: Example network in initialize state.</a:t>
             </a:r>
           </a:p>
@@ -34593,13 +33698,6 @@
   <p:clrMapOvr>
     <a:masterClrMapping/>
   </p:clrMapOvr>
-  <p:timing>
-    <p:tnLst>
-      <p:par>
-        <p:cTn id="1" dur="indefinite" restart="never" nodeType="tmRoot"/>
-      </p:par>
-    </p:tnLst>
-  </p:timing>
 </p:sld>
 </file>
 
@@ -34636,18 +33734,9 @@
           <a:lstStyle/>
           <a:p>
             <a:r>
-              <a:rPr lang="en-US" dirty="0" smtClean="0"/>
-              <a:t>Measure Link Quality </a:t>
-            </a:r>
-            <a:r>
               <a:rPr lang="en-US" dirty="0"/>
-              <a:t>s</a:t>
-            </a:r>
-            <a:r>
-              <a:rPr lang="en-US" dirty="0" smtClean="0"/>
-              <a:t>tate</a:t>
-            </a:r>
-            <a:endParaRPr lang="en-US" dirty="0"/>
+              <a:t>Measure Link Quality state</a:t>
+            </a:r>
           </a:p>
         </p:txBody>
       </p:sp>
@@ -34690,10 +33779,9 @@
               <a:t> </a:t>
             </a:r>
             <a:r>
-              <a:rPr lang="en-US" dirty="0" smtClean="0"/>
+              <a:rPr lang="en-US" dirty="0"/>
               <a:t>value to determine how many PROBE packet will be transmitted between each link. (NUMBER_OF_PROBE = 500)</a:t>
             </a:r>
-            <a:endParaRPr lang="en-US" dirty="0"/>
           </a:p>
           <a:p>
             <a:pPr>
@@ -34702,34 +33790,14 @@
             </a:pPr>
             <a:r>
               <a:rPr lang="en-US" dirty="0"/>
-              <a:t> In Measure Link Quality(MLQ) state, all </a:t>
-            </a:r>
-            <a:r>
-              <a:rPr lang="en-US" dirty="0" smtClean="0"/>
-              <a:t>nodes </a:t>
+              <a:t> In Measure Link Quality(MLQ) state, all nodes create PROBE packet contains its node id and sequence number. PROBE(id, </a:t>
+            </a:r>
+            <a:r>
+              <a:rPr lang="en-US" dirty="0" err="1"/>
+              <a:t>seqno</a:t>
             </a:r>
             <a:r>
               <a:rPr lang="en-US" dirty="0"/>
-              <a:t>create PROBE packet contains its node id and sequence number</a:t>
-            </a:r>
-            <a:r>
-              <a:rPr lang="en-US" dirty="0" smtClean="0"/>
-              <a:t>.</a:t>
-            </a:r>
-            <a:r>
-              <a:rPr lang="en-US" dirty="0"/>
-              <a:t> </a:t>
-            </a:r>
-            <a:r>
-              <a:rPr lang="en-US" dirty="0" smtClean="0"/>
-              <a:t>PROBE(id, </a:t>
-            </a:r>
-            <a:r>
-              <a:rPr lang="en-US" dirty="0" err="1" smtClean="0"/>
-              <a:t>seqno</a:t>
-            </a:r>
-            <a:r>
-              <a:rPr lang="en-US" dirty="0" smtClean="0"/>
               <a:t>).</a:t>
             </a:r>
           </a:p>
@@ -34740,18 +33808,14 @@
             </a:pPr>
             <a:r>
               <a:rPr lang="en-US" dirty="0"/>
-              <a:t> </a:t>
-            </a:r>
-            <a:r>
-              <a:rPr lang="en-US" dirty="0" smtClean="0"/>
-              <a:t>PROBE packets broadcasted in orchestra </a:t>
-            </a:r>
-            <a:r>
-              <a:rPr lang="en-US" dirty="0" err="1" smtClean="0"/>
+              <a:t> PROBE packets broadcasted in orchestra </a:t>
+            </a:r>
+            <a:r>
+              <a:rPr lang="en-US" dirty="0" err="1"/>
               <a:t>slotframe</a:t>
             </a:r>
             <a:r>
-              <a:rPr lang="en-US" dirty="0" smtClean="0"/>
+              <a:rPr lang="en-US" dirty="0"/>
               <a:t> (</a:t>
             </a:r>
             <a:r>
@@ -34770,16 +33834,10 @@
               <a:rPr lang="en-US" dirty="0">
                 <a:sym typeface="Wingdings"/>
               </a:rPr>
-              <a:t> with Initialize state (broadcast</a:t>
-            </a:r>
-            <a:r>
-              <a:rPr lang="en-US" dirty="0" smtClean="0">
-                <a:sym typeface="Wingdings"/>
-              </a:rPr>
-              <a:t>)</a:t>
-            </a:r>
-            <a:r>
-              <a:rPr lang="en-US" dirty="0" smtClean="0"/>
+              <a:t> with Initialize state (broadcast)</a:t>
+            </a:r>
+            <a:r>
+              <a:rPr lang="en-US" dirty="0"/>
               <a:t>)</a:t>
             </a:r>
           </a:p>
@@ -34789,7 +33847,7 @@
               <a:buChar char="è"/>
             </a:pPr>
             <a:r>
-              <a:rPr lang="en-US" dirty="0" smtClean="0">
+              <a:rPr lang="en-US" dirty="0">
                 <a:sym typeface="Wingdings"/>
               </a:rPr>
               <a:t>All the neighbor node listen and count the number of the received PROBE packet.</a:t>
@@ -34813,7 +33871,7 @@
           <a:lstStyle/>
           <a:p>
             <a:r>
-              <a:rPr lang="en-US" smtClean="0"/>
+              <a:rPr lang="en-US"/>
               <a:t>CNLAB PROTOCOL</a:t>
             </a:r>
             <a:endParaRPr lang="en-US" dirty="0"/>
@@ -34866,7 +33924,7 @@
           <a:lstStyle/>
           <a:p>
             <a:r>
-              <a:rPr lang="en-US" dirty="0" smtClean="0"/>
+              <a:rPr lang="en-US" dirty="0"/>
               <a:t>Fig. 3: Example network in MLQ state.</a:t>
             </a:r>
           </a:p>
@@ -34909,10 +33967,9 @@
           <a:p>
             <a:pPr algn="ctr"/>
             <a:r>
-              <a:rPr lang="en-US" sz="1600" dirty="0" smtClean="0"/>
+              <a:rPr lang="en-US" sz="1600" dirty="0"/>
               <a:t>1</a:t>
             </a:r>
-            <a:endParaRPr lang="en-US" sz="1600" dirty="0"/>
           </a:p>
         </p:txBody>
       </p:sp>
@@ -35698,13 +34755,6 @@
   <p:clrMapOvr>
     <a:masterClrMapping/>
   </p:clrMapOvr>
-  <p:timing>
-    <p:tnLst>
-      <p:par>
-        <p:cTn id="1" dur="indefinite" restart="never" nodeType="tmRoot"/>
-      </p:par>
-    </p:tnLst>
-  </p:timing>
 </p:sld>
 </file>
 

--- a/Protocol Documentations/2020_05_27_Protocol Documentations/2020_04_13_CNLAB_PROTOCOL.pptx
+++ b/Protocol Documentations/2020_05_27_Protocol Documentations/2020_04_13_CNLAB_PROTOCOL.pptx
@@ -230,7 +230,7 @@
           <a:p>
             <a:fld id="{3116EC84-E442-824B-954D-2C321762CEF7}" type="datetimeFigureOut">
               <a:rPr lang="en-US" smtClean="0"/>
-              <a:t>1/19/2021</a:t>
+              <a:t>1/20/2021</a:t>
             </a:fld>
             <a:endParaRPr lang="en-US"/>
           </a:p>
@@ -1046,7 +1046,7 @@
           <a:p>
             <a:fld id="{98FE96CA-A114-CA4B-82AC-764C61C84207}" type="datetime1">
               <a:rPr lang="en-US" smtClean="0"/>
-              <a:t>1/19/2021</a:t>
+              <a:t>1/20/2021</a:t>
             </a:fld>
             <a:endParaRPr lang="en-US" dirty="0"/>
           </a:p>
@@ -1213,7 +1213,7 @@
           <a:p>
             <a:fld id="{B55CB748-C492-4E40-9B26-B3D4232C58B7}" type="datetime1">
               <a:rPr lang="en-US" smtClean="0"/>
-              <a:t>1/19/2021</a:t>
+              <a:t>1/20/2021</a:t>
             </a:fld>
             <a:endParaRPr lang="en-US" dirty="0"/>
           </a:p>
@@ -1390,7 +1390,7 @@
           <a:p>
             <a:fld id="{7EFF7E4D-78B4-8E4E-85CD-032BABD80B7D}" type="datetime1">
               <a:rPr lang="en-US" smtClean="0"/>
-              <a:t>1/19/2021</a:t>
+              <a:t>1/20/2021</a:t>
             </a:fld>
             <a:endParaRPr lang="en-US" dirty="0"/>
           </a:p>
@@ -1557,7 +1557,7 @@
           <a:p>
             <a:fld id="{372C4175-475F-754E-9967-6CCA73D87331}" type="datetime1">
               <a:rPr lang="en-US" smtClean="0"/>
-              <a:t>1/19/2021</a:t>
+              <a:t>1/20/2021</a:t>
             </a:fld>
             <a:endParaRPr lang="en-US" dirty="0"/>
           </a:p>
@@ -1801,7 +1801,7 @@
           <a:p>
             <a:fld id="{5AAFA9AF-E56E-FA45-B6A5-7E4244D835B0}" type="datetime1">
               <a:rPr lang="en-US" smtClean="0"/>
-              <a:t>1/19/2021</a:t>
+              <a:t>1/20/2021</a:t>
             </a:fld>
             <a:endParaRPr lang="en-US" dirty="0"/>
           </a:p>
@@ -2029,7 +2029,7 @@
           <a:p>
             <a:fld id="{B7393F06-576F-A947-ABC9-3CBBAAAB46D9}" type="datetime1">
               <a:rPr lang="en-US" smtClean="0"/>
-              <a:t>1/19/2021</a:t>
+              <a:t>1/20/2021</a:t>
             </a:fld>
             <a:endParaRPr lang="en-US" dirty="0"/>
           </a:p>
@@ -2392,7 +2392,7 @@
           <a:p>
             <a:fld id="{75CB1B93-D984-CE48-8011-C44628B8B0BB}" type="datetime1">
               <a:rPr lang="en-US" smtClean="0"/>
-              <a:t>1/19/2021</a:t>
+              <a:t>1/20/2021</a:t>
             </a:fld>
             <a:endParaRPr lang="en-US" dirty="0"/>
           </a:p>
@@ -2508,7 +2508,7 @@
           <a:p>
             <a:fld id="{68C4136D-65C7-8246-A179-B846ABAD6179}" type="datetime1">
               <a:rPr lang="en-US" smtClean="0"/>
-              <a:t>1/19/2021</a:t>
+              <a:t>1/20/2021</a:t>
             </a:fld>
             <a:endParaRPr lang="en-US" dirty="0"/>
           </a:p>
@@ -2602,7 +2602,7 @@
           <a:p>
             <a:fld id="{19593604-4E2B-5941-9D45-CD703C845843}" type="datetime1">
               <a:rPr lang="en-US" smtClean="0"/>
-              <a:t>1/19/2021</a:t>
+              <a:t>1/20/2021</a:t>
             </a:fld>
             <a:endParaRPr lang="en-US" dirty="0"/>
           </a:p>
@@ -2877,7 +2877,7 @@
           <a:p>
             <a:fld id="{9ECA876D-50D5-E448-BB1E-E3D3E5E67046}" type="datetime1">
               <a:rPr lang="en-US" smtClean="0"/>
-              <a:t>1/19/2021</a:t>
+              <a:t>1/20/2021</a:t>
             </a:fld>
             <a:endParaRPr lang="en-US" dirty="0"/>
           </a:p>
@@ -3129,7 +3129,7 @@
           <a:p>
             <a:fld id="{D73FEAAF-D565-C545-9F1B-04D2EC0F401C}" type="datetime1">
               <a:rPr lang="en-US" smtClean="0"/>
-              <a:t>1/19/2021</a:t>
+              <a:t>1/20/2021</a:t>
             </a:fld>
             <a:endParaRPr lang="en-US" dirty="0"/>
           </a:p>
@@ -3339,7 +3339,7 @@
           <a:p>
             <a:fld id="{4EBA1B48-0FA3-3848-8EF4-C8FCF50B129C}" type="datetime1">
               <a:rPr lang="en-US" smtClean="0"/>
-              <a:t>1/19/2021</a:t>
+              <a:t>1/20/2021</a:t>
             </a:fld>
             <a:endParaRPr lang="en-US" dirty="0"/>
           </a:p>
@@ -24240,7 +24240,7 @@
         </p:nvSpPr>
         <p:spPr>
           <a:xfrm>
-            <a:off x="1312984" y="2250831"/>
+            <a:off x="1324451" y="3233532"/>
             <a:ext cx="1589649" cy="703384"/>
           </a:xfrm>
           <a:prstGeom prst="roundRect">
@@ -24283,7 +24283,7 @@
         </p:nvSpPr>
         <p:spPr>
           <a:xfrm>
-            <a:off x="3460652" y="2236764"/>
+            <a:off x="3460652" y="3231064"/>
             <a:ext cx="1589649" cy="703384"/>
           </a:xfrm>
           <a:prstGeom prst="roundRect">
@@ -24320,13 +24320,13 @@
       </p:sp>
       <p:sp>
         <p:nvSpPr>
-          <p:cNvPr id="7" name="Rounded Rectangle 6"/>
+          <p:cNvPr id="9" name="Rounded Rectangle 8"/>
           <p:cNvSpPr/>
           <p:nvPr/>
         </p:nvSpPr>
         <p:spPr>
           <a:xfrm>
-            <a:off x="5610195" y="2235701"/>
+            <a:off x="5608320" y="3220137"/>
             <a:ext cx="1589649" cy="703384"/>
           </a:xfrm>
           <a:prstGeom prst="roundRect">
@@ -24356,20 +24356,20 @@
             <a:pPr algn="ctr"/>
             <a:r>
               <a:rPr lang="en-US" sz="1600" dirty="0"/>
-              <a:t>MAKE ROUTING STATE</a:t>
-            </a:r>
-          </a:p>
-        </p:txBody>
-      </p:sp>
-      <p:sp>
-        <p:nvSpPr>
-          <p:cNvPr id="8" name="Rounded Rectangle 7"/>
+              <a:t>MAKE SCHEDULE STATE</a:t>
+            </a:r>
+          </a:p>
+        </p:txBody>
+      </p:sp>
+      <p:sp>
+        <p:nvSpPr>
+          <p:cNvPr id="10" name="Rounded Rectangle 9"/>
           <p:cNvSpPr/>
           <p:nvPr/>
         </p:nvSpPr>
         <p:spPr>
           <a:xfrm>
-            <a:off x="7635944" y="2236764"/>
+            <a:off x="7733054" y="3225327"/>
             <a:ext cx="1589649" cy="703384"/>
           </a:xfrm>
           <a:prstGeom prst="roundRect">
@@ -24398,21 +24398,57 @@
           <a:p>
             <a:pPr algn="ctr"/>
             <a:r>
-              <a:rPr lang="en-US" sz="1600" dirty="0"/>
-              <a:t>COLLECT NODE INFORMATION STATE</a:t>
-            </a:r>
-          </a:p>
-        </p:txBody>
-      </p:sp>
-      <p:sp>
-        <p:nvSpPr>
-          <p:cNvPr id="9" name="Rounded Rectangle 8"/>
+              <a:rPr lang="en-US" sz="1600"/>
+              <a:t>SEND DATA STATE</a:t>
+            </a:r>
+            <a:endParaRPr lang="en-US" sz="1600" dirty="0"/>
+          </a:p>
+        </p:txBody>
+      </p:sp>
+      <p:sp>
+        <p:nvSpPr>
+          <p:cNvPr id="25" name="TextBox 24"/>
+          <p:cNvSpPr txBox="1"/>
+          <p:nvPr/>
+        </p:nvSpPr>
+        <p:spPr>
+          <a:xfrm>
+            <a:off x="4591343" y="6031610"/>
+            <a:ext cx="3062120" cy="369332"/>
+          </a:xfrm>
+          <a:prstGeom prst="rect">
+            <a:avLst/>
+          </a:prstGeom>
+          <a:noFill/>
+        </p:spPr>
+        <p:txBody>
+          <a:bodyPr wrap="none" rtlCol="0">
+            <a:spAutoFit/>
+          </a:bodyPr>
+          <a:lstStyle/>
+          <a:p>
+            <a:r>
+              <a:rPr lang="en-US" dirty="0"/>
+              <a:t>Fig. 1: Protocol operation state</a:t>
+            </a:r>
+          </a:p>
+        </p:txBody>
+      </p:sp>
+      <p:sp>
+        <p:nvSpPr>
+          <p:cNvPr id="24" name="Rounded Rectangle 9">
+            <a:extLst>
+              <a:ext uri="{FF2B5EF4-FFF2-40B4-BE49-F238E27FC236}">
+                <a16:creationId xmlns:a16="http://schemas.microsoft.com/office/drawing/2014/main" id="{31D36289-CAA3-4213-A9FB-B7DC806A1A4E}"/>
+              </a:ext>
+            </a:extLst>
+          </p:cNvPr>
           <p:cNvSpPr/>
           <p:nvPr/>
         </p:nvSpPr>
         <p:spPr>
           <a:xfrm>
-            <a:off x="9982200" y="2235701"/>
+            <a:off x="9982200" y="3216184"/>
             <a:ext cx="1589649" cy="703384"/>
           </a:xfrm>
           <a:prstGeom prst="roundRect">
@@ -24441,71 +24477,72 @@
           <a:p>
             <a:pPr algn="ctr"/>
             <a:r>
-              <a:rPr lang="en-US" sz="1600" dirty="0"/>
-              <a:t>MAKE SCHEDULE STATE</a:t>
-            </a:r>
-          </a:p>
-        </p:txBody>
-      </p:sp>
-      <p:sp>
-        <p:nvSpPr>
-          <p:cNvPr id="10" name="Rounded Rectangle 9"/>
-          <p:cNvSpPr/>
-          <p:nvPr/>
-        </p:nvSpPr>
-        <p:spPr>
-          <a:xfrm>
-            <a:off x="9982199" y="3756709"/>
-            <a:ext cx="1589649" cy="703384"/>
-          </a:xfrm>
-          <a:prstGeom prst="roundRect">
-            <a:avLst/>
-          </a:prstGeom>
-        </p:spPr>
-        <p:style>
-          <a:lnRef idx="2">
-            <a:schemeClr val="accent1">
-              <a:shade val="50000"/>
-            </a:schemeClr>
-          </a:lnRef>
-          <a:fillRef idx="1">
-            <a:schemeClr val="accent1"/>
-          </a:fillRef>
-          <a:effectRef idx="0">
-            <a:schemeClr val="accent1"/>
-          </a:effectRef>
-          <a:fontRef idx="minor">
-            <a:schemeClr val="lt1"/>
-          </a:fontRef>
-        </p:style>
-        <p:txBody>
-          <a:bodyPr rtlCol="0" anchor="ctr"/>
-          <a:lstStyle/>
-          <a:p>
-            <a:pPr algn="ctr"/>
-            <a:r>
-              <a:rPr lang="en-US" sz="1600" dirty="0"/>
-              <a:t>DATA TRANSMISSION STATE</a:t>
+              <a:rPr lang="en-US" sz="1600"/>
+              <a:t>RESET STATE</a:t>
+            </a:r>
+            <a:endParaRPr lang="en-US" sz="1600" dirty="0"/>
+          </a:p>
+        </p:txBody>
+      </p:sp>
+      <p:sp>
+        <p:nvSpPr>
+          <p:cNvPr id="23" name="TextBox 22">
+            <a:extLst>
+              <a:ext uri="{FF2B5EF4-FFF2-40B4-BE49-F238E27FC236}">
+                <a16:creationId xmlns:a16="http://schemas.microsoft.com/office/drawing/2014/main" id="{7EA305FE-3C81-4652-8FEE-00D62CFFB02D}"/>
+              </a:ext>
+            </a:extLst>
+          </p:cNvPr>
+          <p:cNvSpPr txBox="1"/>
+          <p:nvPr/>
+        </p:nvSpPr>
+        <p:spPr>
+          <a:xfrm>
+            <a:off x="8843725" y="2744742"/>
+            <a:ext cx="1740763" cy="261610"/>
+          </a:xfrm>
+          <a:prstGeom prst="rect">
+            <a:avLst/>
+          </a:prstGeom>
+          <a:noFill/>
+        </p:spPr>
+        <p:txBody>
+          <a:bodyPr wrap="square" rtlCol="0">
+            <a:spAutoFit/>
+          </a:bodyPr>
+          <a:lstStyle/>
+          <a:p>
+            <a:r>
+              <a:rPr lang="en-US" sz="1100"/>
+              <a:t>Node leave the network</a:t>
             </a:r>
           </a:p>
         </p:txBody>
       </p:sp>
       <p:cxnSp>
         <p:nvCxnSpPr>
-          <p:cNvPr id="12" name="Straight Arrow Connector 11"/>
+          <p:cNvPr id="29" name="Connector: Curved 28">
+            <a:extLst>
+              <a:ext uri="{FF2B5EF4-FFF2-40B4-BE49-F238E27FC236}">
+                <a16:creationId xmlns:a16="http://schemas.microsoft.com/office/drawing/2014/main" id="{4D242936-5E6D-4126-8E44-9EDC8A15A289}"/>
+              </a:ext>
+            </a:extLst>
+          </p:cNvPr>
           <p:cNvCxnSpPr>
-            <a:stCxn id="4" idx="3"/>
-            <a:endCxn id="5" idx="1"/>
+            <a:stCxn id="10" idx="0"/>
+            <a:endCxn id="24" idx="0"/>
           </p:cNvCxnSpPr>
           <p:nvPr/>
         </p:nvCxnSpPr>
         <p:spPr>
-          <a:xfrm flipV="1">
-            <a:off x="2902633" y="2588456"/>
-            <a:ext cx="558019" cy="14067"/>
-          </a:xfrm>
-          <a:prstGeom prst="straightConnector1">
-            <a:avLst/>
+          <a:xfrm rot="5400000" flipH="1" flipV="1">
+            <a:off x="9647881" y="2096183"/>
+            <a:ext cx="9143" cy="2249146"/>
+          </a:xfrm>
+          <a:prstGeom prst="curvedConnector3">
+            <a:avLst>
+              <a:gd name="adj1" fmla="val 9882621"/>
+            </a:avLst>
           </a:prstGeom>
           <a:ln>
             <a:tailEnd type="triangle"/>
@@ -24528,19 +24565,28 @@
       </p:cxnSp>
       <p:cxnSp>
         <p:nvCxnSpPr>
-          <p:cNvPr id="14" name="Straight Arrow Connector 13"/>
+          <p:cNvPr id="32" name="Connector: Curved 31">
+            <a:extLst>
+              <a:ext uri="{FF2B5EF4-FFF2-40B4-BE49-F238E27FC236}">
+                <a16:creationId xmlns:a16="http://schemas.microsoft.com/office/drawing/2014/main" id="{DC3D5951-1639-4D2A-B2ED-CF3764006A01}"/>
+              </a:ext>
+            </a:extLst>
+          </p:cNvPr>
           <p:cNvCxnSpPr>
-            <a:stCxn id="5" idx="3"/>
+            <a:stCxn id="9" idx="0"/>
+            <a:endCxn id="10" idx="0"/>
           </p:cNvCxnSpPr>
           <p:nvPr/>
         </p:nvCxnSpPr>
         <p:spPr>
-          <a:xfrm>
-            <a:off x="5050301" y="2588456"/>
-            <a:ext cx="558019" cy="14067"/>
-          </a:xfrm>
-          <a:prstGeom prst="straightConnector1">
-            <a:avLst/>
+          <a:xfrm rot="16200000" flipH="1">
+            <a:off x="7462917" y="2160365"/>
+            <a:ext cx="5190" cy="2124734"/>
+          </a:xfrm>
+          <a:prstGeom prst="curvedConnector3">
+            <a:avLst>
+              <a:gd name="adj1" fmla="val -19115222"/>
+            </a:avLst>
           </a:prstGeom>
           <a:ln>
             <a:tailEnd type="triangle"/>
@@ -24561,22 +24607,65 @@
           </a:fontRef>
         </p:style>
       </p:cxnSp>
+      <p:sp>
+        <p:nvSpPr>
+          <p:cNvPr id="34" name="TextBox 33">
+            <a:extLst>
+              <a:ext uri="{FF2B5EF4-FFF2-40B4-BE49-F238E27FC236}">
+                <a16:creationId xmlns:a16="http://schemas.microsoft.com/office/drawing/2014/main" id="{87D89282-C948-405E-B4FE-D89E2DCAD4B8}"/>
+              </a:ext>
+            </a:extLst>
+          </p:cNvPr>
+          <p:cNvSpPr txBox="1"/>
+          <p:nvPr/>
+        </p:nvSpPr>
+        <p:spPr>
+          <a:xfrm>
+            <a:off x="6608027" y="2660104"/>
+            <a:ext cx="1658537" cy="430887"/>
+          </a:xfrm>
+          <a:prstGeom prst="rect">
+            <a:avLst/>
+          </a:prstGeom>
+          <a:noFill/>
+        </p:spPr>
+        <p:txBody>
+          <a:bodyPr wrap="square" rtlCol="0">
+            <a:spAutoFit/>
+          </a:bodyPr>
+          <a:lstStyle/>
+          <a:p>
+            <a:r>
+              <a:rPr lang="en-US" sz="1100"/>
+              <a:t>Receive and finish update schedule</a:t>
+            </a:r>
+          </a:p>
+        </p:txBody>
+      </p:sp>
       <p:cxnSp>
         <p:nvCxnSpPr>
-          <p:cNvPr id="18" name="Straight Arrow Connector 17"/>
+          <p:cNvPr id="36" name="Connector: Curved 35">
+            <a:extLst>
+              <a:ext uri="{FF2B5EF4-FFF2-40B4-BE49-F238E27FC236}">
+                <a16:creationId xmlns:a16="http://schemas.microsoft.com/office/drawing/2014/main" id="{6C13B17B-4FAA-46D6-960F-37E8BA8CA728}"/>
+              </a:ext>
+            </a:extLst>
+          </p:cNvPr>
           <p:cNvCxnSpPr>
-            <a:stCxn id="7" idx="3"/>
-            <a:endCxn id="8" idx="1"/>
+            <a:stCxn id="5" idx="0"/>
+            <a:endCxn id="9" idx="0"/>
           </p:cNvCxnSpPr>
           <p:nvPr/>
         </p:nvCxnSpPr>
         <p:spPr>
-          <a:xfrm>
-            <a:off x="7199844" y="2587393"/>
-            <a:ext cx="436100" cy="1063"/>
-          </a:xfrm>
-          <a:prstGeom prst="straightConnector1">
-            <a:avLst/>
+          <a:xfrm rot="5400000" flipH="1" flipV="1">
+            <a:off x="5323848" y="2151767"/>
+            <a:ext cx="10927" cy="2147668"/>
+          </a:xfrm>
+          <a:prstGeom prst="curvedConnector3">
+            <a:avLst>
+              <a:gd name="adj1" fmla="val 8204219"/>
+            </a:avLst>
           </a:prstGeom>
           <a:ln>
             <a:tailEnd type="triangle"/>
@@ -24597,22 +24686,65 @@
           </a:fontRef>
         </p:style>
       </p:cxnSp>
+      <p:sp>
+        <p:nvSpPr>
+          <p:cNvPr id="38" name="TextBox 37">
+            <a:extLst>
+              <a:ext uri="{FF2B5EF4-FFF2-40B4-BE49-F238E27FC236}">
+                <a16:creationId xmlns:a16="http://schemas.microsoft.com/office/drawing/2014/main" id="{AFD94810-BA1A-4FD6-9E5F-7FCE28F9C9EE}"/>
+              </a:ext>
+            </a:extLst>
+          </p:cNvPr>
+          <p:cNvSpPr txBox="1"/>
+          <p:nvPr/>
+        </p:nvSpPr>
+        <p:spPr>
+          <a:xfrm>
+            <a:off x="4591343" y="2648386"/>
+            <a:ext cx="1658537" cy="430887"/>
+          </a:xfrm>
+          <a:prstGeom prst="rect">
+            <a:avLst/>
+          </a:prstGeom>
+          <a:noFill/>
+        </p:spPr>
+        <p:txBody>
+          <a:bodyPr wrap="square" rtlCol="0">
+            <a:spAutoFit/>
+          </a:bodyPr>
+          <a:lstStyle/>
+          <a:p>
+            <a:r>
+              <a:rPr lang="en-US" sz="1100"/>
+              <a:t>Collect all node informations at the sink</a:t>
+            </a:r>
+          </a:p>
+        </p:txBody>
+      </p:sp>
       <p:cxnSp>
         <p:nvCxnSpPr>
-          <p:cNvPr id="20" name="Straight Arrow Connector 19"/>
+          <p:cNvPr id="40" name="Connector: Curved 39">
+            <a:extLst>
+              <a:ext uri="{FF2B5EF4-FFF2-40B4-BE49-F238E27FC236}">
+                <a16:creationId xmlns:a16="http://schemas.microsoft.com/office/drawing/2014/main" id="{07FC9C25-1CF7-40E8-9BE3-7984333BAD34}"/>
+              </a:ext>
+            </a:extLst>
+          </p:cNvPr>
           <p:cNvCxnSpPr>
-            <a:stCxn id="8" idx="3"/>
-            <a:endCxn id="9" idx="1"/>
+            <a:stCxn id="4" idx="0"/>
+            <a:endCxn id="5" idx="0"/>
           </p:cNvCxnSpPr>
           <p:nvPr/>
         </p:nvCxnSpPr>
         <p:spPr>
-          <a:xfrm flipV="1">
-            <a:off x="9225593" y="2587393"/>
-            <a:ext cx="756607" cy="1063"/>
-          </a:xfrm>
-          <a:prstGeom prst="straightConnector1">
-            <a:avLst/>
+          <a:xfrm rot="5400000" flipH="1" flipV="1">
+            <a:off x="3186142" y="2164198"/>
+            <a:ext cx="2468" cy="2136201"/>
+          </a:xfrm>
+          <a:prstGeom prst="curvedConnector3">
+            <a:avLst>
+              <a:gd name="adj1" fmla="val 34902026"/>
+            </a:avLst>
           </a:prstGeom>
           <a:ln>
             <a:tailEnd type="triangle"/>
@@ -24633,19 +24765,110 @@
           </a:fontRef>
         </p:style>
       </p:cxnSp>
+      <p:sp>
+        <p:nvSpPr>
+          <p:cNvPr id="42" name="TextBox 41">
+            <a:extLst>
+              <a:ext uri="{FF2B5EF4-FFF2-40B4-BE49-F238E27FC236}">
+                <a16:creationId xmlns:a16="http://schemas.microsoft.com/office/drawing/2014/main" id="{A9AA83D0-23F8-4F81-8E34-7B7ACF3A3127}"/>
+              </a:ext>
+            </a:extLst>
+          </p:cNvPr>
+          <p:cNvSpPr txBox="1"/>
+          <p:nvPr/>
+        </p:nvSpPr>
+        <p:spPr>
+          <a:xfrm>
+            <a:off x="2477893" y="2719407"/>
+            <a:ext cx="1418965" cy="430887"/>
+          </a:xfrm>
+          <a:prstGeom prst="rect">
+            <a:avLst/>
+          </a:prstGeom>
+          <a:noFill/>
+        </p:spPr>
+        <p:txBody>
+          <a:bodyPr wrap="square" rtlCol="0">
+            <a:spAutoFit/>
+          </a:bodyPr>
+          <a:lstStyle/>
+          <a:p>
+            <a:r>
+              <a:rPr lang="en-US" sz="1100"/>
+              <a:t>Finish broadcast probe packet</a:t>
+            </a:r>
+          </a:p>
+        </p:txBody>
+      </p:sp>
+      <p:sp>
+        <p:nvSpPr>
+          <p:cNvPr id="43" name="Rounded Rectangle 3">
+            <a:extLst>
+              <a:ext uri="{FF2B5EF4-FFF2-40B4-BE49-F238E27FC236}">
+                <a16:creationId xmlns:a16="http://schemas.microsoft.com/office/drawing/2014/main" id="{8CAD3110-A961-4791-AE47-3E6FC85AAF20}"/>
+              </a:ext>
+            </a:extLst>
+          </p:cNvPr>
+          <p:cNvSpPr/>
+          <p:nvPr/>
+        </p:nvSpPr>
+        <p:spPr>
+          <a:xfrm>
+            <a:off x="1324451" y="4966214"/>
+            <a:ext cx="1589649" cy="703384"/>
+          </a:xfrm>
+          <a:prstGeom prst="roundRect">
+            <a:avLst/>
+          </a:prstGeom>
+        </p:spPr>
+        <p:style>
+          <a:lnRef idx="2">
+            <a:schemeClr val="accent1">
+              <a:shade val="50000"/>
+            </a:schemeClr>
+          </a:lnRef>
+          <a:fillRef idx="1">
+            <a:schemeClr val="accent1"/>
+          </a:fillRef>
+          <a:effectRef idx="0">
+            <a:schemeClr val="accent1"/>
+          </a:effectRef>
+          <a:fontRef idx="minor">
+            <a:schemeClr val="lt1"/>
+          </a:fontRef>
+        </p:style>
+        <p:txBody>
+          <a:bodyPr rtlCol="0" anchor="ctr"/>
+          <a:lstStyle/>
+          <a:p>
+            <a:pPr algn="ctr"/>
+            <a:r>
+              <a:rPr lang="en-US" sz="1600"/>
+              <a:t>DEFAULT STATE</a:t>
+            </a:r>
+            <a:endParaRPr lang="en-US" sz="1600" dirty="0"/>
+          </a:p>
+        </p:txBody>
+      </p:sp>
       <p:cxnSp>
         <p:nvCxnSpPr>
-          <p:cNvPr id="22" name="Straight Arrow Connector 21"/>
+          <p:cNvPr id="45" name="Straight Arrow Connector 44">
+            <a:extLst>
+              <a:ext uri="{FF2B5EF4-FFF2-40B4-BE49-F238E27FC236}">
+                <a16:creationId xmlns:a16="http://schemas.microsoft.com/office/drawing/2014/main" id="{2A2D8290-64FF-49AB-8EE6-D56ABF887006}"/>
+              </a:ext>
+            </a:extLst>
+          </p:cNvPr>
           <p:cNvCxnSpPr>
-            <a:stCxn id="9" idx="2"/>
-            <a:endCxn id="10" idx="0"/>
+            <a:stCxn id="43" idx="0"/>
+            <a:endCxn id="4" idx="2"/>
           </p:cNvCxnSpPr>
           <p:nvPr/>
         </p:nvCxnSpPr>
         <p:spPr>
-          <a:xfrm flipH="1">
-            <a:off x="10777024" y="2939085"/>
-            <a:ext cx="1" cy="817624"/>
+          <a:xfrm flipV="1">
+            <a:off x="2119276" y="3936916"/>
+            <a:ext cx="0" cy="1029298"/>
           </a:xfrm>
           <a:prstGeom prst="straightConnector1">
             <a:avLst/>
@@ -24671,14 +24894,20 @@
       </p:cxnSp>
       <p:sp>
         <p:nvSpPr>
-          <p:cNvPr id="25" name="TextBox 24"/>
+          <p:cNvPr id="46" name="TextBox 45">
+            <a:extLst>
+              <a:ext uri="{FF2B5EF4-FFF2-40B4-BE49-F238E27FC236}">
+                <a16:creationId xmlns:a16="http://schemas.microsoft.com/office/drawing/2014/main" id="{06116105-05DF-4AF7-A5C5-72AB60750871}"/>
+              </a:ext>
+            </a:extLst>
+          </p:cNvPr>
           <p:cNvSpPr txBox="1"/>
           <p:nvPr/>
         </p:nvSpPr>
         <p:spPr>
           <a:xfrm>
-            <a:off x="4595420" y="5500468"/>
-            <a:ext cx="3062120" cy="369332"/>
+            <a:off x="2113602" y="4262830"/>
+            <a:ext cx="1589648" cy="261610"/>
           </a:xfrm>
           <a:prstGeom prst="rect">
             <a:avLst/>
@@ -24686,14 +24915,14 @@
           <a:noFill/>
         </p:spPr>
         <p:txBody>
-          <a:bodyPr wrap="none" rtlCol="0">
+          <a:bodyPr wrap="square" rtlCol="0">
             <a:spAutoFit/>
           </a:bodyPr>
           <a:lstStyle/>
           <a:p>
             <a:r>
-              <a:rPr lang="en-US" dirty="0"/>
-              <a:t>Fig. 1: Protocol operation state</a:t>
+              <a:rPr lang="en-US" sz="1100"/>
+              <a:t>Call init CNLAB protocol</a:t>
             </a:r>
           </a:p>
         </p:txBody>

--- a/Protocol Documentations/2020_05_27_Protocol Documentations/2020_04_13_CNLAB_PROTOCOL.pptx
+++ b/Protocol Documentations/2020_05_27_Protocol Documentations/2020_04_13_CNLAB_PROTOCOL.pptx
@@ -230,7 +230,7 @@
           <a:p>
             <a:fld id="{3116EC84-E442-824B-954D-2C321762CEF7}" type="datetimeFigureOut">
               <a:rPr lang="en-US" smtClean="0"/>
-              <a:t>1/20/2021</a:t>
+              <a:t>1/25/2021</a:t>
             </a:fld>
             <a:endParaRPr lang="en-US"/>
           </a:p>
@@ -1046,7 +1046,7 @@
           <a:p>
             <a:fld id="{98FE96CA-A114-CA4B-82AC-764C61C84207}" type="datetime1">
               <a:rPr lang="en-US" smtClean="0"/>
-              <a:t>1/20/2021</a:t>
+              <a:t>1/25/2021</a:t>
             </a:fld>
             <a:endParaRPr lang="en-US" dirty="0"/>
           </a:p>
@@ -1213,7 +1213,7 @@
           <a:p>
             <a:fld id="{B55CB748-C492-4E40-9B26-B3D4232C58B7}" type="datetime1">
               <a:rPr lang="en-US" smtClean="0"/>
-              <a:t>1/20/2021</a:t>
+              <a:t>1/25/2021</a:t>
             </a:fld>
             <a:endParaRPr lang="en-US" dirty="0"/>
           </a:p>
@@ -1390,7 +1390,7 @@
           <a:p>
             <a:fld id="{7EFF7E4D-78B4-8E4E-85CD-032BABD80B7D}" type="datetime1">
               <a:rPr lang="en-US" smtClean="0"/>
-              <a:t>1/20/2021</a:t>
+              <a:t>1/25/2021</a:t>
             </a:fld>
             <a:endParaRPr lang="en-US" dirty="0"/>
           </a:p>
@@ -1557,7 +1557,7 @@
           <a:p>
             <a:fld id="{372C4175-475F-754E-9967-6CCA73D87331}" type="datetime1">
               <a:rPr lang="en-US" smtClean="0"/>
-              <a:t>1/20/2021</a:t>
+              <a:t>1/25/2021</a:t>
             </a:fld>
             <a:endParaRPr lang="en-US" dirty="0"/>
           </a:p>
@@ -1801,7 +1801,7 @@
           <a:p>
             <a:fld id="{5AAFA9AF-E56E-FA45-B6A5-7E4244D835B0}" type="datetime1">
               <a:rPr lang="en-US" smtClean="0"/>
-              <a:t>1/20/2021</a:t>
+              <a:t>1/25/2021</a:t>
             </a:fld>
             <a:endParaRPr lang="en-US" dirty="0"/>
           </a:p>
@@ -2029,7 +2029,7 @@
           <a:p>
             <a:fld id="{B7393F06-576F-A947-ABC9-3CBBAAAB46D9}" type="datetime1">
               <a:rPr lang="en-US" smtClean="0"/>
-              <a:t>1/20/2021</a:t>
+              <a:t>1/25/2021</a:t>
             </a:fld>
             <a:endParaRPr lang="en-US" dirty="0"/>
           </a:p>
@@ -2392,7 +2392,7 @@
           <a:p>
             <a:fld id="{75CB1B93-D984-CE48-8011-C44628B8B0BB}" type="datetime1">
               <a:rPr lang="en-US" smtClean="0"/>
-              <a:t>1/20/2021</a:t>
+              <a:t>1/25/2021</a:t>
             </a:fld>
             <a:endParaRPr lang="en-US" dirty="0"/>
           </a:p>
@@ -2508,7 +2508,7 @@
           <a:p>
             <a:fld id="{68C4136D-65C7-8246-A179-B846ABAD6179}" type="datetime1">
               <a:rPr lang="en-US" smtClean="0"/>
-              <a:t>1/20/2021</a:t>
+              <a:t>1/25/2021</a:t>
             </a:fld>
             <a:endParaRPr lang="en-US" dirty="0"/>
           </a:p>
@@ -2602,7 +2602,7 @@
           <a:p>
             <a:fld id="{19593604-4E2B-5941-9D45-CD703C845843}" type="datetime1">
               <a:rPr lang="en-US" smtClean="0"/>
-              <a:t>1/20/2021</a:t>
+              <a:t>1/25/2021</a:t>
             </a:fld>
             <a:endParaRPr lang="en-US" dirty="0"/>
           </a:p>
@@ -2877,7 +2877,7 @@
           <a:p>
             <a:fld id="{9ECA876D-50D5-E448-BB1E-E3D3E5E67046}" type="datetime1">
               <a:rPr lang="en-US" smtClean="0"/>
-              <a:t>1/20/2021</a:t>
+              <a:t>1/25/2021</a:t>
             </a:fld>
             <a:endParaRPr lang="en-US" dirty="0"/>
           </a:p>
@@ -3129,7 +3129,7 @@
           <a:p>
             <a:fld id="{D73FEAAF-D565-C545-9F1B-04D2EC0F401C}" type="datetime1">
               <a:rPr lang="en-US" smtClean="0"/>
-              <a:t>1/20/2021</a:t>
+              <a:t>1/25/2021</a:t>
             </a:fld>
             <a:endParaRPr lang="en-US" dirty="0"/>
           </a:p>
@@ -3339,7 +3339,7 @@
           <a:p>
             <a:fld id="{4EBA1B48-0FA3-3848-8EF4-C8FCF50B129C}" type="datetime1">
               <a:rPr lang="en-US" smtClean="0"/>
-              <a:t>1/20/2021</a:t>
+              <a:t>1/25/2021</a:t>
             </a:fld>
             <a:endParaRPr lang="en-US" dirty="0"/>
           </a:p>
@@ -24240,7 +24240,7 @@
         </p:nvSpPr>
         <p:spPr>
           <a:xfrm>
-            <a:off x="1324451" y="3233532"/>
+            <a:off x="676421" y="3224071"/>
             <a:ext cx="1589649" cy="703384"/>
           </a:xfrm>
           <a:prstGeom prst="roundRect">
@@ -24283,7 +24283,7 @@
         </p:nvSpPr>
         <p:spPr>
           <a:xfrm>
-            <a:off x="3460652" y="3231064"/>
+            <a:off x="3243775" y="3236783"/>
             <a:ext cx="1589649" cy="703384"/>
           </a:xfrm>
           <a:prstGeom prst="roundRect">
@@ -24326,7 +24326,7 @@
         </p:nvSpPr>
         <p:spPr>
           <a:xfrm>
-            <a:off x="5608320" y="3220137"/>
+            <a:off x="5578613" y="3236783"/>
             <a:ext cx="1589649" cy="703384"/>
           </a:xfrm>
           <a:prstGeom prst="roundRect">
@@ -24369,7 +24369,7 @@
         </p:nvSpPr>
         <p:spPr>
           <a:xfrm>
-            <a:off x="7733054" y="3225327"/>
+            <a:off x="7913452" y="3225327"/>
             <a:ext cx="1589649" cy="703384"/>
           </a:xfrm>
           <a:prstGeom prst="roundRect">
@@ -24448,7 +24448,7 @@
         </p:nvSpPr>
         <p:spPr>
           <a:xfrm>
-            <a:off x="9982200" y="3216184"/>
+            <a:off x="10198655" y="3216184"/>
             <a:ext cx="1589649" cy="703384"/>
           </a:xfrm>
           <a:prstGeom prst="roundRect">
@@ -24498,7 +24498,7 @@
         </p:nvSpPr>
         <p:spPr>
           <a:xfrm>
-            <a:off x="8843725" y="2744742"/>
+            <a:off x="8976033" y="2822011"/>
             <a:ext cx="1740763" cy="261610"/>
           </a:xfrm>
           <a:prstGeom prst="rect">
@@ -24519,94 +24519,6 @@
           </a:p>
         </p:txBody>
       </p:sp>
-      <p:cxnSp>
-        <p:nvCxnSpPr>
-          <p:cNvPr id="29" name="Connector: Curved 28">
-            <a:extLst>
-              <a:ext uri="{FF2B5EF4-FFF2-40B4-BE49-F238E27FC236}">
-                <a16:creationId xmlns:a16="http://schemas.microsoft.com/office/drawing/2014/main" id="{4D242936-5E6D-4126-8E44-9EDC8A15A289}"/>
-              </a:ext>
-            </a:extLst>
-          </p:cNvPr>
-          <p:cNvCxnSpPr>
-            <a:stCxn id="10" idx="0"/>
-            <a:endCxn id="24" idx="0"/>
-          </p:cNvCxnSpPr>
-          <p:nvPr/>
-        </p:nvCxnSpPr>
-        <p:spPr>
-          <a:xfrm rot="5400000" flipH="1" flipV="1">
-            <a:off x="9647881" y="2096183"/>
-            <a:ext cx="9143" cy="2249146"/>
-          </a:xfrm>
-          <a:prstGeom prst="curvedConnector3">
-            <a:avLst>
-              <a:gd name="adj1" fmla="val 9882621"/>
-            </a:avLst>
-          </a:prstGeom>
-          <a:ln>
-            <a:tailEnd type="triangle"/>
-          </a:ln>
-        </p:spPr>
-        <p:style>
-          <a:lnRef idx="1">
-            <a:schemeClr val="accent1"/>
-          </a:lnRef>
-          <a:fillRef idx="0">
-            <a:schemeClr val="accent1"/>
-          </a:fillRef>
-          <a:effectRef idx="0">
-            <a:schemeClr val="accent1"/>
-          </a:effectRef>
-          <a:fontRef idx="minor">
-            <a:schemeClr val="tx1"/>
-          </a:fontRef>
-        </p:style>
-      </p:cxnSp>
-      <p:cxnSp>
-        <p:nvCxnSpPr>
-          <p:cNvPr id="32" name="Connector: Curved 31">
-            <a:extLst>
-              <a:ext uri="{FF2B5EF4-FFF2-40B4-BE49-F238E27FC236}">
-                <a16:creationId xmlns:a16="http://schemas.microsoft.com/office/drawing/2014/main" id="{DC3D5951-1639-4D2A-B2ED-CF3764006A01}"/>
-              </a:ext>
-            </a:extLst>
-          </p:cNvPr>
-          <p:cNvCxnSpPr>
-            <a:stCxn id="9" idx="0"/>
-            <a:endCxn id="10" idx="0"/>
-          </p:cNvCxnSpPr>
-          <p:nvPr/>
-        </p:nvCxnSpPr>
-        <p:spPr>
-          <a:xfrm rot="16200000" flipH="1">
-            <a:off x="7462917" y="2160365"/>
-            <a:ext cx="5190" cy="2124734"/>
-          </a:xfrm>
-          <a:prstGeom prst="curvedConnector3">
-            <a:avLst>
-              <a:gd name="adj1" fmla="val -19115222"/>
-            </a:avLst>
-          </a:prstGeom>
-          <a:ln>
-            <a:tailEnd type="triangle"/>
-          </a:ln>
-        </p:spPr>
-        <p:style>
-          <a:lnRef idx="1">
-            <a:schemeClr val="accent1"/>
-          </a:lnRef>
-          <a:fillRef idx="0">
-            <a:schemeClr val="accent1"/>
-          </a:fillRef>
-          <a:effectRef idx="0">
-            <a:schemeClr val="accent1"/>
-          </a:effectRef>
-          <a:fontRef idx="minor">
-            <a:schemeClr val="tx1"/>
-          </a:fontRef>
-        </p:style>
-      </p:cxnSp>
       <p:sp>
         <p:nvSpPr>
           <p:cNvPr id="34" name="TextBox 33">
@@ -24621,7 +24533,7 @@
         </p:nvSpPr>
         <p:spPr>
           <a:xfrm>
-            <a:off x="6608027" y="2660104"/>
+            <a:off x="6711588" y="2696812"/>
             <a:ext cx="1658537" cy="430887"/>
           </a:xfrm>
           <a:prstGeom prst="rect">
@@ -24642,50 +24554,6 @@
           </a:p>
         </p:txBody>
       </p:sp>
-      <p:cxnSp>
-        <p:nvCxnSpPr>
-          <p:cNvPr id="36" name="Connector: Curved 35">
-            <a:extLst>
-              <a:ext uri="{FF2B5EF4-FFF2-40B4-BE49-F238E27FC236}">
-                <a16:creationId xmlns:a16="http://schemas.microsoft.com/office/drawing/2014/main" id="{6C13B17B-4FAA-46D6-960F-37E8BA8CA728}"/>
-              </a:ext>
-            </a:extLst>
-          </p:cNvPr>
-          <p:cNvCxnSpPr>
-            <a:stCxn id="5" idx="0"/>
-            <a:endCxn id="9" idx="0"/>
-          </p:cNvCxnSpPr>
-          <p:nvPr/>
-        </p:nvCxnSpPr>
-        <p:spPr>
-          <a:xfrm rot="5400000" flipH="1" flipV="1">
-            <a:off x="5323848" y="2151767"/>
-            <a:ext cx="10927" cy="2147668"/>
-          </a:xfrm>
-          <a:prstGeom prst="curvedConnector3">
-            <a:avLst>
-              <a:gd name="adj1" fmla="val 8204219"/>
-            </a:avLst>
-          </a:prstGeom>
-          <a:ln>
-            <a:tailEnd type="triangle"/>
-          </a:ln>
-        </p:spPr>
-        <p:style>
-          <a:lnRef idx="1">
-            <a:schemeClr val="accent1"/>
-          </a:lnRef>
-          <a:fillRef idx="0">
-            <a:schemeClr val="accent1"/>
-          </a:fillRef>
-          <a:effectRef idx="0">
-            <a:schemeClr val="accent1"/>
-          </a:effectRef>
-          <a:fontRef idx="minor">
-            <a:schemeClr val="tx1"/>
-          </a:fontRef>
-        </p:style>
-      </p:cxnSp>
       <p:sp>
         <p:nvSpPr>
           <p:cNvPr id="38" name="TextBox 37">
@@ -24700,7 +24568,7 @@
         </p:nvSpPr>
         <p:spPr>
           <a:xfrm>
-            <a:off x="4591343" y="2648386"/>
+            <a:off x="4447143" y="2709735"/>
             <a:ext cx="1658537" cy="430887"/>
           </a:xfrm>
           <a:prstGeom prst="rect">
@@ -24721,50 +24589,6 @@
           </a:p>
         </p:txBody>
       </p:sp>
-      <p:cxnSp>
-        <p:nvCxnSpPr>
-          <p:cNvPr id="40" name="Connector: Curved 39">
-            <a:extLst>
-              <a:ext uri="{FF2B5EF4-FFF2-40B4-BE49-F238E27FC236}">
-                <a16:creationId xmlns:a16="http://schemas.microsoft.com/office/drawing/2014/main" id="{07FC9C25-1CF7-40E8-9BE3-7984333BAD34}"/>
-              </a:ext>
-            </a:extLst>
-          </p:cNvPr>
-          <p:cNvCxnSpPr>
-            <a:stCxn id="4" idx="0"/>
-            <a:endCxn id="5" idx="0"/>
-          </p:cNvCxnSpPr>
-          <p:nvPr/>
-        </p:nvCxnSpPr>
-        <p:spPr>
-          <a:xfrm rot="5400000" flipH="1" flipV="1">
-            <a:off x="3186142" y="2164198"/>
-            <a:ext cx="2468" cy="2136201"/>
-          </a:xfrm>
-          <a:prstGeom prst="curvedConnector3">
-            <a:avLst>
-              <a:gd name="adj1" fmla="val 34902026"/>
-            </a:avLst>
-          </a:prstGeom>
-          <a:ln>
-            <a:tailEnd type="triangle"/>
-          </a:ln>
-        </p:spPr>
-        <p:style>
-          <a:lnRef idx="1">
-            <a:schemeClr val="accent1"/>
-          </a:lnRef>
-          <a:fillRef idx="0">
-            <a:schemeClr val="accent1"/>
-          </a:fillRef>
-          <a:effectRef idx="0">
-            <a:schemeClr val="accent1"/>
-          </a:effectRef>
-          <a:fontRef idx="minor">
-            <a:schemeClr val="tx1"/>
-          </a:fontRef>
-        </p:style>
-      </p:cxnSp>
       <p:sp>
         <p:nvSpPr>
           <p:cNvPr id="42" name="TextBox 41">
@@ -24779,7 +24603,7 @@
         </p:nvSpPr>
         <p:spPr>
           <a:xfrm>
-            <a:off x="2477893" y="2719407"/>
+            <a:off x="2313509" y="2822011"/>
             <a:ext cx="1418965" cy="430887"/>
           </a:xfrm>
           <a:prstGeom prst="rect">
@@ -24814,7 +24638,7 @@
         </p:nvSpPr>
         <p:spPr>
           <a:xfrm>
-            <a:off x="1324451" y="4966214"/>
+            <a:off x="676421" y="4896348"/>
             <a:ext cx="1589649" cy="703384"/>
           </a:xfrm>
           <a:prstGeom prst="roundRect">
@@ -24867,8 +24691,8 @@
         </p:nvCxnSpPr>
         <p:spPr>
           <a:xfrm flipV="1">
-            <a:off x="2119276" y="3936916"/>
-            <a:ext cx="0" cy="1029298"/>
+            <a:off x="1471246" y="3927455"/>
+            <a:ext cx="0" cy="968893"/>
           </a:xfrm>
           <a:prstGeom prst="straightConnector1">
             <a:avLst/>
@@ -24906,7 +24730,7 @@
         </p:nvSpPr>
         <p:spPr>
           <a:xfrm>
-            <a:off x="2113602" y="4262830"/>
+            <a:off x="1471245" y="4262830"/>
             <a:ext cx="1589648" cy="261610"/>
           </a:xfrm>
           <a:prstGeom prst="rect">
@@ -24927,6 +24751,174 @@
           </a:p>
         </p:txBody>
       </p:sp>
+      <p:cxnSp>
+        <p:nvCxnSpPr>
+          <p:cNvPr id="28" name="Straight Arrow Connector 27">
+            <a:extLst>
+              <a:ext uri="{FF2B5EF4-FFF2-40B4-BE49-F238E27FC236}">
+                <a16:creationId xmlns:a16="http://schemas.microsoft.com/office/drawing/2014/main" id="{2E8A0B61-9280-4F5D-905E-F6CF071436E1}"/>
+              </a:ext>
+            </a:extLst>
+          </p:cNvPr>
+          <p:cNvCxnSpPr>
+            <a:stCxn id="4" idx="3"/>
+            <a:endCxn id="5" idx="1"/>
+          </p:cNvCxnSpPr>
+          <p:nvPr/>
+        </p:nvCxnSpPr>
+        <p:spPr>
+          <a:xfrm>
+            <a:off x="2266070" y="3575763"/>
+            <a:ext cx="977705" cy="12712"/>
+          </a:xfrm>
+          <a:prstGeom prst="straightConnector1">
+            <a:avLst/>
+          </a:prstGeom>
+          <a:ln>
+            <a:tailEnd type="triangle"/>
+          </a:ln>
+        </p:spPr>
+        <p:style>
+          <a:lnRef idx="1">
+            <a:schemeClr val="accent1"/>
+          </a:lnRef>
+          <a:fillRef idx="0">
+            <a:schemeClr val="accent1"/>
+          </a:fillRef>
+          <a:effectRef idx="0">
+            <a:schemeClr val="accent1"/>
+          </a:effectRef>
+          <a:fontRef idx="minor">
+            <a:schemeClr val="tx1"/>
+          </a:fontRef>
+        </p:style>
+      </p:cxnSp>
+      <p:cxnSp>
+        <p:nvCxnSpPr>
+          <p:cNvPr id="31" name="Straight Arrow Connector 30">
+            <a:extLst>
+              <a:ext uri="{FF2B5EF4-FFF2-40B4-BE49-F238E27FC236}">
+                <a16:creationId xmlns:a16="http://schemas.microsoft.com/office/drawing/2014/main" id="{BE2909E5-8E7D-4489-9776-FF5699FC12AE}"/>
+              </a:ext>
+            </a:extLst>
+          </p:cNvPr>
+          <p:cNvCxnSpPr>
+            <a:stCxn id="5" idx="3"/>
+            <a:endCxn id="9" idx="1"/>
+          </p:cNvCxnSpPr>
+          <p:nvPr/>
+        </p:nvCxnSpPr>
+        <p:spPr>
+          <a:xfrm>
+            <a:off x="4833424" y="3588475"/>
+            <a:ext cx="745189" cy="0"/>
+          </a:xfrm>
+          <a:prstGeom prst="straightConnector1">
+            <a:avLst/>
+          </a:prstGeom>
+          <a:ln>
+            <a:tailEnd type="triangle"/>
+          </a:ln>
+        </p:spPr>
+        <p:style>
+          <a:lnRef idx="1">
+            <a:schemeClr val="accent1"/>
+          </a:lnRef>
+          <a:fillRef idx="0">
+            <a:schemeClr val="accent1"/>
+          </a:fillRef>
+          <a:effectRef idx="0">
+            <a:schemeClr val="accent1"/>
+          </a:effectRef>
+          <a:fontRef idx="minor">
+            <a:schemeClr val="tx1"/>
+          </a:fontRef>
+        </p:style>
+      </p:cxnSp>
+      <p:cxnSp>
+        <p:nvCxnSpPr>
+          <p:cNvPr id="35" name="Straight Arrow Connector 34">
+            <a:extLst>
+              <a:ext uri="{FF2B5EF4-FFF2-40B4-BE49-F238E27FC236}">
+                <a16:creationId xmlns:a16="http://schemas.microsoft.com/office/drawing/2014/main" id="{8C1809F5-947E-49CA-99BA-83BA05929AAB}"/>
+              </a:ext>
+            </a:extLst>
+          </p:cNvPr>
+          <p:cNvCxnSpPr>
+            <a:stCxn id="9" idx="3"/>
+            <a:endCxn id="10" idx="1"/>
+          </p:cNvCxnSpPr>
+          <p:nvPr/>
+        </p:nvCxnSpPr>
+        <p:spPr>
+          <a:xfrm flipV="1">
+            <a:off x="7168262" y="3577019"/>
+            <a:ext cx="745190" cy="11456"/>
+          </a:xfrm>
+          <a:prstGeom prst="straightConnector1">
+            <a:avLst/>
+          </a:prstGeom>
+          <a:ln>
+            <a:tailEnd type="triangle"/>
+          </a:ln>
+        </p:spPr>
+        <p:style>
+          <a:lnRef idx="1">
+            <a:schemeClr val="accent1"/>
+          </a:lnRef>
+          <a:fillRef idx="0">
+            <a:schemeClr val="accent1"/>
+          </a:fillRef>
+          <a:effectRef idx="0">
+            <a:schemeClr val="accent1"/>
+          </a:effectRef>
+          <a:fontRef idx="minor">
+            <a:schemeClr val="tx1"/>
+          </a:fontRef>
+        </p:style>
+      </p:cxnSp>
+      <p:cxnSp>
+        <p:nvCxnSpPr>
+          <p:cNvPr id="39" name="Straight Arrow Connector 38">
+            <a:extLst>
+              <a:ext uri="{FF2B5EF4-FFF2-40B4-BE49-F238E27FC236}">
+                <a16:creationId xmlns:a16="http://schemas.microsoft.com/office/drawing/2014/main" id="{F2A6C513-649C-436B-A7FF-A4EFE47D5D1E}"/>
+              </a:ext>
+            </a:extLst>
+          </p:cNvPr>
+          <p:cNvCxnSpPr>
+            <a:stCxn id="10" idx="3"/>
+            <a:endCxn id="24" idx="1"/>
+          </p:cNvCxnSpPr>
+          <p:nvPr/>
+        </p:nvCxnSpPr>
+        <p:spPr>
+          <a:xfrm flipV="1">
+            <a:off x="9503101" y="3567876"/>
+            <a:ext cx="695554" cy="9143"/>
+          </a:xfrm>
+          <a:prstGeom prst="straightConnector1">
+            <a:avLst/>
+          </a:prstGeom>
+          <a:ln>
+            <a:tailEnd type="triangle"/>
+          </a:ln>
+        </p:spPr>
+        <p:style>
+          <a:lnRef idx="1">
+            <a:schemeClr val="accent1"/>
+          </a:lnRef>
+          <a:fillRef idx="0">
+            <a:schemeClr val="accent1"/>
+          </a:fillRef>
+          <a:effectRef idx="0">
+            <a:schemeClr val="accent1"/>
+          </a:effectRef>
+          <a:fontRef idx="minor">
+            <a:schemeClr val="tx1"/>
+          </a:fontRef>
+        </p:style>
+      </p:cxnSp>
     </p:spTree>
     <p:extLst>
       <p:ext uri="{BB962C8B-B14F-4D97-AF65-F5344CB8AC3E}">
